--- a/bitrotation/ppt.pptx
+++ b/bitrotation/ppt.pptx
@@ -5,20 +5,25 @@
     <p:sldMasterId id="2147483649" r:id="rId1"/>
   </p:sldMasterIdLst>
   <p:notesMasterIdLst>
-    <p:notesMasterId r:id="rId13"/>
+    <p:notesMasterId r:id="rId18"/>
   </p:notesMasterIdLst>
   <p:sldIdLst>
     <p:sldId id="256" r:id="rId2"/>
-    <p:sldId id="258" r:id="rId3"/>
-    <p:sldId id="259" r:id="rId4"/>
-    <p:sldId id="257" r:id="rId5"/>
-    <p:sldId id="260" r:id="rId6"/>
-    <p:sldId id="261" r:id="rId7"/>
-    <p:sldId id="262" r:id="rId8"/>
-    <p:sldId id="263" r:id="rId9"/>
-    <p:sldId id="264" r:id="rId10"/>
-    <p:sldId id="265" r:id="rId11"/>
-    <p:sldId id="266" r:id="rId12"/>
+    <p:sldId id="268" r:id="rId3"/>
+    <p:sldId id="258" r:id="rId4"/>
+    <p:sldId id="259" r:id="rId5"/>
+    <p:sldId id="257" r:id="rId6"/>
+    <p:sldId id="260" r:id="rId7"/>
+    <p:sldId id="261" r:id="rId8"/>
+    <p:sldId id="262" r:id="rId9"/>
+    <p:sldId id="263" r:id="rId10"/>
+    <p:sldId id="264" r:id="rId11"/>
+    <p:sldId id="265" r:id="rId12"/>
+    <p:sldId id="266" r:id="rId13"/>
+    <p:sldId id="267" r:id="rId14"/>
+    <p:sldId id="269" r:id="rId15"/>
+    <p:sldId id="270" r:id="rId16"/>
+    <p:sldId id="271" r:id="rId17"/>
   </p:sldIdLst>
   <p:sldSz cx="9144000" cy="6858000" type="screen4x3"/>
   <p:notesSz cx="7099300" cy="10234613"/>
@@ -5268,15 +5273,7 @@
           <a:p>
             <a:r>
               <a:rPr lang="en-US" altLang="zh-TW" sz="3600" dirty="0"/>
-              <a:t>Impact of ADC Loss in Different Hybrid Partial </a:t>
-            </a:r>
-            <a:r>
-              <a:rPr lang="en-US" altLang="zh-TW" sz="3600" dirty="0" err="1"/>
-              <a:t>Pruduct</a:t>
-            </a:r>
-            <a:r>
-              <a:rPr lang="en-US" altLang="zh-TW" sz="3600" dirty="0"/>
-              <a:t> Shapes</a:t>
+              <a:t>Impact of ADC Loss in Different Hybrid Partial Product Shapes</a:t>
             </a:r>
             <a:endParaRPr lang="zh-TW" altLang="en-US" sz="3600" dirty="0"/>
           </a:p>
@@ -5733,6 +5730,302 @@
         <p:cNvPr id="1" name="">
           <a:extLst>
             <a:ext uri="{FF2B5EF4-FFF2-40B4-BE49-F238E27FC236}">
+              <a16:creationId xmlns:a16="http://schemas.microsoft.com/office/drawing/2014/main" id="{AC0222FE-D432-FB8E-DC84-3BA84830F78D}"/>
+            </a:ext>
+          </a:extLst>
+        </p:cNvPr>
+        <p:cNvGrpSpPr/>
+        <p:nvPr/>
+      </p:nvGrpSpPr>
+      <p:grpSpPr>
+        <a:xfrm>
+          <a:off x="0" y="0"/>
+          <a:ext cx="0" cy="0"/>
+          <a:chOff x="0" y="0"/>
+          <a:chExt cx="0" cy="0"/>
+        </a:xfrm>
+      </p:grpSpPr>
+      <p:sp>
+        <p:nvSpPr>
+          <p:cNvPr id="2" name="標題 1">
+            <a:extLst>
+              <a:ext uri="{FF2B5EF4-FFF2-40B4-BE49-F238E27FC236}">
+                <a16:creationId xmlns:a16="http://schemas.microsoft.com/office/drawing/2014/main" id="{17D08070-4E70-2C2D-55C5-0E7563A27122}"/>
+              </a:ext>
+            </a:extLst>
+          </p:cNvPr>
+          <p:cNvSpPr>
+            <a:spLocks noGrp="1"/>
+          </p:cNvSpPr>
+          <p:nvPr>
+            <p:ph type="title"/>
+          </p:nvPr>
+        </p:nvSpPr>
+        <p:spPr/>
+        <p:txBody>
+          <a:bodyPr/>
+          <a:lstStyle/>
+          <a:p>
+            <a:r>
+              <a:rPr lang="en-US" altLang="zh-TW" dirty="0"/>
+              <a:t>Part A : Shapes of Partial Sum</a:t>
+            </a:r>
+            <a:endParaRPr lang="zh-TW" altLang="en-US" dirty="0"/>
+          </a:p>
+        </p:txBody>
+      </p:sp>
+      <p:sp>
+        <p:nvSpPr>
+          <p:cNvPr id="3" name="內容版面配置區 2">
+            <a:extLst>
+              <a:ext uri="{FF2B5EF4-FFF2-40B4-BE49-F238E27FC236}">
+                <a16:creationId xmlns:a16="http://schemas.microsoft.com/office/drawing/2014/main" id="{54622A56-781B-B648-9908-26B4AE03209A}"/>
+              </a:ext>
+            </a:extLst>
+          </p:cNvPr>
+          <p:cNvSpPr>
+            <a:spLocks noGrp="1"/>
+          </p:cNvSpPr>
+          <p:nvPr>
+            <p:ph idx="1"/>
+          </p:nvPr>
+        </p:nvSpPr>
+        <p:spPr/>
+        <p:txBody>
+          <a:bodyPr/>
+          <a:lstStyle/>
+          <a:p>
+            <a:pPr lvl="1"/>
+            <a:r>
+              <a:rPr lang="en-US" altLang="zh-TW" dirty="0"/>
+              <a:t>Error in ADC</a:t>
+            </a:r>
+          </a:p>
+          <a:p>
+            <a:pPr lvl="2"/>
+            <a:r>
+              <a:rPr lang="en-US" altLang="zh-TW" dirty="0"/>
+              <a:t>Error rate in bits</a:t>
+            </a:r>
+          </a:p>
+        </p:txBody>
+      </p:sp>
+      <p:sp>
+        <p:nvSpPr>
+          <p:cNvPr id="4" name="投影片編號版面配置區 3">
+            <a:extLst>
+              <a:ext uri="{FF2B5EF4-FFF2-40B4-BE49-F238E27FC236}">
+                <a16:creationId xmlns:a16="http://schemas.microsoft.com/office/drawing/2014/main" id="{0E5490B9-4B40-0EA6-6725-1130FAE971E3}"/>
+              </a:ext>
+            </a:extLst>
+          </p:cNvPr>
+          <p:cNvSpPr>
+            <a:spLocks noGrp="1"/>
+          </p:cNvSpPr>
+          <p:nvPr>
+            <p:ph type="sldNum" sz="quarter" idx="12"/>
+          </p:nvPr>
+        </p:nvSpPr>
+        <p:spPr/>
+        <p:txBody>
+          <a:bodyPr/>
+          <a:lstStyle/>
+          <a:p>
+            <a:pPr>
+              <a:defRPr/>
+            </a:pPr>
+            <a:fld id="{8F5F56E1-31C3-4936-AC76-6E9C056A1F24}" type="slidenum">
+              <a:rPr lang="en-US" altLang="zh-TW" smtClean="0"/>
+              <a:pPr>
+                <a:defRPr/>
+              </a:pPr>
+              <a:t>10</a:t>
+            </a:fld>
+            <a:endParaRPr lang="en-US" altLang="zh-TW"/>
+          </a:p>
+        </p:txBody>
+      </p:sp>
+      <p:grpSp>
+        <p:nvGrpSpPr>
+          <p:cNvPr id="12" name="群組 11">
+            <a:extLst>
+              <a:ext uri="{FF2B5EF4-FFF2-40B4-BE49-F238E27FC236}">
+                <a16:creationId xmlns:a16="http://schemas.microsoft.com/office/drawing/2014/main" id="{4173177D-C3C6-03AC-5190-C0CB6902A825}"/>
+              </a:ext>
+            </a:extLst>
+          </p:cNvPr>
+          <p:cNvGrpSpPr/>
+          <p:nvPr/>
+        </p:nvGrpSpPr>
+        <p:grpSpPr>
+          <a:xfrm>
+            <a:off x="5364088" y="1437609"/>
+            <a:ext cx="1650026" cy="1494358"/>
+            <a:chOff x="1121774" y="2034245"/>
+            <a:chExt cx="1650026" cy="1494358"/>
+          </a:xfrm>
+        </p:grpSpPr>
+        <p:pic>
+          <p:nvPicPr>
+            <p:cNvPr id="17" name="圖片 16">
+              <a:extLst>
+                <a:ext uri="{FF2B5EF4-FFF2-40B4-BE49-F238E27FC236}">
+                  <a16:creationId xmlns:a16="http://schemas.microsoft.com/office/drawing/2014/main" id="{C7CEF059-B610-3635-72D7-43BAE8AFBA84}"/>
+                </a:ext>
+              </a:extLst>
+            </p:cNvPr>
+            <p:cNvPicPr>
+              <a:picLocks noChangeAspect="1"/>
+            </p:cNvPicPr>
+            <p:nvPr/>
+          </p:nvPicPr>
+          <p:blipFill>
+            <a:blip r:embed="rId2"/>
+            <a:srcRect l="54881"/>
+            <a:stretch/>
+          </p:blipFill>
+          <p:spPr>
+            <a:xfrm>
+              <a:off x="1121774" y="2348880"/>
+              <a:ext cx="1512168" cy="1179723"/>
+            </a:xfrm>
+            <a:prstGeom prst="rect">
+              <a:avLst/>
+            </a:prstGeom>
+          </p:spPr>
+        </p:pic>
+        <p:sp>
+          <p:nvSpPr>
+            <p:cNvPr id="9" name="文字方塊 8">
+              <a:extLst>
+                <a:ext uri="{FF2B5EF4-FFF2-40B4-BE49-F238E27FC236}">
+                  <a16:creationId xmlns:a16="http://schemas.microsoft.com/office/drawing/2014/main" id="{816603F6-6B3D-BEFF-BE9B-DF337000D3A1}"/>
+                </a:ext>
+              </a:extLst>
+            </p:cNvPr>
+            <p:cNvSpPr txBox="1"/>
+            <p:nvPr/>
+          </p:nvSpPr>
+          <p:spPr>
+            <a:xfrm>
+              <a:off x="1498274" y="2034245"/>
+              <a:ext cx="1273526" cy="369332"/>
+            </a:xfrm>
+            <a:prstGeom prst="rect">
+              <a:avLst/>
+            </a:prstGeom>
+            <a:noFill/>
+          </p:spPr>
+          <p:txBody>
+            <a:bodyPr wrap="square">
+              <a:spAutoFit/>
+            </a:bodyPr>
+            <a:lstStyle/>
+            <a:p>
+              <a:r>
+                <a:rPr lang="en-US" altLang="zh-TW" b="0" dirty="0"/>
+                <a:t>Lightning</a:t>
+              </a:r>
+              <a:endParaRPr lang="zh-TW" altLang="en-US" b="0" dirty="0"/>
+            </a:p>
+          </p:txBody>
+        </p:sp>
+      </p:grpSp>
+      <p:pic>
+        <p:nvPicPr>
+          <p:cNvPr id="6" name="圖片 5">
+            <a:extLst>
+              <a:ext uri="{FF2B5EF4-FFF2-40B4-BE49-F238E27FC236}">
+                <a16:creationId xmlns:a16="http://schemas.microsoft.com/office/drawing/2014/main" id="{57B0F913-A615-54BE-B781-AB8922CACA3B}"/>
+              </a:ext>
+            </a:extLst>
+          </p:cNvPr>
+          <p:cNvPicPr>
+            <a:picLocks noChangeAspect="1"/>
+          </p:cNvPicPr>
+          <p:nvPr/>
+        </p:nvPicPr>
+        <p:blipFill>
+          <a:blip r:embed="rId3">
+            <a:extLst>
+              <a:ext uri="{28A0092B-C50C-407E-A947-70E740481C1C}">
+                <a14:useLocalDpi xmlns:a14="http://schemas.microsoft.com/office/drawing/2010/main" val="0"/>
+              </a:ext>
+            </a:extLst>
+          </a:blip>
+          <a:stretch>
+            <a:fillRect/>
+          </a:stretch>
+        </p:blipFill>
+        <p:spPr>
+          <a:xfrm>
+            <a:off x="1116504" y="2931967"/>
+            <a:ext cx="6910992" cy="3455496"/>
+          </a:xfrm>
+          <a:prstGeom prst="rect">
+            <a:avLst/>
+          </a:prstGeom>
+        </p:spPr>
+      </p:pic>
+      <p:sp>
+        <p:nvSpPr>
+          <p:cNvPr id="5" name="文字方塊 4">
+            <a:extLst>
+              <a:ext uri="{FF2B5EF4-FFF2-40B4-BE49-F238E27FC236}">
+                <a16:creationId xmlns:a16="http://schemas.microsoft.com/office/drawing/2014/main" id="{2396F95D-3100-F199-CD1C-A71A811A79C5}"/>
+              </a:ext>
+            </a:extLst>
+          </p:cNvPr>
+          <p:cNvSpPr txBox="1"/>
+          <p:nvPr/>
+        </p:nvSpPr>
+        <p:spPr>
+          <a:xfrm>
+            <a:off x="1619672" y="3140968"/>
+            <a:ext cx="792088" cy="215444"/>
+          </a:xfrm>
+          <a:prstGeom prst="rect">
+            <a:avLst/>
+          </a:prstGeom>
+          <a:solidFill>
+            <a:schemeClr val="bg1"/>
+          </a:solidFill>
+        </p:spPr>
+        <p:txBody>
+          <a:bodyPr wrap="square">
+            <a:spAutoFit/>
+          </a:bodyPr>
+          <a:lstStyle/>
+          <a:p>
+            <a:r>
+              <a:rPr lang="en-US" altLang="zh-TW" sz="800" b="0" dirty="0"/>
+              <a:t>Analog loss</a:t>
+            </a:r>
+            <a:endParaRPr lang="zh-TW" altLang="en-US" sz="800" b="0" dirty="0"/>
+          </a:p>
+        </p:txBody>
+      </p:sp>
+    </p:spTree>
+    <p:extLst>
+      <p:ext uri="{BB962C8B-B14F-4D97-AF65-F5344CB8AC3E}">
+        <p14:creationId xmlns:p14="http://schemas.microsoft.com/office/powerpoint/2010/main" val="972177386"/>
+      </p:ext>
+    </p:extLst>
+  </p:cSld>
+  <p:clrMapOvr>
+    <a:masterClrMapping/>
+  </p:clrMapOvr>
+</p:sld>
+</file>
+
+<file path=ppt/slides/slide11.xml><?xml version="1.0" encoding="utf-8"?>
+<p:sld xmlns:a="http://schemas.openxmlformats.org/drawingml/2006/main" xmlns:r="http://schemas.openxmlformats.org/officeDocument/2006/relationships" xmlns:p="http://schemas.openxmlformats.org/presentationml/2006/main">
+  <p:cSld>
+    <p:spTree>
+      <p:nvGrpSpPr>
+        <p:cNvPr id="1" name="">
+          <a:extLst>
+            <a:ext uri="{FF2B5EF4-FFF2-40B4-BE49-F238E27FC236}">
               <a16:creationId xmlns:a16="http://schemas.microsoft.com/office/drawing/2014/main" id="{39B941D1-0E8E-AFB1-3CD9-3C8AFDB5F3D9}"/>
             </a:ext>
           </a:extLst>
@@ -5771,7 +6064,7 @@
           <a:p>
             <a:r>
               <a:rPr lang="en-US" altLang="zh-TW" dirty="0"/>
-              <a:t>Shapes of Partial Sum</a:t>
+              <a:t>Part A : Shapes of Partial Sum</a:t>
             </a:r>
             <a:endParaRPr lang="zh-TW" altLang="en-US" dirty="0"/>
           </a:p>
@@ -5842,7 +6135,7 @@
               <a:pPr>
                 <a:defRPr/>
               </a:pPr>
-              <a:t>10</a:t>
+              <a:t>11</a:t>
             </a:fld>
             <a:endParaRPr lang="en-US" altLang="zh-TW"/>
           </a:p>
@@ -5991,6 +6284,44 @@
           </a:prstGeom>
         </p:spPr>
       </p:pic>
+      <p:sp>
+        <p:nvSpPr>
+          <p:cNvPr id="5" name="文字方塊 4">
+            <a:extLst>
+              <a:ext uri="{FF2B5EF4-FFF2-40B4-BE49-F238E27FC236}">
+                <a16:creationId xmlns:a16="http://schemas.microsoft.com/office/drawing/2014/main" id="{C61805B4-525E-286C-1B2D-064570A92454}"/>
+              </a:ext>
+            </a:extLst>
+          </p:cNvPr>
+          <p:cNvSpPr txBox="1"/>
+          <p:nvPr/>
+        </p:nvSpPr>
+        <p:spPr>
+          <a:xfrm>
+            <a:off x="1547664" y="3213556"/>
+            <a:ext cx="792088" cy="215444"/>
+          </a:xfrm>
+          <a:prstGeom prst="rect">
+            <a:avLst/>
+          </a:prstGeom>
+          <a:solidFill>
+            <a:schemeClr val="bg1"/>
+          </a:solidFill>
+        </p:spPr>
+        <p:txBody>
+          <a:bodyPr wrap="square">
+            <a:spAutoFit/>
+          </a:bodyPr>
+          <a:lstStyle/>
+          <a:p>
+            <a:r>
+              <a:rPr lang="en-US" altLang="zh-TW" sz="800" b="0" dirty="0"/>
+              <a:t>Analog loss</a:t>
+            </a:r>
+            <a:endParaRPr lang="zh-TW" altLang="en-US" sz="800" b="0" dirty="0"/>
+          </a:p>
+        </p:txBody>
+      </p:sp>
     </p:spTree>
     <p:extLst>
       <p:ext uri="{BB962C8B-B14F-4D97-AF65-F5344CB8AC3E}">
@@ -6004,7 +6335,7 @@
 </p:sld>
 </file>
 
-<file path=ppt/slides/slide11.xml><?xml version="1.0" encoding="utf-8"?>
+<file path=ppt/slides/slide12.xml><?xml version="1.0" encoding="utf-8"?>
 <p:sld xmlns:a="http://schemas.openxmlformats.org/drawingml/2006/main" xmlns:r="http://schemas.openxmlformats.org/officeDocument/2006/relationships" xmlns:p="http://schemas.openxmlformats.org/presentationml/2006/main">
   <p:cSld>
     <p:spTree>
@@ -6050,7 +6381,7 @@
           <a:p>
             <a:r>
               <a:rPr lang="en-US" altLang="zh-TW" dirty="0"/>
-              <a:t>Shapes of Partial Sum</a:t>
+              <a:t>Part A : Shapes of Partial Sum</a:t>
             </a:r>
             <a:endParaRPr lang="zh-TW" altLang="en-US" dirty="0"/>
           </a:p>
@@ -6121,7 +6452,7 @@
               <a:pPr>
                 <a:defRPr/>
               </a:pPr>
-              <a:t>11</a:t>
+              <a:t>12</a:t>
             </a:fld>
             <a:endParaRPr lang="en-US" altLang="zh-TW"/>
           </a:p>
@@ -6329,6 +6660,44 @@
           </a:prstGeom>
         </p:spPr>
       </p:pic>
+      <p:sp>
+        <p:nvSpPr>
+          <p:cNvPr id="6" name="文字方塊 5">
+            <a:extLst>
+              <a:ext uri="{FF2B5EF4-FFF2-40B4-BE49-F238E27FC236}">
+                <a16:creationId xmlns:a16="http://schemas.microsoft.com/office/drawing/2014/main" id="{27213C79-99E1-6559-C20E-BB9A30F71097}"/>
+              </a:ext>
+            </a:extLst>
+          </p:cNvPr>
+          <p:cNvSpPr txBox="1"/>
+          <p:nvPr/>
+        </p:nvSpPr>
+        <p:spPr>
+          <a:xfrm>
+            <a:off x="1547664" y="3321278"/>
+            <a:ext cx="792088" cy="215444"/>
+          </a:xfrm>
+          <a:prstGeom prst="rect">
+            <a:avLst/>
+          </a:prstGeom>
+          <a:solidFill>
+            <a:schemeClr val="bg1"/>
+          </a:solidFill>
+        </p:spPr>
+        <p:txBody>
+          <a:bodyPr wrap="square">
+            <a:spAutoFit/>
+          </a:bodyPr>
+          <a:lstStyle/>
+          <a:p>
+            <a:r>
+              <a:rPr lang="en-US" altLang="zh-TW" sz="800" b="0" dirty="0"/>
+              <a:t>Analog loss</a:t>
+            </a:r>
+            <a:endParaRPr lang="zh-TW" altLang="en-US" sz="800" b="0" dirty="0"/>
+          </a:p>
+        </p:txBody>
+      </p:sp>
     </p:spTree>
     <p:extLst>
       <p:ext uri="{BB962C8B-B14F-4D97-AF65-F5344CB8AC3E}">
@@ -6342,7 +6711,3387 @@
 </p:sld>
 </file>
 
+<file path=ppt/slides/slide13.xml><?xml version="1.0" encoding="utf-8"?>
+<p:sld xmlns:a="http://schemas.openxmlformats.org/drawingml/2006/main" xmlns:r="http://schemas.openxmlformats.org/officeDocument/2006/relationships" xmlns:p="http://schemas.openxmlformats.org/presentationml/2006/main">
+  <p:cSld>
+    <p:spTree>
+      <p:nvGrpSpPr>
+        <p:cNvPr id="1" name=""/>
+        <p:cNvGrpSpPr/>
+        <p:nvPr/>
+      </p:nvGrpSpPr>
+      <p:grpSpPr>
+        <a:xfrm>
+          <a:off x="0" y="0"/>
+          <a:ext cx="0" cy="0"/>
+          <a:chOff x="0" y="0"/>
+          <a:chExt cx="0" cy="0"/>
+        </a:xfrm>
+      </p:grpSpPr>
+      <p:sp>
+        <p:nvSpPr>
+          <p:cNvPr id="2" name="標題 1">
+            <a:extLst>
+              <a:ext uri="{FF2B5EF4-FFF2-40B4-BE49-F238E27FC236}">
+                <a16:creationId xmlns:a16="http://schemas.microsoft.com/office/drawing/2014/main" id="{C25681F9-2FA1-F10D-E2D0-2A15D58B6F48}"/>
+              </a:ext>
+            </a:extLst>
+          </p:cNvPr>
+          <p:cNvSpPr>
+            <a:spLocks noGrp="1"/>
+          </p:cNvSpPr>
+          <p:nvPr>
+            <p:ph type="title"/>
+          </p:nvPr>
+        </p:nvSpPr>
+        <p:spPr/>
+        <p:txBody>
+          <a:bodyPr/>
+          <a:lstStyle/>
+          <a:p>
+            <a:r>
+              <a:rPr lang="en-US" altLang="zh-TW" dirty="0"/>
+              <a:t>Impact of Analog Loss</a:t>
+            </a:r>
+            <a:endParaRPr lang="zh-TW" altLang="en-US" dirty="0"/>
+          </a:p>
+        </p:txBody>
+      </p:sp>
+      <p:sp>
+        <p:nvSpPr>
+          <p:cNvPr id="3" name="內容版面配置區 2">
+            <a:extLst>
+              <a:ext uri="{FF2B5EF4-FFF2-40B4-BE49-F238E27FC236}">
+                <a16:creationId xmlns:a16="http://schemas.microsoft.com/office/drawing/2014/main" id="{1D472CDF-8A0E-DB47-2552-3D345318AFA4}"/>
+              </a:ext>
+            </a:extLst>
+          </p:cNvPr>
+          <p:cNvSpPr>
+            <a:spLocks noGrp="1"/>
+          </p:cNvSpPr>
+          <p:nvPr>
+            <p:ph idx="1"/>
+          </p:nvPr>
+        </p:nvSpPr>
+        <p:spPr>
+          <a:xfrm>
+            <a:off x="467544" y="1600200"/>
+            <a:ext cx="8229600" cy="4530725"/>
+          </a:xfrm>
+        </p:spPr>
+        <p:txBody>
+          <a:bodyPr/>
+          <a:lstStyle/>
+          <a:p>
+            <a:pPr lvl="1"/>
+            <a:r>
+              <a:rPr lang="en-US" altLang="zh-TW" dirty="0"/>
+              <a:t>The dataset used in the paper is ImageNet</a:t>
+            </a:r>
+          </a:p>
+          <a:p>
+            <a:pPr lvl="2"/>
+            <a:r>
+              <a:rPr lang="en-US" altLang="zh-TW" dirty="0"/>
+              <a:t>ImageNet is not implemented in torch</a:t>
+            </a:r>
+          </a:p>
+          <a:p>
+            <a:pPr lvl="2"/>
+            <a:r>
+              <a:rPr lang="en-US" altLang="zh-TW" dirty="0"/>
+              <a:t>Use a simpler dataset CIFAR-103</a:t>
+            </a:r>
+          </a:p>
+          <a:p>
+            <a:pPr marL="914400" lvl="2" indent="0">
+              <a:buNone/>
+            </a:pPr>
+            <a:endParaRPr lang="en-US" altLang="zh-TW" dirty="0"/>
+          </a:p>
+          <a:p>
+            <a:pPr lvl="1"/>
+            <a:r>
+              <a:rPr lang="en-US" altLang="zh-TW" dirty="0"/>
+              <a:t>ResNet-18</a:t>
+            </a:r>
+          </a:p>
+          <a:p>
+            <a:pPr lvl="2"/>
+            <a:r>
+              <a:rPr lang="en-US" altLang="zh-TW" dirty="0"/>
+              <a:t>Trained using </a:t>
+            </a:r>
+            <a:r>
+              <a:rPr lang="en-US" altLang="zh-TW" dirty="0" err="1"/>
+              <a:t>fp</a:t>
+            </a:r>
+            <a:r>
+              <a:rPr lang="en-US" altLang="zh-TW" dirty="0"/>
+              <a:t> precision</a:t>
+            </a:r>
+          </a:p>
+          <a:p>
+            <a:pPr lvl="2"/>
+            <a:r>
+              <a:rPr lang="en-US" altLang="zh-TW" dirty="0"/>
+              <a:t>Quantize to int8 after training</a:t>
+            </a:r>
+          </a:p>
+          <a:p>
+            <a:pPr lvl="2"/>
+            <a:r>
+              <a:rPr lang="en-US" altLang="zh-TW" dirty="0"/>
+              <a:t>Compute MAC result for each layer and apply loss</a:t>
+            </a:r>
+          </a:p>
+          <a:p>
+            <a:pPr lvl="1"/>
+            <a:endParaRPr lang="en-US" altLang="zh-TW" dirty="0"/>
+          </a:p>
+          <a:p>
+            <a:pPr lvl="1"/>
+            <a:endParaRPr lang="en-US" altLang="zh-TW" dirty="0"/>
+          </a:p>
+          <a:p>
+            <a:pPr lvl="1"/>
+            <a:endParaRPr lang="en-US" altLang="zh-TW" dirty="0"/>
+          </a:p>
+          <a:p>
+            <a:pPr lvl="1"/>
+            <a:endParaRPr lang="zh-TW" altLang="en-US" dirty="0"/>
+          </a:p>
+        </p:txBody>
+      </p:sp>
+      <p:sp>
+        <p:nvSpPr>
+          <p:cNvPr id="4" name="投影片編號版面配置區 3">
+            <a:extLst>
+              <a:ext uri="{FF2B5EF4-FFF2-40B4-BE49-F238E27FC236}">
+                <a16:creationId xmlns:a16="http://schemas.microsoft.com/office/drawing/2014/main" id="{9F6CAB17-A841-AB80-DF8E-8A7566BF4902}"/>
+              </a:ext>
+            </a:extLst>
+          </p:cNvPr>
+          <p:cNvSpPr>
+            <a:spLocks noGrp="1"/>
+          </p:cNvSpPr>
+          <p:nvPr>
+            <p:ph type="sldNum" sz="quarter" idx="12"/>
+          </p:nvPr>
+        </p:nvSpPr>
+        <p:spPr/>
+        <p:txBody>
+          <a:bodyPr/>
+          <a:lstStyle/>
+          <a:p>
+            <a:pPr>
+              <a:defRPr/>
+            </a:pPr>
+            <a:fld id="{8F5F56E1-31C3-4936-AC76-6E9C056A1F24}" type="slidenum">
+              <a:rPr lang="en-US" altLang="zh-TW" smtClean="0"/>
+              <a:pPr>
+                <a:defRPr/>
+              </a:pPr>
+              <a:t>13</a:t>
+            </a:fld>
+            <a:endParaRPr lang="en-US" altLang="zh-TW" dirty="0"/>
+          </a:p>
+        </p:txBody>
+      </p:sp>
+      <p:pic>
+        <p:nvPicPr>
+          <p:cNvPr id="6" name="圖片 5">
+            <a:extLst>
+              <a:ext uri="{FF2B5EF4-FFF2-40B4-BE49-F238E27FC236}">
+                <a16:creationId xmlns:a16="http://schemas.microsoft.com/office/drawing/2014/main" id="{11BA5EFC-27EF-2701-E890-6A6135B5793F}"/>
+              </a:ext>
+            </a:extLst>
+          </p:cNvPr>
+          <p:cNvPicPr>
+            <a:picLocks noChangeAspect="1"/>
+          </p:cNvPicPr>
+          <p:nvPr/>
+        </p:nvPicPr>
+        <p:blipFill>
+          <a:blip r:embed="rId2"/>
+          <a:stretch>
+            <a:fillRect/>
+          </a:stretch>
+        </p:blipFill>
+        <p:spPr>
+          <a:xfrm>
+            <a:off x="6732240" y="2060848"/>
+            <a:ext cx="1800200" cy="1804368"/>
+          </a:xfrm>
+          <a:prstGeom prst="rect">
+            <a:avLst/>
+          </a:prstGeom>
+        </p:spPr>
+      </p:pic>
+      <p:pic>
+        <p:nvPicPr>
+          <p:cNvPr id="1026" name="Picture 2" descr="ResNet-18 architecture [20]. The numbers added to the end of ...">
+            <a:extLst>
+              <a:ext uri="{FF2B5EF4-FFF2-40B4-BE49-F238E27FC236}">
+                <a16:creationId xmlns:a16="http://schemas.microsoft.com/office/drawing/2014/main" id="{A9A26527-D1E1-F58E-6E5B-A5B77777654E}"/>
+              </a:ext>
+            </a:extLst>
+          </p:cNvPr>
+          <p:cNvPicPr>
+            <a:picLocks noChangeAspect="1" noChangeArrowheads="1"/>
+          </p:cNvPicPr>
+          <p:nvPr/>
+        </p:nvPicPr>
+        <p:blipFill>
+          <a:blip r:embed="rId3">
+            <a:extLst>
+              <a:ext uri="{28A0092B-C50C-407E-A947-70E740481C1C}">
+                <a14:useLocalDpi xmlns:a14="http://schemas.microsoft.com/office/drawing/2010/main" val="0"/>
+              </a:ext>
+            </a:extLst>
+          </a:blip>
+          <a:srcRect/>
+          <a:stretch>
+            <a:fillRect/>
+          </a:stretch>
+        </p:blipFill>
+        <p:spPr bwMode="auto">
+          <a:xfrm>
+            <a:off x="2115412" y="4697152"/>
+            <a:ext cx="4440671" cy="2032260"/>
+          </a:xfrm>
+          <a:prstGeom prst="rect">
+            <a:avLst/>
+          </a:prstGeom>
+          <a:noFill/>
+          <a:extLst>
+            <a:ext uri="{909E8E84-426E-40DD-AFC4-6F175D3DCCD1}">
+              <a14:hiddenFill xmlns:a14="http://schemas.microsoft.com/office/drawing/2010/main">
+                <a:solidFill>
+                  <a:srgbClr val="FFFFFF"/>
+                </a:solidFill>
+              </a14:hiddenFill>
+            </a:ext>
+          </a:extLst>
+        </p:spPr>
+      </p:pic>
+      <p:sp>
+        <p:nvSpPr>
+          <p:cNvPr id="8" name="文字方塊 7">
+            <a:extLst>
+              <a:ext uri="{FF2B5EF4-FFF2-40B4-BE49-F238E27FC236}">
+                <a16:creationId xmlns:a16="http://schemas.microsoft.com/office/drawing/2014/main" id="{5F2ED9E5-C119-7281-14CA-2CA1C6287BFE}"/>
+              </a:ext>
+            </a:extLst>
+          </p:cNvPr>
+          <p:cNvSpPr txBox="1"/>
+          <p:nvPr/>
+        </p:nvSpPr>
+        <p:spPr>
+          <a:xfrm>
+            <a:off x="899592" y="4950813"/>
+            <a:ext cx="871622" cy="307777"/>
+          </a:xfrm>
+          <a:prstGeom prst="rect">
+            <a:avLst/>
+          </a:prstGeom>
+          <a:solidFill>
+            <a:schemeClr val="bg1"/>
+          </a:solidFill>
+        </p:spPr>
+        <p:txBody>
+          <a:bodyPr wrap="square">
+            <a:spAutoFit/>
+          </a:bodyPr>
+          <a:lstStyle/>
+          <a:p>
+            <a:r>
+              <a:rPr lang="en-US" altLang="zh-TW" sz="1400" b="0" dirty="0"/>
+              <a:t>-LOSS</a:t>
+            </a:r>
+            <a:endParaRPr lang="zh-TW" altLang="en-US" sz="1400" b="0" dirty="0"/>
+          </a:p>
+        </p:txBody>
+      </p:sp>
+      <p:cxnSp>
+        <p:nvCxnSpPr>
+          <p:cNvPr id="10" name="接點: 弧形 9">
+            <a:extLst>
+              <a:ext uri="{FF2B5EF4-FFF2-40B4-BE49-F238E27FC236}">
+                <a16:creationId xmlns:a16="http://schemas.microsoft.com/office/drawing/2014/main" id="{D4E3998C-49EF-1880-3377-2E1AA35308ED}"/>
+              </a:ext>
+            </a:extLst>
+          </p:cNvPr>
+          <p:cNvCxnSpPr>
+            <a:cxnSpLocks/>
+            <a:stCxn id="8" idx="3"/>
+          </p:cNvCxnSpPr>
+          <p:nvPr/>
+        </p:nvCxnSpPr>
+        <p:spPr bwMode="auto">
+          <a:xfrm>
+            <a:off x="1771214" y="5104702"/>
+            <a:ext cx="1369561" cy="206671"/>
+          </a:xfrm>
+          <a:prstGeom prst="curvedConnector3">
+            <a:avLst>
+              <a:gd name="adj1" fmla="val 92168"/>
+            </a:avLst>
+          </a:prstGeom>
+          <a:solidFill>
+            <a:schemeClr val="accent1"/>
+          </a:solidFill>
+          <a:ln w="28575" cap="flat" cmpd="sng" algn="ctr">
+            <a:solidFill>
+              <a:schemeClr val="tx1"/>
+            </a:solidFill>
+            <a:prstDash val="solid"/>
+            <a:round/>
+            <a:headEnd type="none" w="med" len="med"/>
+            <a:tailEnd type="triangle"/>
+          </a:ln>
+          <a:effectLst/>
+          <a:extLst>
+            <a:ext uri="{AF507438-7753-43E0-B8FC-AC1667EBCBE1}">
+              <a14:hiddenEffects xmlns:a14="http://schemas.microsoft.com/office/drawing/2010/main">
+                <a:effectLst>
+                  <a:outerShdw dist="35921" dir="2700000" algn="ctr" rotWithShape="0">
+                    <a:schemeClr val="bg2"/>
+                  </a:outerShdw>
+                </a:effectLst>
+              </a14:hiddenEffects>
+            </a:ext>
+          </a:extLst>
+        </p:spPr>
+      </p:cxnSp>
+      <p:cxnSp>
+        <p:nvCxnSpPr>
+          <p:cNvPr id="14" name="接點: 弧形 13">
+            <a:extLst>
+              <a:ext uri="{FF2B5EF4-FFF2-40B4-BE49-F238E27FC236}">
+                <a16:creationId xmlns:a16="http://schemas.microsoft.com/office/drawing/2014/main" id="{C137F7D0-4E4E-DBF3-3B9C-178B03FCA9F5}"/>
+              </a:ext>
+            </a:extLst>
+          </p:cNvPr>
+          <p:cNvCxnSpPr>
+            <a:cxnSpLocks/>
+            <a:stCxn id="8" idx="3"/>
+          </p:cNvCxnSpPr>
+          <p:nvPr/>
+        </p:nvCxnSpPr>
+        <p:spPr bwMode="auto">
+          <a:xfrm>
+            <a:off x="1771214" y="5104702"/>
+            <a:ext cx="1647868" cy="206671"/>
+          </a:xfrm>
+          <a:prstGeom prst="curvedConnector3">
+            <a:avLst>
+              <a:gd name="adj1" fmla="val 97980"/>
+            </a:avLst>
+          </a:prstGeom>
+          <a:solidFill>
+            <a:schemeClr val="accent1"/>
+          </a:solidFill>
+          <a:ln w="28575" cap="flat" cmpd="sng" algn="ctr">
+            <a:solidFill>
+              <a:schemeClr val="tx1"/>
+            </a:solidFill>
+            <a:prstDash val="solid"/>
+            <a:round/>
+            <a:headEnd type="none" w="med" len="med"/>
+            <a:tailEnd type="triangle"/>
+          </a:ln>
+          <a:effectLst/>
+          <a:extLst>
+            <a:ext uri="{AF507438-7753-43E0-B8FC-AC1667EBCBE1}">
+              <a14:hiddenEffects xmlns:a14="http://schemas.microsoft.com/office/drawing/2010/main">
+                <a:effectLst>
+                  <a:outerShdw dist="35921" dir="2700000" algn="ctr" rotWithShape="0">
+                    <a:schemeClr val="bg2"/>
+                  </a:outerShdw>
+                </a:effectLst>
+              </a14:hiddenEffects>
+            </a:ext>
+          </a:extLst>
+        </p:spPr>
+      </p:cxnSp>
+      <p:cxnSp>
+        <p:nvCxnSpPr>
+          <p:cNvPr id="20" name="接點: 弧形 19">
+            <a:extLst>
+              <a:ext uri="{FF2B5EF4-FFF2-40B4-BE49-F238E27FC236}">
+                <a16:creationId xmlns:a16="http://schemas.microsoft.com/office/drawing/2014/main" id="{81C1F7F3-8495-08C4-7852-408FD9EDD6A3}"/>
+              </a:ext>
+            </a:extLst>
+          </p:cNvPr>
+          <p:cNvCxnSpPr>
+            <a:cxnSpLocks/>
+            <a:stCxn id="8" idx="3"/>
+          </p:cNvCxnSpPr>
+          <p:nvPr/>
+        </p:nvCxnSpPr>
+        <p:spPr bwMode="auto">
+          <a:xfrm>
+            <a:off x="1771214" y="5104702"/>
+            <a:ext cx="1936690" cy="206671"/>
+          </a:xfrm>
+          <a:prstGeom prst="curvedConnector3">
+            <a:avLst>
+              <a:gd name="adj1" fmla="val 97925"/>
+            </a:avLst>
+          </a:prstGeom>
+          <a:solidFill>
+            <a:schemeClr val="accent1"/>
+          </a:solidFill>
+          <a:ln w="28575" cap="flat" cmpd="sng" algn="ctr">
+            <a:solidFill>
+              <a:schemeClr val="tx1"/>
+            </a:solidFill>
+            <a:prstDash val="solid"/>
+            <a:round/>
+            <a:headEnd type="none" w="med" len="med"/>
+            <a:tailEnd type="triangle"/>
+          </a:ln>
+          <a:effectLst/>
+          <a:extLst>
+            <a:ext uri="{AF507438-7753-43E0-B8FC-AC1667EBCBE1}">
+              <a14:hiddenEffects xmlns:a14="http://schemas.microsoft.com/office/drawing/2010/main">
+                <a:effectLst>
+                  <a:outerShdw dist="35921" dir="2700000" algn="ctr" rotWithShape="0">
+                    <a:schemeClr val="bg2"/>
+                  </a:outerShdw>
+                </a:effectLst>
+              </a14:hiddenEffects>
+            </a:ext>
+          </a:extLst>
+        </p:spPr>
+      </p:cxnSp>
+      <p:cxnSp>
+        <p:nvCxnSpPr>
+          <p:cNvPr id="21" name="接點: 弧形 20">
+            <a:extLst>
+              <a:ext uri="{FF2B5EF4-FFF2-40B4-BE49-F238E27FC236}">
+                <a16:creationId xmlns:a16="http://schemas.microsoft.com/office/drawing/2014/main" id="{12D81989-D86A-E916-3875-CC131D3B5796}"/>
+              </a:ext>
+            </a:extLst>
+          </p:cNvPr>
+          <p:cNvCxnSpPr>
+            <a:cxnSpLocks/>
+            <a:stCxn id="8" idx="3"/>
+          </p:cNvCxnSpPr>
+          <p:nvPr/>
+        </p:nvCxnSpPr>
+        <p:spPr bwMode="auto">
+          <a:xfrm>
+            <a:off x="1771214" y="5104702"/>
+            <a:ext cx="2224722" cy="206671"/>
+          </a:xfrm>
+          <a:prstGeom prst="curvedConnector3">
+            <a:avLst>
+              <a:gd name="adj1" fmla="val 96973"/>
+            </a:avLst>
+          </a:prstGeom>
+          <a:solidFill>
+            <a:schemeClr val="accent1"/>
+          </a:solidFill>
+          <a:ln w="28575" cap="flat" cmpd="sng" algn="ctr">
+            <a:solidFill>
+              <a:schemeClr val="tx1"/>
+            </a:solidFill>
+            <a:prstDash val="solid"/>
+            <a:round/>
+            <a:headEnd type="none" w="med" len="med"/>
+            <a:tailEnd type="triangle"/>
+          </a:ln>
+          <a:effectLst/>
+          <a:extLst>
+            <a:ext uri="{AF507438-7753-43E0-B8FC-AC1667EBCBE1}">
+              <a14:hiddenEffects xmlns:a14="http://schemas.microsoft.com/office/drawing/2010/main">
+                <a:effectLst>
+                  <a:outerShdw dist="35921" dir="2700000" algn="ctr" rotWithShape="0">
+                    <a:schemeClr val="bg2"/>
+                  </a:outerShdw>
+                </a:effectLst>
+              </a14:hiddenEffects>
+            </a:ext>
+          </a:extLst>
+        </p:spPr>
+      </p:cxnSp>
+      <p:cxnSp>
+        <p:nvCxnSpPr>
+          <p:cNvPr id="28" name="接點: 弧形 27">
+            <a:extLst>
+              <a:ext uri="{FF2B5EF4-FFF2-40B4-BE49-F238E27FC236}">
+                <a16:creationId xmlns:a16="http://schemas.microsoft.com/office/drawing/2014/main" id="{919CCAB9-C01A-E78E-F7B0-1AF6C01D21FB}"/>
+              </a:ext>
+            </a:extLst>
+          </p:cNvPr>
+          <p:cNvCxnSpPr>
+            <a:cxnSpLocks/>
+            <a:stCxn id="8" idx="3"/>
+          </p:cNvCxnSpPr>
+          <p:nvPr/>
+        </p:nvCxnSpPr>
+        <p:spPr bwMode="auto">
+          <a:xfrm>
+            <a:off x="1771214" y="5104702"/>
+            <a:ext cx="2492525" cy="206671"/>
+          </a:xfrm>
+          <a:prstGeom prst="curvedConnector3">
+            <a:avLst>
+              <a:gd name="adj1" fmla="val 98546"/>
+            </a:avLst>
+          </a:prstGeom>
+          <a:solidFill>
+            <a:schemeClr val="accent1"/>
+          </a:solidFill>
+          <a:ln w="28575" cap="flat" cmpd="sng" algn="ctr">
+            <a:solidFill>
+              <a:schemeClr val="tx1"/>
+            </a:solidFill>
+            <a:prstDash val="solid"/>
+            <a:round/>
+            <a:headEnd type="none" w="med" len="med"/>
+            <a:tailEnd type="triangle"/>
+          </a:ln>
+          <a:effectLst/>
+          <a:extLst>
+            <a:ext uri="{AF507438-7753-43E0-B8FC-AC1667EBCBE1}">
+              <a14:hiddenEffects xmlns:a14="http://schemas.microsoft.com/office/drawing/2010/main">
+                <a:effectLst>
+                  <a:outerShdw dist="35921" dir="2700000" algn="ctr" rotWithShape="0">
+                    <a:schemeClr val="bg2"/>
+                  </a:outerShdw>
+                </a:effectLst>
+              </a14:hiddenEffects>
+            </a:ext>
+          </a:extLst>
+        </p:spPr>
+      </p:cxnSp>
+      <p:cxnSp>
+        <p:nvCxnSpPr>
+          <p:cNvPr id="29" name="接點: 弧形 28">
+            <a:extLst>
+              <a:ext uri="{FF2B5EF4-FFF2-40B4-BE49-F238E27FC236}">
+                <a16:creationId xmlns:a16="http://schemas.microsoft.com/office/drawing/2014/main" id="{A09A11B8-9F7C-7534-1FC8-7B81A20508D2}"/>
+              </a:ext>
+            </a:extLst>
+          </p:cNvPr>
+          <p:cNvCxnSpPr>
+            <a:cxnSpLocks/>
+            <a:stCxn id="8" idx="3"/>
+          </p:cNvCxnSpPr>
+          <p:nvPr/>
+        </p:nvCxnSpPr>
+        <p:spPr bwMode="auto">
+          <a:xfrm>
+            <a:off x="1771214" y="5104702"/>
+            <a:ext cx="2739122" cy="206671"/>
+          </a:xfrm>
+          <a:prstGeom prst="curvedConnector3">
+            <a:avLst>
+              <a:gd name="adj1" fmla="val 96686"/>
+            </a:avLst>
+          </a:prstGeom>
+          <a:solidFill>
+            <a:schemeClr val="accent1"/>
+          </a:solidFill>
+          <a:ln w="28575" cap="flat" cmpd="sng" algn="ctr">
+            <a:solidFill>
+              <a:schemeClr val="tx1"/>
+            </a:solidFill>
+            <a:prstDash val="solid"/>
+            <a:round/>
+            <a:headEnd type="none" w="med" len="med"/>
+            <a:tailEnd type="triangle"/>
+          </a:ln>
+          <a:effectLst/>
+          <a:extLst>
+            <a:ext uri="{AF507438-7753-43E0-B8FC-AC1667EBCBE1}">
+              <a14:hiddenEffects xmlns:a14="http://schemas.microsoft.com/office/drawing/2010/main">
+                <a:effectLst>
+                  <a:outerShdw dist="35921" dir="2700000" algn="ctr" rotWithShape="0">
+                    <a:schemeClr val="bg2"/>
+                  </a:outerShdw>
+                </a:effectLst>
+              </a14:hiddenEffects>
+            </a:ext>
+          </a:extLst>
+        </p:spPr>
+      </p:cxnSp>
+      <p:cxnSp>
+        <p:nvCxnSpPr>
+          <p:cNvPr id="30" name="接點: 弧形 29">
+            <a:extLst>
+              <a:ext uri="{FF2B5EF4-FFF2-40B4-BE49-F238E27FC236}">
+                <a16:creationId xmlns:a16="http://schemas.microsoft.com/office/drawing/2014/main" id="{66F839D1-D407-B678-17AF-C2ECD1A2EEC3}"/>
+              </a:ext>
+            </a:extLst>
+          </p:cNvPr>
+          <p:cNvCxnSpPr>
+            <a:cxnSpLocks/>
+            <a:stCxn id="8" idx="3"/>
+          </p:cNvCxnSpPr>
+          <p:nvPr/>
+        </p:nvCxnSpPr>
+        <p:spPr bwMode="auto">
+          <a:xfrm>
+            <a:off x="1771214" y="5104702"/>
+            <a:ext cx="3160826" cy="206671"/>
+          </a:xfrm>
+          <a:prstGeom prst="curvedConnector3">
+            <a:avLst>
+              <a:gd name="adj1" fmla="val 97635"/>
+            </a:avLst>
+          </a:prstGeom>
+          <a:solidFill>
+            <a:schemeClr val="accent1"/>
+          </a:solidFill>
+          <a:ln w="28575" cap="flat" cmpd="sng" algn="ctr">
+            <a:solidFill>
+              <a:schemeClr val="tx1"/>
+            </a:solidFill>
+            <a:prstDash val="solid"/>
+            <a:round/>
+            <a:headEnd type="none" w="med" len="med"/>
+            <a:tailEnd type="triangle"/>
+          </a:ln>
+          <a:effectLst/>
+          <a:extLst>
+            <a:ext uri="{AF507438-7753-43E0-B8FC-AC1667EBCBE1}">
+              <a14:hiddenEffects xmlns:a14="http://schemas.microsoft.com/office/drawing/2010/main">
+                <a:effectLst>
+                  <a:outerShdw dist="35921" dir="2700000" algn="ctr" rotWithShape="0">
+                    <a:schemeClr val="bg2"/>
+                  </a:outerShdw>
+                </a:effectLst>
+              </a14:hiddenEffects>
+            </a:ext>
+          </a:extLst>
+        </p:spPr>
+      </p:cxnSp>
+      <p:cxnSp>
+        <p:nvCxnSpPr>
+          <p:cNvPr id="31" name="接點: 弧形 30">
+            <a:extLst>
+              <a:ext uri="{FF2B5EF4-FFF2-40B4-BE49-F238E27FC236}">
+                <a16:creationId xmlns:a16="http://schemas.microsoft.com/office/drawing/2014/main" id="{5033B192-ABAA-CB34-22F5-2ED7D8CD6087}"/>
+              </a:ext>
+            </a:extLst>
+          </p:cNvPr>
+          <p:cNvCxnSpPr>
+            <a:cxnSpLocks/>
+            <a:stCxn id="8" idx="3"/>
+          </p:cNvCxnSpPr>
+          <p:nvPr/>
+        </p:nvCxnSpPr>
+        <p:spPr bwMode="auto">
+          <a:xfrm>
+            <a:off x="1771214" y="5104702"/>
+            <a:ext cx="3448858" cy="206671"/>
+          </a:xfrm>
+          <a:prstGeom prst="curvedConnector3">
+            <a:avLst>
+              <a:gd name="adj1" fmla="val 97644"/>
+            </a:avLst>
+          </a:prstGeom>
+          <a:solidFill>
+            <a:schemeClr val="accent1"/>
+          </a:solidFill>
+          <a:ln w="28575" cap="flat" cmpd="sng" algn="ctr">
+            <a:solidFill>
+              <a:schemeClr val="tx1"/>
+            </a:solidFill>
+            <a:prstDash val="solid"/>
+            <a:round/>
+            <a:headEnd type="none" w="med" len="med"/>
+            <a:tailEnd type="triangle"/>
+          </a:ln>
+          <a:effectLst/>
+          <a:extLst>
+            <a:ext uri="{AF507438-7753-43E0-B8FC-AC1667EBCBE1}">
+              <a14:hiddenEffects xmlns:a14="http://schemas.microsoft.com/office/drawing/2010/main">
+                <a:effectLst>
+                  <a:outerShdw dist="35921" dir="2700000" algn="ctr" rotWithShape="0">
+                    <a:schemeClr val="bg2"/>
+                  </a:outerShdw>
+                </a:effectLst>
+              </a14:hiddenEffects>
+            </a:ext>
+          </a:extLst>
+        </p:spPr>
+      </p:cxnSp>
+      <p:cxnSp>
+        <p:nvCxnSpPr>
+          <p:cNvPr id="44" name="接點: 弧形 43">
+            <a:extLst>
+              <a:ext uri="{FF2B5EF4-FFF2-40B4-BE49-F238E27FC236}">
+                <a16:creationId xmlns:a16="http://schemas.microsoft.com/office/drawing/2014/main" id="{D65D9B52-2588-5FC4-36F3-93F871C1D09A}"/>
+              </a:ext>
+            </a:extLst>
+          </p:cNvPr>
+          <p:cNvCxnSpPr/>
+          <p:nvPr/>
+        </p:nvCxnSpPr>
+        <p:spPr bwMode="auto">
+          <a:xfrm>
+            <a:off x="1866918" y="5104702"/>
+            <a:ext cx="584609" cy="255193"/>
+          </a:xfrm>
+          <a:prstGeom prst="curvedConnector3">
+            <a:avLst>
+              <a:gd name="adj1" fmla="val 92337"/>
+            </a:avLst>
+          </a:prstGeom>
+          <a:solidFill>
+            <a:schemeClr val="accent1"/>
+          </a:solidFill>
+          <a:ln w="28575" cap="flat" cmpd="sng" algn="ctr">
+            <a:solidFill>
+              <a:schemeClr val="tx1"/>
+            </a:solidFill>
+            <a:prstDash val="solid"/>
+            <a:round/>
+            <a:headEnd type="none" w="med" len="med"/>
+            <a:tailEnd type="triangle"/>
+          </a:ln>
+          <a:effectLst/>
+          <a:extLst>
+            <a:ext uri="{AF507438-7753-43E0-B8FC-AC1667EBCBE1}">
+              <a14:hiddenEffects xmlns:a14="http://schemas.microsoft.com/office/drawing/2010/main">
+                <a:effectLst>
+                  <a:outerShdw dist="35921" dir="2700000" algn="ctr" rotWithShape="0">
+                    <a:schemeClr val="bg2"/>
+                  </a:outerShdw>
+                </a:effectLst>
+              </a14:hiddenEffects>
+            </a:ext>
+          </a:extLst>
+        </p:spPr>
+      </p:cxnSp>
+      <p:cxnSp>
+        <p:nvCxnSpPr>
+          <p:cNvPr id="48" name="接點: 弧形 47">
+            <a:extLst>
+              <a:ext uri="{FF2B5EF4-FFF2-40B4-BE49-F238E27FC236}">
+                <a16:creationId xmlns:a16="http://schemas.microsoft.com/office/drawing/2014/main" id="{091CE98C-12AC-00A9-EAA9-EA874618DADF}"/>
+              </a:ext>
+            </a:extLst>
+          </p:cNvPr>
+          <p:cNvCxnSpPr>
+            <a:cxnSpLocks/>
+            <a:stCxn id="8" idx="3"/>
+          </p:cNvCxnSpPr>
+          <p:nvPr/>
+        </p:nvCxnSpPr>
+        <p:spPr bwMode="auto">
+          <a:xfrm>
+            <a:off x="1771214" y="5104702"/>
+            <a:ext cx="4102936" cy="255192"/>
+          </a:xfrm>
+          <a:prstGeom prst="curvedConnector3">
+            <a:avLst>
+              <a:gd name="adj1" fmla="val 98092"/>
+            </a:avLst>
+          </a:prstGeom>
+          <a:solidFill>
+            <a:schemeClr val="accent1"/>
+          </a:solidFill>
+          <a:ln w="28575" cap="flat" cmpd="sng" algn="ctr">
+            <a:solidFill>
+              <a:schemeClr val="tx1"/>
+            </a:solidFill>
+            <a:prstDash val="solid"/>
+            <a:round/>
+            <a:headEnd type="none" w="med" len="med"/>
+            <a:tailEnd type="triangle"/>
+          </a:ln>
+          <a:effectLst/>
+          <a:extLst>
+            <a:ext uri="{AF507438-7753-43E0-B8FC-AC1667EBCBE1}">
+              <a14:hiddenEffects xmlns:a14="http://schemas.microsoft.com/office/drawing/2010/main">
+                <a:effectLst>
+                  <a:outerShdw dist="35921" dir="2700000" algn="ctr" rotWithShape="0">
+                    <a:schemeClr val="bg2"/>
+                  </a:outerShdw>
+                </a:effectLst>
+              </a14:hiddenEffects>
+            </a:ext>
+          </a:extLst>
+        </p:spPr>
+      </p:cxnSp>
+      <p:sp>
+        <p:nvSpPr>
+          <p:cNvPr id="53" name="文字方塊 52">
+            <a:extLst>
+              <a:ext uri="{FF2B5EF4-FFF2-40B4-BE49-F238E27FC236}">
+                <a16:creationId xmlns:a16="http://schemas.microsoft.com/office/drawing/2014/main" id="{AE56002F-346E-2587-A55F-183BD9AA550F}"/>
+              </a:ext>
+            </a:extLst>
+          </p:cNvPr>
+          <p:cNvSpPr txBox="1"/>
+          <p:nvPr/>
+        </p:nvSpPr>
+        <p:spPr>
+          <a:xfrm>
+            <a:off x="-5975" y="5206005"/>
+            <a:ext cx="2144914" cy="307777"/>
+          </a:xfrm>
+          <a:prstGeom prst="rect">
+            <a:avLst/>
+          </a:prstGeom>
+          <a:solidFill>
+            <a:schemeClr val="bg1"/>
+          </a:solidFill>
+        </p:spPr>
+        <p:txBody>
+          <a:bodyPr wrap="square">
+            <a:spAutoFit/>
+          </a:bodyPr>
+          <a:lstStyle/>
+          <a:p>
+            <a:r>
+              <a:rPr lang="en-US" altLang="zh-TW" sz="1400" b="0" dirty="0"/>
+              <a:t>Gaussian(-Loss,0.01)</a:t>
+            </a:r>
+            <a:endParaRPr lang="zh-TW" altLang="en-US" sz="1400" b="0" dirty="0"/>
+          </a:p>
+        </p:txBody>
+      </p:sp>
+    </p:spTree>
+    <p:extLst>
+      <p:ext uri="{BB962C8B-B14F-4D97-AF65-F5344CB8AC3E}">
+        <p14:creationId xmlns:p14="http://schemas.microsoft.com/office/powerpoint/2010/main" val="404262032"/>
+      </p:ext>
+    </p:extLst>
+  </p:cSld>
+  <p:clrMapOvr>
+    <a:masterClrMapping/>
+  </p:clrMapOvr>
+</p:sld>
+</file>
+
+<file path=ppt/slides/slide14.xml><?xml version="1.0" encoding="utf-8"?>
+<p:sld xmlns:a="http://schemas.openxmlformats.org/drawingml/2006/main" xmlns:r="http://schemas.openxmlformats.org/officeDocument/2006/relationships" xmlns:p="http://schemas.openxmlformats.org/presentationml/2006/main">
+  <p:cSld>
+    <p:spTree>
+      <p:nvGrpSpPr>
+        <p:cNvPr id="1" name="">
+          <a:extLst>
+            <a:ext uri="{FF2B5EF4-FFF2-40B4-BE49-F238E27FC236}">
+              <a16:creationId xmlns:a16="http://schemas.microsoft.com/office/drawing/2014/main" id="{7AB31CCC-0740-0ED4-EB87-67486ADA95EF}"/>
+            </a:ext>
+          </a:extLst>
+        </p:cNvPr>
+        <p:cNvGrpSpPr/>
+        <p:nvPr/>
+      </p:nvGrpSpPr>
+      <p:grpSpPr>
+        <a:xfrm>
+          <a:off x="0" y="0"/>
+          <a:ext cx="0" cy="0"/>
+          <a:chOff x="0" y="0"/>
+          <a:chExt cx="0" cy="0"/>
+        </a:xfrm>
+      </p:grpSpPr>
+      <p:sp>
+        <p:nvSpPr>
+          <p:cNvPr id="2" name="標題 1">
+            <a:extLst>
+              <a:ext uri="{FF2B5EF4-FFF2-40B4-BE49-F238E27FC236}">
+                <a16:creationId xmlns:a16="http://schemas.microsoft.com/office/drawing/2014/main" id="{71EDAB8C-DBC0-AD35-4363-BEBC104A35C6}"/>
+              </a:ext>
+            </a:extLst>
+          </p:cNvPr>
+          <p:cNvSpPr>
+            <a:spLocks noGrp="1"/>
+          </p:cNvSpPr>
+          <p:nvPr>
+            <p:ph type="title"/>
+          </p:nvPr>
+        </p:nvSpPr>
+        <p:spPr/>
+        <p:txBody>
+          <a:bodyPr/>
+          <a:lstStyle/>
+          <a:p>
+            <a:r>
+              <a:rPr lang="en-US" altLang="zh-TW" dirty="0"/>
+              <a:t>Impact of Analog Loss</a:t>
+            </a:r>
+            <a:endParaRPr lang="zh-TW" altLang="en-US" dirty="0"/>
+          </a:p>
+        </p:txBody>
+      </p:sp>
+      <mc:AlternateContent xmlns:mc="http://schemas.openxmlformats.org/markup-compatibility/2006">
+        <mc:Choice xmlns:a14="http://schemas.microsoft.com/office/drawing/2010/main" Requires="a14">
+          <p:sp>
+            <p:nvSpPr>
+              <p:cNvPr id="3" name="內容版面配置區 2">
+                <a:extLst>
+                  <a:ext uri="{FF2B5EF4-FFF2-40B4-BE49-F238E27FC236}">
+                    <a16:creationId xmlns:a16="http://schemas.microsoft.com/office/drawing/2014/main" id="{80A6381A-073B-7128-A5C1-019E2F033ED4}"/>
+                  </a:ext>
+                </a:extLst>
+              </p:cNvPr>
+              <p:cNvSpPr>
+                <a:spLocks noGrp="1"/>
+              </p:cNvSpPr>
+              <p:nvPr>
+                <p:ph idx="1"/>
+              </p:nvPr>
+            </p:nvSpPr>
+            <p:spPr>
+              <a:xfrm>
+                <a:off x="467544" y="1600200"/>
+                <a:ext cx="8229600" cy="4530725"/>
+              </a:xfrm>
+            </p:spPr>
+            <p:txBody>
+              <a:bodyPr/>
+              <a:lstStyle/>
+              <a:p>
+                <a:pPr lvl="1"/>
+                <a:r>
+                  <a:rPr lang="en-US" altLang="zh-TW" dirty="0"/>
+                  <a:t>Analysis of the quantized model</a:t>
+                </a:r>
+              </a:p>
+              <a:p>
+                <a:pPr lvl="2"/>
+                <a:r>
+                  <a:rPr lang="en-US" altLang="zh-TW" dirty="0"/>
+                  <a:t>Most of the quantized weight are within </a:t>
+                </a:r>
+                <a14:m>
+                  <m:oMath xmlns:m="http://schemas.openxmlformats.org/officeDocument/2006/math">
+                    <m:r>
+                      <a:rPr lang="en-US" altLang="zh-TW" b="0" i="1" smtClean="0">
+                        <a:latin typeface="Cambria Math" panose="02040503050406030204" pitchFamily="18" charset="0"/>
+                      </a:rPr>
+                      <m:t>±100</m:t>
+                    </m:r>
+                  </m:oMath>
+                </a14:m>
+                <a:endParaRPr lang="en-US" altLang="zh-TW" dirty="0"/>
+              </a:p>
+              <a:p>
+                <a:pPr lvl="2"/>
+                <a:r>
+                  <a:rPr lang="en-US" altLang="zh-TW" dirty="0"/>
+                  <a:t>Most of the quantized input activation &lt; 50</a:t>
+                </a:r>
+              </a:p>
+              <a:p>
+                <a:pPr lvl="2"/>
+                <a:r>
+                  <a:rPr lang="en-US" altLang="zh-TW" dirty="0"/>
+                  <a:t>MAC result are within </a:t>
+                </a:r>
+                <a14:m>
+                  <m:oMath xmlns:m="http://schemas.openxmlformats.org/officeDocument/2006/math">
+                    <m:r>
+                      <a:rPr lang="en-US" altLang="zh-TW" b="0" i="1" smtClean="0">
+                        <a:latin typeface="Cambria Math" panose="02040503050406030204" pitchFamily="18" charset="0"/>
+                      </a:rPr>
+                      <m:t>±5000</m:t>
+                    </m:r>
+                  </m:oMath>
+                </a14:m>
+                <a:endParaRPr lang="en-US" altLang="zh-TW" dirty="0"/>
+              </a:p>
+              <a:p>
+                <a:pPr lvl="1"/>
+                <a:endParaRPr lang="en-US" altLang="zh-TW" dirty="0"/>
+              </a:p>
+              <a:p>
+                <a:pPr lvl="1"/>
+                <a:endParaRPr lang="en-US" altLang="zh-TW" dirty="0"/>
+              </a:p>
+              <a:p>
+                <a:pPr lvl="1"/>
+                <a:endParaRPr lang="en-US" altLang="zh-TW" dirty="0"/>
+              </a:p>
+              <a:p>
+                <a:pPr lvl="1"/>
+                <a:endParaRPr lang="zh-TW" altLang="en-US" dirty="0"/>
+              </a:p>
+            </p:txBody>
+          </p:sp>
+        </mc:Choice>
+        <mc:Fallback>
+          <p:sp>
+            <p:nvSpPr>
+              <p:cNvPr id="3" name="內容版面配置區 2">
+                <a:extLst>
+                  <a:ext uri="{FF2B5EF4-FFF2-40B4-BE49-F238E27FC236}">
+                    <a16:creationId xmlns:a16="http://schemas.microsoft.com/office/drawing/2014/main" id="{80A6381A-073B-7128-A5C1-019E2F033ED4}"/>
+                  </a:ext>
+                </a:extLst>
+              </p:cNvPr>
+              <p:cNvSpPr>
+                <a:spLocks noGrp="1" noRot="1" noChangeAspect="1" noMove="1" noResize="1" noEditPoints="1" noAdjustHandles="1" noChangeArrowheads="1" noChangeShapeType="1" noTextEdit="1"/>
+              </p:cNvSpPr>
+              <p:nvPr>
+                <p:ph idx="1"/>
+              </p:nvPr>
+            </p:nvSpPr>
+            <p:spPr>
+              <a:xfrm>
+                <a:off x="467544" y="1600200"/>
+                <a:ext cx="8229600" cy="4530725"/>
+              </a:xfrm>
+              <a:blipFill>
+                <a:blip r:embed="rId2"/>
+                <a:stretch>
+                  <a:fillRect t="-1077"/>
+                </a:stretch>
+              </a:blipFill>
+            </p:spPr>
+            <p:txBody>
+              <a:bodyPr/>
+              <a:lstStyle/>
+              <a:p>
+                <a:r>
+                  <a:rPr lang="zh-TW" altLang="en-US">
+                    <a:noFill/>
+                  </a:rPr>
+                  <a:t> </a:t>
+                </a:r>
+              </a:p>
+            </p:txBody>
+          </p:sp>
+        </mc:Fallback>
+      </mc:AlternateContent>
+      <p:sp>
+        <p:nvSpPr>
+          <p:cNvPr id="4" name="投影片編號版面配置區 3">
+            <a:extLst>
+              <a:ext uri="{FF2B5EF4-FFF2-40B4-BE49-F238E27FC236}">
+                <a16:creationId xmlns:a16="http://schemas.microsoft.com/office/drawing/2014/main" id="{0643BACB-7856-FFA3-D91D-86345F1B8856}"/>
+              </a:ext>
+            </a:extLst>
+          </p:cNvPr>
+          <p:cNvSpPr>
+            <a:spLocks noGrp="1"/>
+          </p:cNvSpPr>
+          <p:nvPr>
+            <p:ph type="sldNum" sz="quarter" idx="12"/>
+          </p:nvPr>
+        </p:nvSpPr>
+        <p:spPr/>
+        <p:txBody>
+          <a:bodyPr/>
+          <a:lstStyle/>
+          <a:p>
+            <a:pPr>
+              <a:defRPr/>
+            </a:pPr>
+            <a:fld id="{8F5F56E1-31C3-4936-AC76-6E9C056A1F24}" type="slidenum">
+              <a:rPr lang="en-US" altLang="zh-TW" smtClean="0"/>
+              <a:pPr>
+                <a:defRPr/>
+              </a:pPr>
+              <a:t>14</a:t>
+            </a:fld>
+            <a:endParaRPr lang="en-US" altLang="zh-TW" dirty="0"/>
+          </a:p>
+        </p:txBody>
+      </p:sp>
+      <p:pic>
+        <p:nvPicPr>
+          <p:cNvPr id="16" name="圖片 15">
+            <a:extLst>
+              <a:ext uri="{FF2B5EF4-FFF2-40B4-BE49-F238E27FC236}">
+                <a16:creationId xmlns:a16="http://schemas.microsoft.com/office/drawing/2014/main" id="{5EAE9F1D-2712-4050-EDFB-C32DA5BCD28B}"/>
+              </a:ext>
+            </a:extLst>
+          </p:cNvPr>
+          <p:cNvPicPr>
+            <a:picLocks noChangeAspect="1"/>
+          </p:cNvPicPr>
+          <p:nvPr/>
+        </p:nvPicPr>
+        <p:blipFill>
+          <a:blip r:embed="rId3"/>
+          <a:stretch>
+            <a:fillRect/>
+          </a:stretch>
+        </p:blipFill>
+        <p:spPr>
+          <a:xfrm>
+            <a:off x="457200" y="3322613"/>
+            <a:ext cx="4320480" cy="2808312"/>
+          </a:xfrm>
+          <a:prstGeom prst="rect">
+            <a:avLst/>
+          </a:prstGeom>
+        </p:spPr>
+      </p:pic>
+      <p:grpSp>
+        <p:nvGrpSpPr>
+          <p:cNvPr id="22" name="群組 21">
+            <a:extLst>
+              <a:ext uri="{FF2B5EF4-FFF2-40B4-BE49-F238E27FC236}">
+                <a16:creationId xmlns:a16="http://schemas.microsoft.com/office/drawing/2014/main" id="{1D73C3EF-081E-2A3F-95F3-91026BC904DA}"/>
+              </a:ext>
+            </a:extLst>
+          </p:cNvPr>
+          <p:cNvGrpSpPr/>
+          <p:nvPr/>
+        </p:nvGrpSpPr>
+        <p:grpSpPr>
+          <a:xfrm>
+            <a:off x="4978140" y="3298817"/>
+            <a:ext cx="3518543" cy="2914305"/>
+            <a:chOff x="5013896" y="3268104"/>
+            <a:chExt cx="3518543" cy="2914305"/>
+          </a:xfrm>
+        </p:grpSpPr>
+        <p:pic>
+          <p:nvPicPr>
+            <p:cNvPr id="17" name="圖片 16">
+              <a:extLst>
+                <a:ext uri="{FF2B5EF4-FFF2-40B4-BE49-F238E27FC236}">
+                  <a16:creationId xmlns:a16="http://schemas.microsoft.com/office/drawing/2014/main" id="{C1448C4B-6495-C744-84BD-E4C0A019DFB3}"/>
+                </a:ext>
+              </a:extLst>
+            </p:cNvPr>
+            <p:cNvPicPr>
+              <a:picLocks noChangeAspect="1"/>
+            </p:cNvPicPr>
+            <p:nvPr/>
+          </p:nvPicPr>
+          <p:blipFill>
+            <a:blip r:embed="rId4">
+              <a:extLst>
+                <a:ext uri="{28A0092B-C50C-407E-A947-70E740481C1C}">
+                  <a14:useLocalDpi xmlns:a14="http://schemas.microsoft.com/office/drawing/2010/main" val="0"/>
+                </a:ext>
+              </a:extLst>
+            </a:blip>
+            <a:srcRect r="54725"/>
+            <a:stretch/>
+          </p:blipFill>
+          <p:spPr>
+            <a:xfrm>
+              <a:off x="5013896" y="3268104"/>
+              <a:ext cx="3518543" cy="2914305"/>
+            </a:xfrm>
+            <a:prstGeom prst="rect">
+              <a:avLst/>
+            </a:prstGeom>
+          </p:spPr>
+        </p:pic>
+        <p:sp>
+          <p:nvSpPr>
+            <p:cNvPr id="18" name="矩形 17">
+              <a:extLst>
+                <a:ext uri="{FF2B5EF4-FFF2-40B4-BE49-F238E27FC236}">
+                  <a16:creationId xmlns:a16="http://schemas.microsoft.com/office/drawing/2014/main" id="{AF526845-6116-E067-266E-BB16EBA0A7E4}"/>
+                </a:ext>
+              </a:extLst>
+            </p:cNvPr>
+            <p:cNvSpPr/>
+            <p:nvPr/>
+          </p:nvSpPr>
+          <p:spPr bwMode="auto">
+            <a:xfrm>
+              <a:off x="7043936" y="3268104"/>
+              <a:ext cx="576064" cy="2827442"/>
+            </a:xfrm>
+            <a:prstGeom prst="rect">
+              <a:avLst/>
+            </a:prstGeom>
+            <a:noFill/>
+            <a:ln w="28575" cap="flat" cmpd="sng" algn="ctr">
+              <a:solidFill>
+                <a:srgbClr val="FF0000"/>
+              </a:solidFill>
+              <a:prstDash val="sysDot"/>
+              <a:round/>
+              <a:headEnd type="none" w="med" len="med"/>
+              <a:tailEnd type="none" w="med" len="med"/>
+            </a:ln>
+            <a:effectLst/>
+          </p:spPr>
+          <p:txBody>
+            <a:bodyPr vert="horz" wrap="square" lIns="91440" tIns="45720" rIns="91440" bIns="45720" numCol="1" rtlCol="0" anchor="t" anchorCtr="0" compatLnSpc="1">
+              <a:prstTxWarp prst="textNoShape">
+                <a:avLst/>
+              </a:prstTxWarp>
+            </a:bodyPr>
+            <a:lstStyle/>
+            <a:p>
+              <a:pPr marL="0" marR="0" indent="0" algn="l" defTabSz="914400" rtl="0" eaLnBrk="1" fontAlgn="base" latinLnBrk="0" hangingPunct="1">
+                <a:lnSpc>
+                  <a:spcPct val="100000"/>
+                </a:lnSpc>
+                <a:spcBef>
+                  <a:spcPct val="0"/>
+                </a:spcBef>
+                <a:spcAft>
+                  <a:spcPct val="0"/>
+                </a:spcAft>
+                <a:buClrTx/>
+                <a:buSzTx/>
+                <a:buFontTx/>
+                <a:buNone/>
+                <a:tabLst/>
+              </a:pPr>
+              <a:endParaRPr kumimoji="1" lang="zh-TW" altLang="en-US" sz="1800" b="1" i="0" u="none" strike="noStrike" cap="none" normalizeH="0" baseline="0">
+                <a:ln>
+                  <a:noFill/>
+                </a:ln>
+                <a:solidFill>
+                  <a:schemeClr val="tx1"/>
+                </a:solidFill>
+                <a:effectLst/>
+                <a:latin typeface="Verdana" panose="020B0604030504040204" pitchFamily="34" charset="0"/>
+                <a:ea typeface="新細明體" panose="02020500000000000000" pitchFamily="18" charset="-120"/>
+              </a:endParaRPr>
+            </a:p>
+          </p:txBody>
+        </p:sp>
+        <p:sp>
+          <p:nvSpPr>
+            <p:cNvPr id="19" name="文字方塊 18">
+              <a:extLst>
+                <a:ext uri="{FF2B5EF4-FFF2-40B4-BE49-F238E27FC236}">
+                  <a16:creationId xmlns:a16="http://schemas.microsoft.com/office/drawing/2014/main" id="{097AE472-F905-60D8-4278-610217AC88D4}"/>
+                </a:ext>
+              </a:extLst>
+            </p:cNvPr>
+            <p:cNvSpPr txBox="1"/>
+            <p:nvPr/>
+          </p:nvSpPr>
+          <p:spPr>
+            <a:xfrm>
+              <a:off x="5172308" y="3369020"/>
+              <a:ext cx="792088" cy="215444"/>
+            </a:xfrm>
+            <a:prstGeom prst="rect">
+              <a:avLst/>
+            </a:prstGeom>
+            <a:solidFill>
+              <a:schemeClr val="bg1"/>
+            </a:solidFill>
+          </p:spPr>
+          <p:txBody>
+            <a:bodyPr wrap="square">
+              <a:spAutoFit/>
+            </a:bodyPr>
+            <a:lstStyle/>
+            <a:p>
+              <a:r>
+                <a:rPr lang="en-US" altLang="zh-TW" sz="800" b="0" dirty="0"/>
+                <a:t>Analog loss</a:t>
+              </a:r>
+              <a:endParaRPr lang="zh-TW" altLang="en-US" sz="800" b="0" dirty="0"/>
+            </a:p>
+          </p:txBody>
+        </p:sp>
+      </p:grpSp>
+      <p:sp>
+        <p:nvSpPr>
+          <p:cNvPr id="23" name="矩形 22">
+            <a:extLst>
+              <a:ext uri="{FF2B5EF4-FFF2-40B4-BE49-F238E27FC236}">
+                <a16:creationId xmlns:a16="http://schemas.microsoft.com/office/drawing/2014/main" id="{2344A003-BD04-C49E-FE51-4E13F9598CF0}"/>
+              </a:ext>
+            </a:extLst>
+          </p:cNvPr>
+          <p:cNvSpPr/>
+          <p:nvPr/>
+        </p:nvSpPr>
+        <p:spPr bwMode="auto">
+          <a:xfrm>
+            <a:off x="983692" y="3298817"/>
+            <a:ext cx="1356060" cy="2827442"/>
+          </a:xfrm>
+          <a:prstGeom prst="rect">
+            <a:avLst/>
+          </a:prstGeom>
+          <a:noFill/>
+          <a:ln w="28575" cap="flat" cmpd="sng" algn="ctr">
+            <a:solidFill>
+              <a:srgbClr val="FF0000"/>
+            </a:solidFill>
+            <a:prstDash val="sysDot"/>
+            <a:round/>
+            <a:headEnd type="none" w="med" len="med"/>
+            <a:tailEnd type="none" w="med" len="med"/>
+          </a:ln>
+          <a:effectLst/>
+        </p:spPr>
+        <p:txBody>
+          <a:bodyPr vert="horz" wrap="square" lIns="91440" tIns="45720" rIns="91440" bIns="45720" numCol="1" rtlCol="0" anchor="t" anchorCtr="0" compatLnSpc="1">
+            <a:prstTxWarp prst="textNoShape">
+              <a:avLst/>
+            </a:prstTxWarp>
+          </a:bodyPr>
+          <a:lstStyle/>
+          <a:p>
+            <a:pPr marL="0" marR="0" indent="0" algn="l" defTabSz="914400" rtl="0" eaLnBrk="1" fontAlgn="base" latinLnBrk="0" hangingPunct="1">
+              <a:lnSpc>
+                <a:spcPct val="100000"/>
+              </a:lnSpc>
+              <a:spcBef>
+                <a:spcPct val="0"/>
+              </a:spcBef>
+              <a:spcAft>
+                <a:spcPct val="0"/>
+              </a:spcAft>
+              <a:buClrTx/>
+              <a:buSzTx/>
+              <a:buFontTx/>
+              <a:buNone/>
+              <a:tabLst/>
+            </a:pPr>
+            <a:endParaRPr kumimoji="1" lang="zh-TW" altLang="en-US" sz="1800" b="1" i="0" u="none" strike="noStrike" cap="none" normalizeH="0" baseline="0">
+              <a:ln>
+                <a:noFill/>
+              </a:ln>
+              <a:solidFill>
+                <a:schemeClr val="tx1"/>
+              </a:solidFill>
+              <a:effectLst/>
+              <a:latin typeface="Verdana" panose="020B0604030504040204" pitchFamily="34" charset="0"/>
+              <a:ea typeface="新細明體" panose="02020500000000000000" pitchFamily="18" charset="-120"/>
+            </a:endParaRPr>
+          </a:p>
+        </p:txBody>
+      </p:sp>
+      <p:sp>
+        <p:nvSpPr>
+          <p:cNvPr id="24" name="矩形 23">
+            <a:extLst>
+              <a:ext uri="{FF2B5EF4-FFF2-40B4-BE49-F238E27FC236}">
+                <a16:creationId xmlns:a16="http://schemas.microsoft.com/office/drawing/2014/main" id="{FA495AEF-860D-5809-04CD-ADD6F83C1FEA}"/>
+              </a:ext>
+            </a:extLst>
+          </p:cNvPr>
+          <p:cNvSpPr/>
+          <p:nvPr/>
+        </p:nvSpPr>
+        <p:spPr bwMode="auto">
+          <a:xfrm>
+            <a:off x="2949087" y="3298817"/>
+            <a:ext cx="398777" cy="2827442"/>
+          </a:xfrm>
+          <a:prstGeom prst="rect">
+            <a:avLst/>
+          </a:prstGeom>
+          <a:noFill/>
+          <a:ln w="28575" cap="flat" cmpd="sng" algn="ctr">
+            <a:solidFill>
+              <a:srgbClr val="FF0000"/>
+            </a:solidFill>
+            <a:prstDash val="sysDot"/>
+            <a:round/>
+            <a:headEnd type="none" w="med" len="med"/>
+            <a:tailEnd type="none" w="med" len="med"/>
+          </a:ln>
+          <a:effectLst/>
+        </p:spPr>
+        <p:txBody>
+          <a:bodyPr vert="horz" wrap="square" lIns="91440" tIns="45720" rIns="91440" bIns="45720" numCol="1" rtlCol="0" anchor="t" anchorCtr="0" compatLnSpc="1">
+            <a:prstTxWarp prst="textNoShape">
+              <a:avLst/>
+            </a:prstTxWarp>
+          </a:bodyPr>
+          <a:lstStyle/>
+          <a:p>
+            <a:pPr marL="0" marR="0" indent="0" algn="l" defTabSz="914400" rtl="0" eaLnBrk="1" fontAlgn="base" latinLnBrk="0" hangingPunct="1">
+              <a:lnSpc>
+                <a:spcPct val="100000"/>
+              </a:lnSpc>
+              <a:spcBef>
+                <a:spcPct val="0"/>
+              </a:spcBef>
+              <a:spcAft>
+                <a:spcPct val="0"/>
+              </a:spcAft>
+              <a:buClrTx/>
+              <a:buSzTx/>
+              <a:buFontTx/>
+              <a:buNone/>
+              <a:tabLst/>
+            </a:pPr>
+            <a:endParaRPr kumimoji="1" lang="zh-TW" altLang="en-US" sz="1800" b="1" i="0" u="none" strike="noStrike" cap="none" normalizeH="0" baseline="0">
+              <a:ln>
+                <a:noFill/>
+              </a:ln>
+              <a:solidFill>
+                <a:schemeClr val="tx1"/>
+              </a:solidFill>
+              <a:effectLst/>
+              <a:latin typeface="Verdana" panose="020B0604030504040204" pitchFamily="34" charset="0"/>
+              <a:ea typeface="新細明體" panose="02020500000000000000" pitchFamily="18" charset="-120"/>
+            </a:endParaRPr>
+          </a:p>
+        </p:txBody>
+      </p:sp>
+      <p:sp>
+        <p:nvSpPr>
+          <p:cNvPr id="26" name="文字方塊 25">
+            <a:extLst>
+              <a:ext uri="{FF2B5EF4-FFF2-40B4-BE49-F238E27FC236}">
+                <a16:creationId xmlns:a16="http://schemas.microsoft.com/office/drawing/2014/main" id="{9EAC7642-4E34-F1B9-F119-08B42538F605}"/>
+              </a:ext>
+            </a:extLst>
+          </p:cNvPr>
+          <p:cNvSpPr txBox="1"/>
+          <p:nvPr/>
+        </p:nvSpPr>
+        <p:spPr>
+          <a:xfrm>
+            <a:off x="5532596" y="6144761"/>
+            <a:ext cx="2883798" cy="338554"/>
+          </a:xfrm>
+          <a:prstGeom prst="rect">
+            <a:avLst/>
+          </a:prstGeom>
+          <a:noFill/>
+        </p:spPr>
+        <p:txBody>
+          <a:bodyPr wrap="square">
+            <a:spAutoFit/>
+          </a:bodyPr>
+          <a:lstStyle/>
+          <a:p>
+            <a:r>
+              <a:rPr lang="en-US" altLang="zh-TW" sz="1600" b="0" dirty="0"/>
+              <a:t>Use the result of this part</a:t>
+            </a:r>
+            <a:endParaRPr lang="zh-TW" altLang="en-US" sz="1600" b="0" dirty="0"/>
+          </a:p>
+        </p:txBody>
+      </p:sp>
+    </p:spTree>
+    <p:extLst>
+      <p:ext uri="{BB962C8B-B14F-4D97-AF65-F5344CB8AC3E}">
+        <p14:creationId xmlns:p14="http://schemas.microsoft.com/office/powerpoint/2010/main" val="3538842136"/>
+      </p:ext>
+    </p:extLst>
+  </p:cSld>
+  <p:clrMapOvr>
+    <a:masterClrMapping/>
+  </p:clrMapOvr>
+</p:sld>
+</file>
+
+<file path=ppt/slides/slide15.xml><?xml version="1.0" encoding="utf-8"?>
+<p:sld xmlns:a="http://schemas.openxmlformats.org/drawingml/2006/main" xmlns:r="http://schemas.openxmlformats.org/officeDocument/2006/relationships" xmlns:p="http://schemas.openxmlformats.org/presentationml/2006/main">
+  <p:cSld>
+    <p:spTree>
+      <p:nvGrpSpPr>
+        <p:cNvPr id="1" name="">
+          <a:extLst>
+            <a:ext uri="{FF2B5EF4-FFF2-40B4-BE49-F238E27FC236}">
+              <a16:creationId xmlns:a16="http://schemas.microsoft.com/office/drawing/2014/main" id="{9663CDA3-1B1B-E989-3408-2F15AA2747F6}"/>
+            </a:ext>
+          </a:extLst>
+        </p:cNvPr>
+        <p:cNvGrpSpPr/>
+        <p:nvPr/>
+      </p:nvGrpSpPr>
+      <p:grpSpPr>
+        <a:xfrm>
+          <a:off x="0" y="0"/>
+          <a:ext cx="0" cy="0"/>
+          <a:chOff x="0" y="0"/>
+          <a:chExt cx="0" cy="0"/>
+        </a:xfrm>
+      </p:grpSpPr>
+      <p:sp>
+        <p:nvSpPr>
+          <p:cNvPr id="2" name="標題 1">
+            <a:extLst>
+              <a:ext uri="{FF2B5EF4-FFF2-40B4-BE49-F238E27FC236}">
+                <a16:creationId xmlns:a16="http://schemas.microsoft.com/office/drawing/2014/main" id="{1DFA079C-B290-909A-5856-CCB4DB8F6E32}"/>
+              </a:ext>
+            </a:extLst>
+          </p:cNvPr>
+          <p:cNvSpPr>
+            <a:spLocks noGrp="1"/>
+          </p:cNvSpPr>
+          <p:nvPr>
+            <p:ph type="title"/>
+          </p:nvPr>
+        </p:nvSpPr>
+        <p:spPr/>
+        <p:txBody>
+          <a:bodyPr/>
+          <a:lstStyle/>
+          <a:p>
+            <a:r>
+              <a:rPr lang="en-US" altLang="zh-TW" dirty="0"/>
+              <a:t>Impact of Analog Loss</a:t>
+            </a:r>
+            <a:endParaRPr lang="zh-TW" altLang="en-US" dirty="0"/>
+          </a:p>
+        </p:txBody>
+      </p:sp>
+      <mc:AlternateContent xmlns:mc="http://schemas.openxmlformats.org/markup-compatibility/2006">
+        <mc:Choice xmlns:a14="http://schemas.microsoft.com/office/drawing/2010/main" Requires="a14">
+          <p:sp>
+            <p:nvSpPr>
+              <p:cNvPr id="3" name="內容版面配置區 2">
+                <a:extLst>
+                  <a:ext uri="{FF2B5EF4-FFF2-40B4-BE49-F238E27FC236}">
+                    <a16:creationId xmlns:a16="http://schemas.microsoft.com/office/drawing/2014/main" id="{0F515D86-2953-8FF6-3B0E-2EF85AFD1B27}"/>
+                  </a:ext>
+                </a:extLst>
+              </p:cNvPr>
+              <p:cNvSpPr>
+                <a:spLocks noGrp="1"/>
+              </p:cNvSpPr>
+              <p:nvPr>
+                <p:ph idx="1"/>
+              </p:nvPr>
+            </p:nvSpPr>
+            <p:spPr>
+              <a:xfrm>
+                <a:off x="467544" y="1600200"/>
+                <a:ext cx="8676456" cy="4530725"/>
+              </a:xfrm>
+            </p:spPr>
+            <p:txBody>
+              <a:bodyPr/>
+              <a:lstStyle/>
+              <a:p>
+                <a:pPr lvl="1"/>
+                <a:r>
+                  <a:rPr lang="en-US" altLang="zh-TW" dirty="0"/>
+                  <a:t>Accuracy drop of ResNet-18 if loss is applied</a:t>
+                </a:r>
+              </a:p>
+              <a:p>
+                <a:pPr lvl="1"/>
+                <a:endParaRPr lang="en-US" altLang="zh-TW" dirty="0"/>
+              </a:p>
+              <a:p>
+                <a:pPr lvl="1"/>
+                <a:endParaRPr lang="en-US" altLang="zh-TW" dirty="0"/>
+              </a:p>
+              <a:p>
+                <a:pPr lvl="1"/>
+                <a:endParaRPr lang="en-US" altLang="zh-TW" dirty="0"/>
+              </a:p>
+              <a:p>
+                <a:pPr lvl="1"/>
+                <a:endParaRPr lang="en-US" altLang="zh-TW" dirty="0"/>
+              </a:p>
+              <a:p>
+                <a:pPr marL="457200" lvl="1" indent="0">
+                  <a:buNone/>
+                </a:pPr>
+                <a:endParaRPr lang="en-US" altLang="zh-TW" dirty="0"/>
+              </a:p>
+              <a:p>
+                <a:pPr lvl="1"/>
+                <a:r>
+                  <a:rPr lang="en-US" altLang="zh-TW" dirty="0"/>
+                  <a:t>What about area of </a:t>
+                </a:r>
+                <a:r>
+                  <a:rPr lang="en-US" altLang="zh-TW" dirty="0" err="1"/>
+                  <a:t>ckt</a:t>
+                </a:r>
+                <a:r>
+                  <a:rPr lang="en-US" altLang="zh-TW" dirty="0"/>
+                  <a:t>?</a:t>
+                </a:r>
+              </a:p>
+              <a:p>
+                <a:pPr lvl="2"/>
+                <a:r>
+                  <a:rPr lang="en-US" altLang="zh-TW" dirty="0"/>
+                  <a:t>Lightning : bit-serial : 2x3 FA + 15 FA and 1 shift + 32C</a:t>
+                </a:r>
+              </a:p>
+              <a:p>
+                <a:pPr lvl="2"/>
+                <a:r>
+                  <a:rPr lang="en-US" altLang="zh-TW" dirty="0"/>
+                  <a:t>Small </a:t>
+                </a:r>
+                <a14:m>
+                  <m:oMath xmlns:m="http://schemas.openxmlformats.org/officeDocument/2006/math">
+                    <m:r>
+                      <m:rPr>
+                        <m:sty m:val="p"/>
+                      </m:rPr>
+                      <a:rPr lang="en-US" altLang="zh-TW" b="0" i="0" smtClean="0">
+                        <a:latin typeface="Cambria Math" panose="02040503050406030204" pitchFamily="18" charset="0"/>
+                      </a:rPr>
+                      <m:t>Δ</m:t>
+                    </m:r>
+                    <m:r>
+                      <a:rPr lang="en-US" altLang="zh-TW" b="0" i="0" smtClean="0">
+                        <a:latin typeface="Cambria Math" panose="02040503050406030204" pitchFamily="18" charset="0"/>
+                      </a:rPr>
+                      <m:t> </m:t>
+                    </m:r>
+                  </m:oMath>
+                </a14:m>
+                <a:r>
+                  <a:rPr lang="en-US" altLang="zh-TW" dirty="0"/>
+                  <a:t>: bit-parallel :               49 FA                 + 130C</a:t>
+                </a:r>
+              </a:p>
+              <a:p>
+                <a:pPr lvl="2"/>
+                <a:r>
+                  <a:rPr lang="en-US" altLang="zh-TW" dirty="0"/>
+                  <a:t>Big   </a:t>
+                </a:r>
+                <a14:m>
+                  <m:oMath xmlns:m="http://schemas.openxmlformats.org/officeDocument/2006/math">
+                    <m:r>
+                      <a:rPr lang="en-US" altLang="zh-TW" b="0" i="0" smtClean="0">
+                        <a:latin typeface="Cambria Math" panose="02040503050406030204" pitchFamily="18" charset="0"/>
+                      </a:rPr>
+                      <m:t>  </m:t>
+                    </m:r>
+                    <m:r>
+                      <m:rPr>
+                        <m:sty m:val="p"/>
+                      </m:rPr>
+                      <a:rPr lang="en-US" altLang="zh-TW" b="0" i="0" smtClean="0">
+                        <a:latin typeface="Cambria Math" panose="02040503050406030204" pitchFamily="18" charset="0"/>
+                      </a:rPr>
+                      <m:t>Δ</m:t>
+                    </m:r>
+                    <m:r>
+                      <a:rPr lang="en-US" altLang="zh-TW" b="0" i="0" smtClean="0">
+                        <a:latin typeface="Cambria Math" panose="02040503050406030204" pitchFamily="18" charset="0"/>
+                      </a:rPr>
+                      <m:t> </m:t>
+                    </m:r>
+                  </m:oMath>
+                </a14:m>
+                <a:r>
+                  <a:rPr lang="en-US" altLang="zh-TW" dirty="0"/>
+                  <a:t>: bit-rotate   : 2x3 FA + 15 FA and 1 shift + 8C</a:t>
+                </a:r>
+              </a:p>
+              <a:p>
+                <a:pPr lvl="1"/>
+                <a:endParaRPr lang="en-US" altLang="zh-TW" dirty="0"/>
+              </a:p>
+              <a:p>
+                <a:pPr lvl="1"/>
+                <a:endParaRPr lang="en-US" altLang="zh-TW" dirty="0"/>
+              </a:p>
+              <a:p>
+                <a:pPr lvl="1"/>
+                <a:endParaRPr lang="zh-TW" altLang="en-US" dirty="0"/>
+              </a:p>
+            </p:txBody>
+          </p:sp>
+        </mc:Choice>
+        <mc:Fallback>
+          <p:sp>
+            <p:nvSpPr>
+              <p:cNvPr id="3" name="內容版面配置區 2">
+                <a:extLst>
+                  <a:ext uri="{FF2B5EF4-FFF2-40B4-BE49-F238E27FC236}">
+                    <a16:creationId xmlns:a16="http://schemas.microsoft.com/office/drawing/2014/main" id="{0F515D86-2953-8FF6-3B0E-2EF85AFD1B27}"/>
+                  </a:ext>
+                </a:extLst>
+              </p:cNvPr>
+              <p:cNvSpPr>
+                <a:spLocks noGrp="1" noRot="1" noChangeAspect="1" noMove="1" noResize="1" noEditPoints="1" noAdjustHandles="1" noChangeArrowheads="1" noChangeShapeType="1" noTextEdit="1"/>
+              </p:cNvSpPr>
+              <p:nvPr>
+                <p:ph idx="1"/>
+              </p:nvPr>
+            </p:nvSpPr>
+            <p:spPr>
+              <a:xfrm>
+                <a:off x="467544" y="1600200"/>
+                <a:ext cx="8676456" cy="4530725"/>
+              </a:xfrm>
+              <a:blipFill>
+                <a:blip r:embed="rId2"/>
+                <a:stretch>
+                  <a:fillRect t="-1077" r="-351"/>
+                </a:stretch>
+              </a:blipFill>
+            </p:spPr>
+            <p:txBody>
+              <a:bodyPr/>
+              <a:lstStyle/>
+              <a:p>
+                <a:r>
+                  <a:rPr lang="zh-TW" altLang="en-US">
+                    <a:noFill/>
+                  </a:rPr>
+                  <a:t> </a:t>
+                </a:r>
+              </a:p>
+            </p:txBody>
+          </p:sp>
+        </mc:Fallback>
+      </mc:AlternateContent>
+      <p:sp>
+        <p:nvSpPr>
+          <p:cNvPr id="4" name="投影片編號版面配置區 3">
+            <a:extLst>
+              <a:ext uri="{FF2B5EF4-FFF2-40B4-BE49-F238E27FC236}">
+                <a16:creationId xmlns:a16="http://schemas.microsoft.com/office/drawing/2014/main" id="{2412F6A4-4A41-3AA3-2961-F0987DFE6D2E}"/>
+              </a:ext>
+            </a:extLst>
+          </p:cNvPr>
+          <p:cNvSpPr>
+            <a:spLocks noGrp="1"/>
+          </p:cNvSpPr>
+          <p:nvPr>
+            <p:ph type="sldNum" sz="quarter" idx="12"/>
+          </p:nvPr>
+        </p:nvSpPr>
+        <p:spPr/>
+        <p:txBody>
+          <a:bodyPr/>
+          <a:lstStyle/>
+          <a:p>
+            <a:pPr>
+              <a:defRPr/>
+            </a:pPr>
+            <a:fld id="{8F5F56E1-31C3-4936-AC76-6E9C056A1F24}" type="slidenum">
+              <a:rPr lang="en-US" altLang="zh-TW" smtClean="0"/>
+              <a:pPr>
+                <a:defRPr/>
+              </a:pPr>
+              <a:t>15</a:t>
+            </a:fld>
+            <a:endParaRPr lang="en-US" altLang="zh-TW" dirty="0"/>
+          </a:p>
+        </p:txBody>
+      </p:sp>
+      <p:pic>
+        <p:nvPicPr>
+          <p:cNvPr id="6" name="圖片 5">
+            <a:extLst>
+              <a:ext uri="{FF2B5EF4-FFF2-40B4-BE49-F238E27FC236}">
+                <a16:creationId xmlns:a16="http://schemas.microsoft.com/office/drawing/2014/main" id="{19AC53BB-E367-FEB9-4D0C-ADC2C00D0ADC}"/>
+              </a:ext>
+            </a:extLst>
+          </p:cNvPr>
+          <p:cNvPicPr>
+            <a:picLocks noChangeAspect="1"/>
+          </p:cNvPicPr>
+          <p:nvPr/>
+        </p:nvPicPr>
+        <p:blipFill>
+          <a:blip r:embed="rId3">
+            <a:extLst>
+              <a:ext uri="{28A0092B-C50C-407E-A947-70E740481C1C}">
+                <a14:useLocalDpi xmlns:a14="http://schemas.microsoft.com/office/drawing/2010/main" val="0"/>
+              </a:ext>
+            </a:extLst>
+          </a:blip>
+          <a:stretch>
+            <a:fillRect/>
+          </a:stretch>
+        </p:blipFill>
+        <p:spPr>
+          <a:xfrm>
+            <a:off x="1979712" y="2060849"/>
+            <a:ext cx="4995250" cy="2232247"/>
+          </a:xfrm>
+          <a:prstGeom prst="rect">
+            <a:avLst/>
+          </a:prstGeom>
+        </p:spPr>
+      </p:pic>
+      <p:sp>
+        <p:nvSpPr>
+          <p:cNvPr id="8" name="文字方塊 7">
+            <a:extLst>
+              <a:ext uri="{FF2B5EF4-FFF2-40B4-BE49-F238E27FC236}">
+                <a16:creationId xmlns:a16="http://schemas.microsoft.com/office/drawing/2014/main" id="{0C99BB29-8C81-C4C5-E60B-262B912436D7}"/>
+              </a:ext>
+            </a:extLst>
+          </p:cNvPr>
+          <p:cNvSpPr txBox="1"/>
+          <p:nvPr/>
+        </p:nvSpPr>
+        <p:spPr>
+          <a:xfrm>
+            <a:off x="3532329" y="3527058"/>
+            <a:ext cx="1097602" cy="276314"/>
+          </a:xfrm>
+          <a:prstGeom prst="rect">
+            <a:avLst/>
+          </a:prstGeom>
+          <a:noFill/>
+        </p:spPr>
+        <p:txBody>
+          <a:bodyPr wrap="square">
+            <a:spAutoFit/>
+          </a:bodyPr>
+          <a:lstStyle/>
+          <a:p>
+            <a:r>
+              <a:rPr lang="en-US" altLang="zh-TW" sz="1200" dirty="0">
+                <a:ln>
+                  <a:solidFill>
+                    <a:schemeClr val="tx1"/>
+                  </a:solidFill>
+                </a:ln>
+                <a:solidFill>
+                  <a:srgbClr val="292929"/>
+                </a:solidFill>
+              </a:rPr>
+              <a:t>58% drop</a:t>
+            </a:r>
+            <a:endParaRPr lang="zh-TW" altLang="en-US" sz="1200" dirty="0">
+              <a:ln>
+                <a:solidFill>
+                  <a:schemeClr val="tx1"/>
+                </a:solidFill>
+              </a:ln>
+              <a:solidFill>
+                <a:srgbClr val="292929"/>
+              </a:solidFill>
+            </a:endParaRPr>
+          </a:p>
+        </p:txBody>
+      </p:sp>
+      <p:sp>
+        <p:nvSpPr>
+          <p:cNvPr id="9" name="文字方塊 8">
+            <a:extLst>
+              <a:ext uri="{FF2B5EF4-FFF2-40B4-BE49-F238E27FC236}">
+                <a16:creationId xmlns:a16="http://schemas.microsoft.com/office/drawing/2014/main" id="{224246F5-B874-4677-9C4F-EB5D45BA555D}"/>
+              </a:ext>
+            </a:extLst>
+          </p:cNvPr>
+          <p:cNvSpPr txBox="1"/>
+          <p:nvPr/>
+        </p:nvSpPr>
+        <p:spPr>
+          <a:xfrm>
+            <a:off x="4711720" y="3521328"/>
+            <a:ext cx="1097602" cy="276314"/>
+          </a:xfrm>
+          <a:prstGeom prst="rect">
+            <a:avLst/>
+          </a:prstGeom>
+          <a:noFill/>
+        </p:spPr>
+        <p:txBody>
+          <a:bodyPr wrap="square">
+            <a:spAutoFit/>
+          </a:bodyPr>
+          <a:lstStyle/>
+          <a:p>
+            <a:r>
+              <a:rPr lang="en-US" altLang="zh-TW" sz="1200" dirty="0">
+                <a:ln>
+                  <a:solidFill>
+                    <a:schemeClr val="tx1"/>
+                  </a:solidFill>
+                </a:ln>
+                <a:solidFill>
+                  <a:srgbClr val="292929"/>
+                </a:solidFill>
+              </a:rPr>
+              <a:t>4% drop</a:t>
+            </a:r>
+            <a:endParaRPr lang="zh-TW" altLang="en-US" sz="1200" dirty="0">
+              <a:ln>
+                <a:solidFill>
+                  <a:schemeClr val="tx1"/>
+                </a:solidFill>
+              </a:ln>
+              <a:solidFill>
+                <a:srgbClr val="292929"/>
+              </a:solidFill>
+            </a:endParaRPr>
+          </a:p>
+        </p:txBody>
+      </p:sp>
+      <p:sp>
+        <p:nvSpPr>
+          <p:cNvPr id="10" name="文字方塊 9">
+            <a:extLst>
+              <a:ext uri="{FF2B5EF4-FFF2-40B4-BE49-F238E27FC236}">
+                <a16:creationId xmlns:a16="http://schemas.microsoft.com/office/drawing/2014/main" id="{6E6773CF-F0EB-8E61-5B8B-4308BF2511E3}"/>
+              </a:ext>
+            </a:extLst>
+          </p:cNvPr>
+          <p:cNvSpPr txBox="1"/>
+          <p:nvPr/>
+        </p:nvSpPr>
+        <p:spPr>
+          <a:xfrm>
+            <a:off x="5748433" y="3521328"/>
+            <a:ext cx="1097602" cy="276314"/>
+          </a:xfrm>
+          <a:prstGeom prst="rect">
+            <a:avLst/>
+          </a:prstGeom>
+          <a:noFill/>
+        </p:spPr>
+        <p:txBody>
+          <a:bodyPr wrap="square">
+            <a:spAutoFit/>
+          </a:bodyPr>
+          <a:lstStyle/>
+          <a:p>
+            <a:r>
+              <a:rPr lang="en-US" altLang="zh-TW" sz="1200" dirty="0">
+                <a:ln>
+                  <a:solidFill>
+                    <a:schemeClr val="tx1"/>
+                  </a:solidFill>
+                </a:ln>
+                <a:solidFill>
+                  <a:srgbClr val="292929"/>
+                </a:solidFill>
+              </a:rPr>
+              <a:t>18% drop</a:t>
+            </a:r>
+            <a:endParaRPr lang="zh-TW" altLang="en-US" sz="1200" dirty="0">
+              <a:ln>
+                <a:solidFill>
+                  <a:schemeClr val="tx1"/>
+                </a:solidFill>
+              </a:ln>
+              <a:solidFill>
+                <a:srgbClr val="292929"/>
+              </a:solidFill>
+            </a:endParaRPr>
+          </a:p>
+        </p:txBody>
+      </p:sp>
+      <p:sp>
+        <p:nvSpPr>
+          <p:cNvPr id="11" name="左大括弧 10">
+            <a:extLst>
+              <a:ext uri="{FF2B5EF4-FFF2-40B4-BE49-F238E27FC236}">
+                <a16:creationId xmlns:a16="http://schemas.microsoft.com/office/drawing/2014/main" id="{0A442367-D54A-CCCF-15A4-AFF066741C25}"/>
+              </a:ext>
+            </a:extLst>
+          </p:cNvPr>
+          <p:cNvSpPr/>
+          <p:nvPr/>
+        </p:nvSpPr>
+        <p:spPr bwMode="auto">
+          <a:xfrm rot="16200000">
+            <a:off x="4913846" y="5391410"/>
+            <a:ext cx="252412" cy="936104"/>
+          </a:xfrm>
+          <a:prstGeom prst="leftBrace">
+            <a:avLst/>
+          </a:prstGeom>
+          <a:solidFill>
+            <a:schemeClr val="bg1"/>
+          </a:solidFill>
+          <a:ln w="19050" cap="flat" cmpd="sng" algn="ctr">
+            <a:solidFill>
+              <a:schemeClr val="tx1"/>
+            </a:solidFill>
+            <a:prstDash val="solid"/>
+            <a:round/>
+            <a:headEnd type="none" w="med" len="med"/>
+            <a:tailEnd type="none" w="med" len="med"/>
+          </a:ln>
+          <a:effectLst/>
+        </p:spPr>
+        <p:txBody>
+          <a:bodyPr vert="horz" wrap="square" lIns="91440" tIns="45720" rIns="91440" bIns="45720" numCol="1" rtlCol="0" anchor="t" anchorCtr="0" compatLnSpc="1">
+            <a:prstTxWarp prst="textNoShape">
+              <a:avLst/>
+            </a:prstTxWarp>
+          </a:bodyPr>
+          <a:lstStyle/>
+          <a:p>
+            <a:pPr marL="0" marR="0" indent="0" algn="l" defTabSz="914400" rtl="0" eaLnBrk="1" fontAlgn="base" latinLnBrk="0" hangingPunct="1">
+              <a:lnSpc>
+                <a:spcPct val="100000"/>
+              </a:lnSpc>
+              <a:spcBef>
+                <a:spcPct val="0"/>
+              </a:spcBef>
+              <a:spcAft>
+                <a:spcPct val="0"/>
+              </a:spcAft>
+              <a:buClrTx/>
+              <a:buSzTx/>
+              <a:buFontTx/>
+              <a:buNone/>
+              <a:tabLst/>
+            </a:pPr>
+            <a:endParaRPr kumimoji="1" lang="zh-TW" altLang="en-US" sz="1800" b="1" i="0" u="none" strike="noStrike" cap="none" normalizeH="0" baseline="0">
+              <a:ln>
+                <a:noFill/>
+              </a:ln>
+              <a:solidFill>
+                <a:schemeClr val="tx1"/>
+              </a:solidFill>
+              <a:effectLst/>
+              <a:latin typeface="Verdana" panose="020B0604030504040204" pitchFamily="34" charset="0"/>
+              <a:ea typeface="新細明體" panose="02020500000000000000" pitchFamily="18" charset="-120"/>
+            </a:endParaRPr>
+          </a:p>
+        </p:txBody>
+      </p:sp>
+      <p:sp>
+        <p:nvSpPr>
+          <p:cNvPr id="13" name="文字方塊 12">
+            <a:extLst>
+              <a:ext uri="{FF2B5EF4-FFF2-40B4-BE49-F238E27FC236}">
+                <a16:creationId xmlns:a16="http://schemas.microsoft.com/office/drawing/2014/main" id="{40174D09-721F-247C-49F9-F1D91B3666F7}"/>
+              </a:ext>
+            </a:extLst>
+          </p:cNvPr>
+          <p:cNvSpPr txBox="1"/>
+          <p:nvPr/>
+        </p:nvSpPr>
+        <p:spPr>
+          <a:xfrm>
+            <a:off x="4283968" y="6007521"/>
+            <a:ext cx="1440160" cy="523220"/>
+          </a:xfrm>
+          <a:prstGeom prst="rect">
+            <a:avLst/>
+          </a:prstGeom>
+          <a:noFill/>
+        </p:spPr>
+        <p:txBody>
+          <a:bodyPr wrap="square">
+            <a:spAutoFit/>
+          </a:bodyPr>
+          <a:lstStyle/>
+          <a:p>
+            <a:pPr algn="ctr"/>
+            <a:r>
+              <a:rPr lang="en-US" altLang="zh-TW" sz="1400" b="0" dirty="0"/>
+              <a:t>Sign bit</a:t>
+            </a:r>
+          </a:p>
+          <a:p>
+            <a:pPr algn="ctr"/>
+            <a:r>
+              <a:rPr lang="en-US" altLang="zh-TW" sz="1400" b="0" dirty="0"/>
+              <a:t>processing</a:t>
+            </a:r>
+            <a:endParaRPr lang="zh-TW" altLang="en-US" sz="1400" b="0" dirty="0"/>
+          </a:p>
+        </p:txBody>
+      </p:sp>
+      <p:sp>
+        <p:nvSpPr>
+          <p:cNvPr id="14" name="左大括弧 13">
+            <a:extLst>
+              <a:ext uri="{FF2B5EF4-FFF2-40B4-BE49-F238E27FC236}">
+                <a16:creationId xmlns:a16="http://schemas.microsoft.com/office/drawing/2014/main" id="{2EC835CA-0A1F-FD18-61C9-C614E32F786C}"/>
+              </a:ext>
+            </a:extLst>
+          </p:cNvPr>
+          <p:cNvSpPr/>
+          <p:nvPr/>
+        </p:nvSpPr>
+        <p:spPr bwMode="auto">
+          <a:xfrm rot="16200000">
+            <a:off x="6048462" y="5369557"/>
+            <a:ext cx="252412" cy="936104"/>
+          </a:xfrm>
+          <a:prstGeom prst="leftBrace">
+            <a:avLst/>
+          </a:prstGeom>
+          <a:solidFill>
+            <a:schemeClr val="bg1"/>
+          </a:solidFill>
+          <a:ln w="19050" cap="flat" cmpd="sng" algn="ctr">
+            <a:solidFill>
+              <a:schemeClr val="tx1"/>
+            </a:solidFill>
+            <a:prstDash val="solid"/>
+            <a:round/>
+            <a:headEnd type="none" w="med" len="med"/>
+            <a:tailEnd type="none" w="med" len="med"/>
+          </a:ln>
+          <a:effectLst/>
+        </p:spPr>
+        <p:txBody>
+          <a:bodyPr vert="horz" wrap="square" lIns="91440" tIns="45720" rIns="91440" bIns="45720" numCol="1" rtlCol="0" anchor="t" anchorCtr="0" compatLnSpc="1">
+            <a:prstTxWarp prst="textNoShape">
+              <a:avLst/>
+            </a:prstTxWarp>
+          </a:bodyPr>
+          <a:lstStyle/>
+          <a:p>
+            <a:pPr marL="0" marR="0" indent="0" algn="l" defTabSz="914400" rtl="0" eaLnBrk="1" fontAlgn="base" latinLnBrk="0" hangingPunct="1">
+              <a:lnSpc>
+                <a:spcPct val="100000"/>
+              </a:lnSpc>
+              <a:spcBef>
+                <a:spcPct val="0"/>
+              </a:spcBef>
+              <a:spcAft>
+                <a:spcPct val="0"/>
+              </a:spcAft>
+              <a:buClrTx/>
+              <a:buSzTx/>
+              <a:buFontTx/>
+              <a:buNone/>
+              <a:tabLst/>
+            </a:pPr>
+            <a:endParaRPr kumimoji="1" lang="zh-TW" altLang="en-US" sz="1800" b="1" i="0" u="none" strike="noStrike" cap="none" normalizeH="0" baseline="0">
+              <a:ln>
+                <a:noFill/>
+              </a:ln>
+              <a:solidFill>
+                <a:schemeClr val="tx1"/>
+              </a:solidFill>
+              <a:effectLst/>
+              <a:latin typeface="Verdana" panose="020B0604030504040204" pitchFamily="34" charset="0"/>
+              <a:ea typeface="新細明體" panose="02020500000000000000" pitchFamily="18" charset="-120"/>
+            </a:endParaRPr>
+          </a:p>
+        </p:txBody>
+      </p:sp>
+      <p:sp>
+        <p:nvSpPr>
+          <p:cNvPr id="15" name="文字方塊 14">
+            <a:extLst>
+              <a:ext uri="{FF2B5EF4-FFF2-40B4-BE49-F238E27FC236}">
+                <a16:creationId xmlns:a16="http://schemas.microsoft.com/office/drawing/2014/main" id="{1B9422FE-BB24-F958-3FA9-8EA85728E53E}"/>
+              </a:ext>
+            </a:extLst>
+          </p:cNvPr>
+          <p:cNvSpPr txBox="1"/>
+          <p:nvPr/>
+        </p:nvSpPr>
+        <p:spPr>
+          <a:xfrm>
+            <a:off x="5418584" y="5985668"/>
+            <a:ext cx="1440160" cy="523220"/>
+          </a:xfrm>
+          <a:prstGeom prst="rect">
+            <a:avLst/>
+          </a:prstGeom>
+          <a:noFill/>
+        </p:spPr>
+        <p:txBody>
+          <a:bodyPr wrap="square">
+            <a:spAutoFit/>
+          </a:bodyPr>
+          <a:lstStyle/>
+          <a:p>
+            <a:pPr algn="ctr"/>
+            <a:r>
+              <a:rPr lang="en-US" altLang="zh-TW" sz="1400" b="0" dirty="0"/>
+              <a:t>Sum the product</a:t>
+            </a:r>
+            <a:endParaRPr lang="zh-TW" altLang="en-US" sz="1400" b="0" dirty="0"/>
+          </a:p>
+        </p:txBody>
+      </p:sp>
+      <p:sp>
+        <p:nvSpPr>
+          <p:cNvPr id="20" name="左大括弧 19">
+            <a:extLst>
+              <a:ext uri="{FF2B5EF4-FFF2-40B4-BE49-F238E27FC236}">
+                <a16:creationId xmlns:a16="http://schemas.microsoft.com/office/drawing/2014/main" id="{2065D84A-B509-6F5D-5D44-D3A4C8B5BC5F}"/>
+              </a:ext>
+            </a:extLst>
+          </p:cNvPr>
+          <p:cNvSpPr/>
+          <p:nvPr/>
+        </p:nvSpPr>
+        <p:spPr bwMode="auto">
+          <a:xfrm rot="16200000">
+            <a:off x="7451874" y="5369557"/>
+            <a:ext cx="252412" cy="936104"/>
+          </a:xfrm>
+          <a:prstGeom prst="leftBrace">
+            <a:avLst/>
+          </a:prstGeom>
+          <a:solidFill>
+            <a:schemeClr val="bg1"/>
+          </a:solidFill>
+          <a:ln w="19050" cap="flat" cmpd="sng" algn="ctr">
+            <a:solidFill>
+              <a:schemeClr val="tx1"/>
+            </a:solidFill>
+            <a:prstDash val="solid"/>
+            <a:round/>
+            <a:headEnd type="none" w="med" len="med"/>
+            <a:tailEnd type="none" w="med" len="med"/>
+          </a:ln>
+          <a:effectLst/>
+        </p:spPr>
+        <p:txBody>
+          <a:bodyPr vert="horz" wrap="square" lIns="91440" tIns="45720" rIns="91440" bIns="45720" numCol="1" rtlCol="0" anchor="t" anchorCtr="0" compatLnSpc="1">
+            <a:prstTxWarp prst="textNoShape">
+              <a:avLst/>
+            </a:prstTxWarp>
+          </a:bodyPr>
+          <a:lstStyle/>
+          <a:p>
+            <a:pPr marL="0" marR="0" indent="0" algn="l" defTabSz="914400" rtl="0" eaLnBrk="1" fontAlgn="base" latinLnBrk="0" hangingPunct="1">
+              <a:lnSpc>
+                <a:spcPct val="100000"/>
+              </a:lnSpc>
+              <a:spcBef>
+                <a:spcPct val="0"/>
+              </a:spcBef>
+              <a:spcAft>
+                <a:spcPct val="0"/>
+              </a:spcAft>
+              <a:buClrTx/>
+              <a:buSzTx/>
+              <a:buFontTx/>
+              <a:buNone/>
+              <a:tabLst/>
+            </a:pPr>
+            <a:endParaRPr kumimoji="1" lang="zh-TW" altLang="en-US" sz="1800" b="1" i="0" u="none" strike="noStrike" cap="none" normalizeH="0" baseline="0">
+              <a:ln>
+                <a:noFill/>
+              </a:ln>
+              <a:solidFill>
+                <a:schemeClr val="tx1"/>
+              </a:solidFill>
+              <a:effectLst/>
+              <a:latin typeface="Verdana" panose="020B0604030504040204" pitchFamily="34" charset="0"/>
+              <a:ea typeface="新細明體" panose="02020500000000000000" pitchFamily="18" charset="-120"/>
+            </a:endParaRPr>
+          </a:p>
+        </p:txBody>
+      </p:sp>
+      <p:sp>
+        <p:nvSpPr>
+          <p:cNvPr id="21" name="文字方塊 20">
+            <a:extLst>
+              <a:ext uri="{FF2B5EF4-FFF2-40B4-BE49-F238E27FC236}">
+                <a16:creationId xmlns:a16="http://schemas.microsoft.com/office/drawing/2014/main" id="{5B392229-FD56-6D04-11E5-27DD39C83805}"/>
+              </a:ext>
+            </a:extLst>
+          </p:cNvPr>
+          <p:cNvSpPr txBox="1"/>
+          <p:nvPr/>
+        </p:nvSpPr>
+        <p:spPr>
+          <a:xfrm>
+            <a:off x="6686133" y="5996595"/>
+            <a:ext cx="1548680" cy="523220"/>
+          </a:xfrm>
+          <a:prstGeom prst="rect">
+            <a:avLst/>
+          </a:prstGeom>
+          <a:noFill/>
+        </p:spPr>
+        <p:txBody>
+          <a:bodyPr wrap="square">
+            <a:spAutoFit/>
+          </a:bodyPr>
+          <a:lstStyle/>
+          <a:p>
+            <a:pPr algn="ctr"/>
+            <a:r>
+              <a:rPr lang="en-US" altLang="zh-TW" sz="1400" b="0" dirty="0"/>
+              <a:t>Bit precision</a:t>
+            </a:r>
+          </a:p>
+          <a:p>
+            <a:pPr algn="ctr"/>
+            <a:r>
+              <a:rPr lang="en-US" altLang="zh-TW" sz="1400" b="0" dirty="0"/>
+              <a:t>alignment </a:t>
+            </a:r>
+            <a:endParaRPr lang="zh-TW" altLang="en-US" sz="1400" b="0" dirty="0"/>
+          </a:p>
+        </p:txBody>
+      </p:sp>
+      <p:sp>
+        <p:nvSpPr>
+          <p:cNvPr id="25" name="左大括弧 24">
+            <a:extLst>
+              <a:ext uri="{FF2B5EF4-FFF2-40B4-BE49-F238E27FC236}">
+                <a16:creationId xmlns:a16="http://schemas.microsoft.com/office/drawing/2014/main" id="{0F188D5A-574A-E964-55BD-2148CC7C70BF}"/>
+              </a:ext>
+            </a:extLst>
+          </p:cNvPr>
+          <p:cNvSpPr/>
+          <p:nvPr/>
+        </p:nvSpPr>
+        <p:spPr bwMode="auto">
+          <a:xfrm rot="16200000">
+            <a:off x="8475870" y="5391410"/>
+            <a:ext cx="252412" cy="936104"/>
+          </a:xfrm>
+          <a:prstGeom prst="leftBrace">
+            <a:avLst/>
+          </a:prstGeom>
+          <a:solidFill>
+            <a:schemeClr val="bg1"/>
+          </a:solidFill>
+          <a:ln w="19050" cap="flat" cmpd="sng" algn="ctr">
+            <a:solidFill>
+              <a:schemeClr val="tx1"/>
+            </a:solidFill>
+            <a:prstDash val="solid"/>
+            <a:round/>
+            <a:headEnd type="none" w="med" len="med"/>
+            <a:tailEnd type="none" w="med" len="med"/>
+          </a:ln>
+          <a:effectLst/>
+        </p:spPr>
+        <p:txBody>
+          <a:bodyPr vert="horz" wrap="square" lIns="91440" tIns="45720" rIns="91440" bIns="45720" numCol="1" rtlCol="0" anchor="t" anchorCtr="0" compatLnSpc="1">
+            <a:prstTxWarp prst="textNoShape">
+              <a:avLst/>
+            </a:prstTxWarp>
+          </a:bodyPr>
+          <a:lstStyle/>
+          <a:p>
+            <a:pPr marL="0" marR="0" indent="0" algn="l" defTabSz="914400" rtl="0" eaLnBrk="1" fontAlgn="base" latinLnBrk="0" hangingPunct="1">
+              <a:lnSpc>
+                <a:spcPct val="100000"/>
+              </a:lnSpc>
+              <a:spcBef>
+                <a:spcPct val="0"/>
+              </a:spcBef>
+              <a:spcAft>
+                <a:spcPct val="0"/>
+              </a:spcAft>
+              <a:buClrTx/>
+              <a:buSzTx/>
+              <a:buFontTx/>
+              <a:buNone/>
+              <a:tabLst/>
+            </a:pPr>
+            <a:endParaRPr kumimoji="1" lang="zh-TW" altLang="en-US" sz="1800" b="1" i="0" u="none" strike="noStrike" cap="none" normalizeH="0" baseline="0">
+              <a:ln>
+                <a:noFill/>
+              </a:ln>
+              <a:solidFill>
+                <a:schemeClr val="tx1"/>
+              </a:solidFill>
+              <a:effectLst/>
+              <a:latin typeface="Verdana" panose="020B0604030504040204" pitchFamily="34" charset="0"/>
+              <a:ea typeface="新細明體" panose="02020500000000000000" pitchFamily="18" charset="-120"/>
+            </a:endParaRPr>
+          </a:p>
+        </p:txBody>
+      </p:sp>
+      <p:sp>
+        <p:nvSpPr>
+          <p:cNvPr id="27" name="文字方塊 26">
+            <a:extLst>
+              <a:ext uri="{FF2B5EF4-FFF2-40B4-BE49-F238E27FC236}">
+                <a16:creationId xmlns:a16="http://schemas.microsoft.com/office/drawing/2014/main" id="{2785586F-69E7-2D5E-F542-56A30DE69780}"/>
+              </a:ext>
+            </a:extLst>
+          </p:cNvPr>
+          <p:cNvSpPr txBox="1"/>
+          <p:nvPr/>
+        </p:nvSpPr>
+        <p:spPr>
+          <a:xfrm>
+            <a:off x="8166118" y="5985668"/>
+            <a:ext cx="936104" cy="523220"/>
+          </a:xfrm>
+          <a:prstGeom prst="rect">
+            <a:avLst/>
+          </a:prstGeom>
+          <a:noFill/>
+        </p:spPr>
+        <p:txBody>
+          <a:bodyPr wrap="square">
+            <a:spAutoFit/>
+          </a:bodyPr>
+          <a:lstStyle/>
+          <a:p>
+            <a:pPr algn="ctr"/>
+            <a:r>
+              <a:rPr lang="en-US" altLang="zh-TW" sz="1400" b="0" dirty="0"/>
+              <a:t>Analog</a:t>
+            </a:r>
+          </a:p>
+          <a:p>
+            <a:pPr algn="ctr"/>
+            <a:r>
+              <a:rPr lang="en-US" altLang="zh-TW" sz="1400" b="0" dirty="0"/>
+              <a:t>Sum</a:t>
+            </a:r>
+            <a:endParaRPr lang="zh-TW" altLang="en-US" sz="1400" b="0" dirty="0"/>
+          </a:p>
+        </p:txBody>
+      </p:sp>
+    </p:spTree>
+    <p:extLst>
+      <p:ext uri="{BB962C8B-B14F-4D97-AF65-F5344CB8AC3E}">
+        <p14:creationId xmlns:p14="http://schemas.microsoft.com/office/powerpoint/2010/main" val="4093653310"/>
+      </p:ext>
+    </p:extLst>
+  </p:cSld>
+  <p:clrMapOvr>
+    <a:masterClrMapping/>
+  </p:clrMapOvr>
+</p:sld>
+</file>
+
+<file path=ppt/slides/slide16.xml><?xml version="1.0" encoding="utf-8"?>
+<p:sld xmlns:a="http://schemas.openxmlformats.org/drawingml/2006/main" xmlns:r="http://schemas.openxmlformats.org/officeDocument/2006/relationships" xmlns:p="http://schemas.openxmlformats.org/presentationml/2006/main">
+  <p:cSld>
+    <p:spTree>
+      <p:nvGrpSpPr>
+        <p:cNvPr id="1" name=""/>
+        <p:cNvGrpSpPr/>
+        <p:nvPr/>
+      </p:nvGrpSpPr>
+      <p:grpSpPr>
+        <a:xfrm>
+          <a:off x="0" y="0"/>
+          <a:ext cx="0" cy="0"/>
+          <a:chOff x="0" y="0"/>
+          <a:chExt cx="0" cy="0"/>
+        </a:xfrm>
+      </p:grpSpPr>
+      <p:sp>
+        <p:nvSpPr>
+          <p:cNvPr id="2" name="標題 1">
+            <a:extLst>
+              <a:ext uri="{FF2B5EF4-FFF2-40B4-BE49-F238E27FC236}">
+                <a16:creationId xmlns:a16="http://schemas.microsoft.com/office/drawing/2014/main" id="{869CBB9A-77AB-6BCF-579D-8DF379BE3337}"/>
+              </a:ext>
+            </a:extLst>
+          </p:cNvPr>
+          <p:cNvSpPr>
+            <a:spLocks noGrp="1"/>
+          </p:cNvSpPr>
+          <p:nvPr>
+            <p:ph type="title"/>
+          </p:nvPr>
+        </p:nvSpPr>
+        <p:spPr/>
+        <p:txBody>
+          <a:bodyPr/>
+          <a:lstStyle/>
+          <a:p>
+            <a:r>
+              <a:rPr lang="en-US" altLang="zh-TW" dirty="0"/>
+              <a:t>Conclusion</a:t>
+            </a:r>
+            <a:endParaRPr lang="zh-TW" altLang="en-US" dirty="0"/>
+          </a:p>
+        </p:txBody>
+      </p:sp>
+      <p:sp>
+        <p:nvSpPr>
+          <p:cNvPr id="3" name="內容版面配置區 2">
+            <a:extLst>
+              <a:ext uri="{FF2B5EF4-FFF2-40B4-BE49-F238E27FC236}">
+                <a16:creationId xmlns:a16="http://schemas.microsoft.com/office/drawing/2014/main" id="{3BA6A0AB-AF13-E2B0-716B-EAB325DBEC1D}"/>
+              </a:ext>
+            </a:extLst>
+          </p:cNvPr>
+          <p:cNvSpPr>
+            <a:spLocks noGrp="1"/>
+          </p:cNvSpPr>
+          <p:nvPr>
+            <p:ph idx="1"/>
+          </p:nvPr>
+        </p:nvSpPr>
+        <p:spPr/>
+        <p:txBody>
+          <a:bodyPr/>
+          <a:lstStyle/>
+          <a:p>
+            <a:pPr lvl="1"/>
+            <a:r>
+              <a:rPr lang="en-US" altLang="zh-TW" dirty="0"/>
+              <a:t>Comparison between different shapes</a:t>
+            </a:r>
+            <a:endParaRPr lang="zh-TW" altLang="en-US" dirty="0"/>
+          </a:p>
+        </p:txBody>
+      </p:sp>
+      <p:sp>
+        <p:nvSpPr>
+          <p:cNvPr id="4" name="投影片編號版面配置區 3">
+            <a:extLst>
+              <a:ext uri="{FF2B5EF4-FFF2-40B4-BE49-F238E27FC236}">
+                <a16:creationId xmlns:a16="http://schemas.microsoft.com/office/drawing/2014/main" id="{1F542550-FC94-B212-3B2D-BE32B960F833}"/>
+              </a:ext>
+            </a:extLst>
+          </p:cNvPr>
+          <p:cNvSpPr>
+            <a:spLocks noGrp="1"/>
+          </p:cNvSpPr>
+          <p:nvPr>
+            <p:ph type="sldNum" sz="quarter" idx="12"/>
+          </p:nvPr>
+        </p:nvSpPr>
+        <p:spPr/>
+        <p:txBody>
+          <a:bodyPr/>
+          <a:lstStyle/>
+          <a:p>
+            <a:pPr>
+              <a:defRPr/>
+            </a:pPr>
+            <a:fld id="{8F5F56E1-31C3-4936-AC76-6E9C056A1F24}" type="slidenum">
+              <a:rPr lang="en-US" altLang="zh-TW" smtClean="0"/>
+              <a:pPr>
+                <a:defRPr/>
+              </a:pPr>
+              <a:t>16</a:t>
+            </a:fld>
+            <a:endParaRPr lang="en-US" altLang="zh-TW"/>
+          </a:p>
+        </p:txBody>
+      </p:sp>
+      <p:grpSp>
+        <p:nvGrpSpPr>
+          <p:cNvPr id="13" name="群組 12">
+            <a:extLst>
+              <a:ext uri="{FF2B5EF4-FFF2-40B4-BE49-F238E27FC236}">
+                <a16:creationId xmlns:a16="http://schemas.microsoft.com/office/drawing/2014/main" id="{78DC1AC1-8D60-F75A-EC36-846EC6DF3F05}"/>
+              </a:ext>
+            </a:extLst>
+          </p:cNvPr>
+          <p:cNvGrpSpPr/>
+          <p:nvPr/>
+        </p:nvGrpSpPr>
+        <p:grpSpPr>
+          <a:xfrm>
+            <a:off x="1916681" y="2363074"/>
+            <a:ext cx="6133160" cy="1502488"/>
+            <a:chOff x="1944297" y="2026115"/>
+            <a:chExt cx="6133160" cy="1502488"/>
+          </a:xfrm>
+        </p:grpSpPr>
+        <p:pic>
+          <p:nvPicPr>
+            <p:cNvPr id="14" name="圖片 13">
+              <a:extLst>
+                <a:ext uri="{FF2B5EF4-FFF2-40B4-BE49-F238E27FC236}">
+                  <a16:creationId xmlns:a16="http://schemas.microsoft.com/office/drawing/2014/main" id="{8BAE2F61-7D0F-F877-DA8F-66D547AE55B7}"/>
+                </a:ext>
+              </a:extLst>
+            </p:cNvPr>
+            <p:cNvPicPr>
+              <a:picLocks noChangeAspect="1"/>
+            </p:cNvPicPr>
+            <p:nvPr/>
+          </p:nvPicPr>
+          <p:blipFill>
+            <a:blip r:embed="rId2"/>
+            <a:srcRect l="54881"/>
+            <a:stretch/>
+          </p:blipFill>
+          <p:spPr>
+            <a:xfrm>
+              <a:off x="1944297" y="2340750"/>
+              <a:ext cx="1512168" cy="1179723"/>
+            </a:xfrm>
+            <a:prstGeom prst="rect">
+              <a:avLst/>
+            </a:prstGeom>
+          </p:spPr>
+        </p:pic>
+        <p:pic>
+          <p:nvPicPr>
+            <p:cNvPr id="15" name="圖片 14">
+              <a:extLst>
+                <a:ext uri="{FF2B5EF4-FFF2-40B4-BE49-F238E27FC236}">
+                  <a16:creationId xmlns:a16="http://schemas.microsoft.com/office/drawing/2014/main" id="{4E5672A5-BF14-DFBE-8E5A-07136265F655}"/>
+                </a:ext>
+              </a:extLst>
+            </p:cNvPr>
+            <p:cNvPicPr>
+              <a:picLocks noChangeAspect="1"/>
+            </p:cNvPicPr>
+            <p:nvPr/>
+          </p:nvPicPr>
+          <p:blipFill>
+            <a:blip r:embed="rId3">
+              <a:extLst>
+                <a:ext uri="{BEBA8EAE-BF5A-486C-A8C5-ECC9F3942E4B}">
+                  <a14:imgProps xmlns:a14="http://schemas.microsoft.com/office/drawing/2010/main">
+                    <a14:imgLayer r:embed="rId4">
+                      <a14:imgEffect>
+                        <a14:backgroundRemoval t="4091" b="99545" l="9440" r="54240">
+                          <a14:foregroundMark x1="25120" y1="15909" x2="14720" y2="58182"/>
+                          <a14:foregroundMark x1="14720" y1="58182" x2="10880" y2="98182"/>
+                          <a14:foregroundMark x1="10880" y1="98182" x2="10880" y2="98182"/>
+                          <a14:foregroundMark x1="40800" y1="20455" x2="40320" y2="50000"/>
+                          <a14:foregroundMark x1="50240" y1="14545" x2="38240" y2="58636"/>
+                          <a14:foregroundMark x1="38240" y1="58636" x2="37440" y2="60000"/>
+                          <a14:foregroundMark x1="50400" y1="10909" x2="43840" y2="41364"/>
+                          <a14:foregroundMark x1="50560" y1="25455" x2="46720" y2="37273"/>
+                          <a14:foregroundMark x1="49120" y1="20909" x2="46240" y2="41364"/>
+                          <a14:foregroundMark x1="48160" y1="18636" x2="42400" y2="49545"/>
+                          <a14:foregroundMark x1="50560" y1="11818" x2="47840" y2="25909"/>
+                          <a14:foregroundMark x1="51040" y1="9545" x2="27680" y2="14091"/>
+                          <a14:foregroundMark x1="28640" y1="7273" x2="46880" y2="4545"/>
+                          <a14:foregroundMark x1="46880" y1="4545" x2="48160" y2="4545"/>
+                          <a14:foregroundMark x1="42400" y1="7273" x2="54240" y2="7273"/>
+                          <a14:foregroundMark x1="46560" y1="6364" x2="51680" y2="7727"/>
+                          <a14:foregroundMark x1="35040" y1="45909" x2="27840" y2="76364"/>
+                          <a14:foregroundMark x1="26720" y1="56818" x2="25280" y2="69091"/>
+                          <a14:foregroundMark x1="24160" y1="67273" x2="24000" y2="73182"/>
+                          <a14:foregroundMark x1="24000" y1="58636" x2="24960" y2="77273"/>
+                          <a14:foregroundMark x1="29600" y1="64091" x2="26880" y2="75455"/>
+                          <a14:foregroundMark x1="28640" y1="60455" x2="27360" y2="85909"/>
+                          <a14:foregroundMark x1="31040" y1="60000" x2="32640" y2="77273"/>
+                          <a14:foregroundMark x1="34720" y1="61364" x2="34240" y2="78182"/>
+                          <a14:foregroundMark x1="35040" y1="65000" x2="33120" y2="73182"/>
+                          <a14:foregroundMark x1="34080" y1="66364" x2="33280" y2="72727"/>
+                          <a14:foregroundMark x1="34400" y1="62273" x2="33760" y2="65000"/>
+                          <a14:foregroundMark x1="40480" y1="25000" x2="39360" y2="31818"/>
+                          <a14:foregroundMark x1="29760" y1="9545" x2="23520" y2="40455"/>
+                          <a14:foregroundMark x1="30400" y1="21818" x2="23680" y2="57273"/>
+                          <a14:foregroundMark x1="27520" y1="21364" x2="25600" y2="44091"/>
+                          <a14:foregroundMark x1="32000" y1="17273" x2="27840" y2="31818"/>
+                          <a14:foregroundMark x1="27360" y1="25909" x2="22560" y2="58636"/>
+                          <a14:foregroundMark x1="20960" y1="52273" x2="18240" y2="61818"/>
+                          <a14:foregroundMark x1="21440" y1="52727" x2="19040" y2="66364"/>
+                          <a14:foregroundMark x1="22400" y1="44545" x2="16640" y2="76364"/>
+                          <a14:foregroundMark x1="17600" y1="62273" x2="14560" y2="79545"/>
+                          <a14:foregroundMark x1="16960" y1="74545" x2="15840" y2="83636"/>
+                          <a14:foregroundMark x1="16960" y1="76364" x2="14720" y2="85909"/>
+                          <a14:foregroundMark x1="20000" y1="63182" x2="14880" y2="85000"/>
+                          <a14:foregroundMark x1="15840" y1="72727" x2="11680" y2="94545"/>
+                          <a14:foregroundMark x1="17760" y1="74545" x2="13920" y2="88636"/>
+                          <a14:foregroundMark x1="17920" y1="68182" x2="15520" y2="81818"/>
+                          <a14:foregroundMark x1="19040" y1="60455" x2="14240" y2="81818"/>
+                          <a14:foregroundMark x1="15680" y1="71364" x2="13440" y2="85000"/>
+                          <a14:foregroundMark x1="17280" y1="77273" x2="13600" y2="95455"/>
+                          <a14:foregroundMark x1="9760" y1="95909" x2="16640" y2="96364"/>
+                          <a14:foregroundMark x1="11200" y1="95455" x2="20960" y2="92273"/>
+                          <a14:foregroundMark x1="9440" y1="97727" x2="11520" y2="99545"/>
+                          <a14:foregroundMark x1="15200" y1="97273" x2="33120" y2="93636"/>
+                          <a14:foregroundMark x1="35840" y1="81364" x2="29920" y2="97727"/>
+                          <a14:foregroundMark x1="35840" y1="77727" x2="32800" y2="92273"/>
+                          <a14:foregroundMark x1="38560" y1="68636" x2="32800" y2="92273"/>
+                          <a14:foregroundMark x1="36640" y1="79091" x2="34240" y2="97727"/>
+                          <a14:foregroundMark x1="39360" y1="68636" x2="34240" y2="85000"/>
+                          <a14:foregroundMark x1="43840" y1="44091" x2="39840" y2="69091"/>
+                          <a14:foregroundMark x1="44160" y1="40000" x2="36800" y2="69545"/>
+                          <a14:foregroundMark x1="49440" y1="34091" x2="43040" y2="52727"/>
+                          <a14:foregroundMark x1="48480" y1="27727" x2="45760" y2="47727"/>
+                          <a14:foregroundMark x1="51360" y1="26818" x2="48000" y2="37727"/>
+                          <a14:foregroundMark x1="51200" y1="24545" x2="51200" y2="9091"/>
+                          <a14:foregroundMark x1="49760" y1="19091" x2="49600" y2="7727"/>
+                          <a14:foregroundMark x1="47040" y1="6364" x2="53920" y2="5909"/>
+                          <a14:foregroundMark x1="30720" y1="10455" x2="36000" y2="6364"/>
+                          <a14:foregroundMark x1="30080" y1="6364" x2="36800" y2="6364"/>
+                          <a14:foregroundMark x1="52160" y1="6364" x2="49440" y2="22273"/>
+                          <a14:foregroundMark x1="52160" y1="10455" x2="50560" y2="19091"/>
+                        </a14:backgroundRemoval>
+                      </a14:imgEffect>
+                    </a14:imgLayer>
+                  </a14:imgProps>
+                </a:ext>
+              </a:extLst>
+            </a:blip>
+            <a:srcRect l="9259" r="46296"/>
+            <a:stretch/>
+          </p:blipFill>
+          <p:spPr>
+            <a:xfrm>
+              <a:off x="6156176" y="2348880"/>
+              <a:ext cx="1489550" cy="1179723"/>
+            </a:xfrm>
+            <a:prstGeom prst="rect">
+              <a:avLst/>
+            </a:prstGeom>
+          </p:spPr>
+        </p:pic>
+        <p:pic>
+          <p:nvPicPr>
+            <p:cNvPr id="16" name="圖片 15">
+              <a:extLst>
+                <a:ext uri="{FF2B5EF4-FFF2-40B4-BE49-F238E27FC236}">
+                  <a16:creationId xmlns:a16="http://schemas.microsoft.com/office/drawing/2014/main" id="{F0EB5A67-2A4F-A5CB-EC5C-7C1CDB3E73C9}"/>
+                </a:ext>
+              </a:extLst>
+            </p:cNvPr>
+            <p:cNvPicPr>
+              <a:picLocks noChangeAspect="1"/>
+            </p:cNvPicPr>
+            <p:nvPr/>
+          </p:nvPicPr>
+          <p:blipFill>
+            <a:blip r:embed="rId5">
+              <a:extLst>
+                <a:ext uri="{BEBA8EAE-BF5A-486C-A8C5-ECC9F3942E4B}">
+                  <a14:imgProps xmlns:a14="http://schemas.microsoft.com/office/drawing/2010/main">
+                    <a14:imgLayer r:embed="rId6">
+                      <a14:imgEffect>
+                        <a14:backgroundRemoval t="8716" b="92661" l="9966" r="97595">
+                          <a14:foregroundMark x1="90722" y1="22477" x2="75601" y2="42661"/>
+                          <a14:foregroundMark x1="84192" y1="34404" x2="72509" y2="60550"/>
+                          <a14:foregroundMark x1="92784" y1="11927" x2="85567" y2="24771"/>
+                          <a14:foregroundMark x1="97938" y1="11009" x2="90722" y2="32110"/>
+                          <a14:foregroundMark x1="94158" y1="8716" x2="81100" y2="41284"/>
+                          <a14:foregroundMark x1="18213" y1="91743" x2="32302" y2="92661"/>
+                          <a14:foregroundMark x1="87285" y1="33486" x2="85567" y2="36239"/>
+                          <a14:foregroundMark x1="89347" y1="30275" x2="86942" y2="36697"/>
+                        </a14:backgroundRemoval>
+                      </a14:imgEffect>
+                    </a14:imgLayer>
+                  </a14:imgProps>
+                </a:ext>
+              </a:extLst>
+            </a:blip>
+            <a:srcRect l="6582"/>
+            <a:stretch/>
+          </p:blipFill>
+          <p:spPr>
+            <a:xfrm>
+              <a:off x="4093424" y="2348880"/>
+              <a:ext cx="1471109" cy="1179723"/>
+            </a:xfrm>
+            <a:prstGeom prst="rect">
+              <a:avLst/>
+            </a:prstGeom>
+          </p:spPr>
+        </p:pic>
+        <p:sp>
+          <p:nvSpPr>
+            <p:cNvPr id="17" name="文字方塊 16">
+              <a:extLst>
+                <a:ext uri="{FF2B5EF4-FFF2-40B4-BE49-F238E27FC236}">
+                  <a16:creationId xmlns:a16="http://schemas.microsoft.com/office/drawing/2014/main" id="{9831B046-CC83-2CB4-01DB-47A448D19B97}"/>
+                </a:ext>
+              </a:extLst>
+            </p:cNvPr>
+            <p:cNvSpPr txBox="1"/>
+            <p:nvPr/>
+          </p:nvSpPr>
+          <p:spPr>
+            <a:xfrm>
+              <a:off x="2320797" y="2026115"/>
+              <a:ext cx="1273526" cy="369332"/>
+            </a:xfrm>
+            <a:prstGeom prst="rect">
+              <a:avLst/>
+            </a:prstGeom>
+            <a:noFill/>
+          </p:spPr>
+          <p:txBody>
+            <a:bodyPr wrap="square">
+              <a:spAutoFit/>
+            </a:bodyPr>
+            <a:lstStyle/>
+            <a:p>
+              <a:r>
+                <a:rPr lang="en-US" altLang="zh-TW" b="0" dirty="0"/>
+                <a:t>Lightning</a:t>
+              </a:r>
+              <a:endParaRPr lang="zh-TW" altLang="en-US" b="0" dirty="0"/>
+            </a:p>
+          </p:txBody>
+        </p:sp>
+        <p:sp>
+          <p:nvSpPr>
+            <p:cNvPr id="18" name="文字方塊 17">
+              <a:extLst>
+                <a:ext uri="{FF2B5EF4-FFF2-40B4-BE49-F238E27FC236}">
+                  <a16:creationId xmlns:a16="http://schemas.microsoft.com/office/drawing/2014/main" id="{F433478A-FDD8-4350-FD1E-BC938101622C}"/>
+                </a:ext>
+              </a:extLst>
+            </p:cNvPr>
+            <p:cNvSpPr txBox="1"/>
+            <p:nvPr/>
+          </p:nvSpPr>
+          <p:spPr>
+            <a:xfrm>
+              <a:off x="6241215" y="2034245"/>
+              <a:ext cx="1836242" cy="369332"/>
+            </a:xfrm>
+            <a:prstGeom prst="rect">
+              <a:avLst/>
+            </a:prstGeom>
+            <a:noFill/>
+          </p:spPr>
+          <p:txBody>
+            <a:bodyPr wrap="square">
+              <a:spAutoFit/>
+            </a:bodyPr>
+            <a:lstStyle/>
+            <a:p>
+              <a:r>
+                <a:rPr lang="en-US" altLang="zh-TW" b="0" dirty="0"/>
+                <a:t>Small Triangle</a:t>
+              </a:r>
+              <a:endParaRPr lang="zh-TW" altLang="en-US" b="0" dirty="0"/>
+            </a:p>
+          </p:txBody>
+        </p:sp>
+        <p:sp>
+          <p:nvSpPr>
+            <p:cNvPr id="19" name="文字方塊 18">
+              <a:extLst>
+                <a:ext uri="{FF2B5EF4-FFF2-40B4-BE49-F238E27FC236}">
+                  <a16:creationId xmlns:a16="http://schemas.microsoft.com/office/drawing/2014/main" id="{1D2494C5-F929-3142-AB5E-7F338EAC8A14}"/>
+                </a:ext>
+              </a:extLst>
+            </p:cNvPr>
+            <p:cNvSpPr txBox="1"/>
+            <p:nvPr/>
+          </p:nvSpPr>
+          <p:spPr>
+            <a:xfrm>
+              <a:off x="4316322" y="2030001"/>
+              <a:ext cx="1582652" cy="369332"/>
+            </a:xfrm>
+            <a:prstGeom prst="rect">
+              <a:avLst/>
+            </a:prstGeom>
+            <a:noFill/>
+          </p:spPr>
+          <p:txBody>
+            <a:bodyPr wrap="square">
+              <a:spAutoFit/>
+            </a:bodyPr>
+            <a:lstStyle/>
+            <a:p>
+              <a:r>
+                <a:rPr lang="en-US" altLang="zh-TW" b="0" dirty="0"/>
+                <a:t>Big Triangle</a:t>
+              </a:r>
+              <a:endParaRPr lang="zh-TW" altLang="en-US" b="0" dirty="0"/>
+            </a:p>
+          </p:txBody>
+        </p:sp>
+      </p:grpSp>
+      <p:graphicFrame>
+        <p:nvGraphicFramePr>
+          <p:cNvPr id="20" name="表格 19">
+            <a:extLst>
+              <a:ext uri="{FF2B5EF4-FFF2-40B4-BE49-F238E27FC236}">
+                <a16:creationId xmlns:a16="http://schemas.microsoft.com/office/drawing/2014/main" id="{DF954334-F9C5-3598-BFBD-2F10627D1333}"/>
+              </a:ext>
+            </a:extLst>
+          </p:cNvPr>
+          <p:cNvGraphicFramePr>
+            <a:graphicFrameLocks noGrp="1"/>
+          </p:cNvGraphicFramePr>
+          <p:nvPr>
+            <p:extLst>
+              <p:ext uri="{D42A27DB-BD31-4B8C-83A1-F6EECF244321}">
+                <p14:modId xmlns:p14="http://schemas.microsoft.com/office/powerpoint/2010/main" val="2876665483"/>
+              </p:ext>
+            </p:extLst>
+          </p:nvPr>
+        </p:nvGraphicFramePr>
+        <p:xfrm>
+          <a:off x="429260" y="4005064"/>
+          <a:ext cx="7620581" cy="2316480"/>
+        </p:xfrm>
+        <a:graphic>
+          <a:graphicData uri="http://schemas.openxmlformats.org/drawingml/2006/table">
+            <a:tbl>
+              <a:tblPr bandRow="1">
+                <a:tableStyleId>{9D7B26C5-4107-4FEC-AEDC-1716B250A1EF}</a:tableStyleId>
+              </a:tblPr>
+              <a:tblGrid>
+                <a:gridCol w="1414760">
+                  <a:extLst>
+                    <a:ext uri="{9D8B030D-6E8A-4147-A177-3AD203B41FA5}">
+                      <a16:colId xmlns:a16="http://schemas.microsoft.com/office/drawing/2014/main" val="2900418502"/>
+                    </a:ext>
+                  </a:extLst>
+                </a:gridCol>
+                <a:gridCol w="2068607">
+                  <a:extLst>
+                    <a:ext uri="{9D8B030D-6E8A-4147-A177-3AD203B41FA5}">
+                      <a16:colId xmlns:a16="http://schemas.microsoft.com/office/drawing/2014/main" val="1848767948"/>
+                    </a:ext>
+                  </a:extLst>
+                </a:gridCol>
+                <a:gridCol w="2068607">
+                  <a:extLst>
+                    <a:ext uri="{9D8B030D-6E8A-4147-A177-3AD203B41FA5}">
+                      <a16:colId xmlns:a16="http://schemas.microsoft.com/office/drawing/2014/main" val="3963895153"/>
+                    </a:ext>
+                  </a:extLst>
+                </a:gridCol>
+                <a:gridCol w="2068607">
+                  <a:extLst>
+                    <a:ext uri="{9D8B030D-6E8A-4147-A177-3AD203B41FA5}">
+                      <a16:colId xmlns:a16="http://schemas.microsoft.com/office/drawing/2014/main" val="830716967"/>
+                    </a:ext>
+                  </a:extLst>
+                </a:gridCol>
+              </a:tblGrid>
+              <a:tr h="370840">
+                <a:tc>
+                  <a:txBody>
+                    <a:bodyPr/>
+                    <a:lstStyle/>
+                    <a:p>
+                      <a:pPr algn="ctr"/>
+                      <a:r>
+                        <a:rPr lang="en-US" altLang="zh-TW" sz="1600" dirty="0"/>
+                        <a:t>Decimal Loss</a:t>
+                      </a:r>
+                    </a:p>
+                    <a:p>
+                      <a:pPr algn="ctr"/>
+                      <a:r>
+                        <a:rPr lang="en-US" altLang="zh-TW" sz="1600" dirty="0"/>
+                        <a:t>(0.1 Loss)</a:t>
+                      </a:r>
+                      <a:endParaRPr lang="zh-TW" altLang="en-US" sz="1600" dirty="0"/>
+                    </a:p>
+                  </a:txBody>
+                  <a:tcPr anchor="ctr"/>
+                </a:tc>
+                <a:tc>
+                  <a:txBody>
+                    <a:bodyPr/>
+                    <a:lstStyle/>
+                    <a:p>
+                      <a:pPr algn="ctr"/>
+                      <a:r>
+                        <a:rPr lang="en-US" altLang="zh-TW" sz="1600" dirty="0"/>
+                        <a:t>36</a:t>
+                      </a:r>
+                      <a:endParaRPr lang="zh-TW" altLang="en-US" sz="1600" dirty="0"/>
+                    </a:p>
+                  </a:txBody>
+                  <a:tcPr anchor="ctr"/>
+                </a:tc>
+                <a:tc>
+                  <a:txBody>
+                    <a:bodyPr/>
+                    <a:lstStyle/>
+                    <a:p>
+                      <a:pPr algn="ctr"/>
+                      <a:r>
+                        <a:rPr lang="en-US" altLang="zh-TW" sz="1600" dirty="0"/>
+                        <a:t>20</a:t>
+                      </a:r>
+                      <a:endParaRPr lang="zh-TW" altLang="en-US" sz="1600" dirty="0"/>
+                    </a:p>
+                  </a:txBody>
+                  <a:tcPr anchor="ctr"/>
+                </a:tc>
+                <a:tc>
+                  <a:txBody>
+                    <a:bodyPr/>
+                    <a:lstStyle/>
+                    <a:p>
+                      <a:pPr algn="ctr"/>
+                      <a:r>
+                        <a:rPr lang="en-US" altLang="zh-TW" sz="1600" dirty="0"/>
+                        <a:t>3.5</a:t>
+                      </a:r>
+                      <a:endParaRPr lang="zh-TW" altLang="en-US" sz="1600" dirty="0"/>
+                    </a:p>
+                  </a:txBody>
+                  <a:tcPr anchor="ctr"/>
+                </a:tc>
+                <a:extLst>
+                  <a:ext uri="{0D108BD9-81ED-4DB2-BD59-A6C34878D82A}">
+                    <a16:rowId xmlns:a16="http://schemas.microsoft.com/office/drawing/2014/main" val="4185031636"/>
+                  </a:ext>
+                </a:extLst>
+              </a:tr>
+              <a:tr h="370840">
+                <a:tc>
+                  <a:txBody>
+                    <a:bodyPr/>
+                    <a:lstStyle/>
+                    <a:p>
+                      <a:pPr algn="ctr"/>
+                      <a:r>
+                        <a:rPr lang="en-US" altLang="zh-TW" sz="1600" dirty="0"/>
+                        <a:t>Accuracy</a:t>
+                      </a:r>
+                      <a:endParaRPr lang="zh-TW" altLang="en-US" sz="1600" dirty="0"/>
+                    </a:p>
+                  </a:txBody>
+                  <a:tcPr anchor="ctr"/>
+                </a:tc>
+                <a:tc>
+                  <a:txBody>
+                    <a:bodyPr/>
+                    <a:lstStyle/>
+                    <a:p>
+                      <a:pPr algn="ctr"/>
+                      <a:r>
+                        <a:rPr lang="en-US" altLang="zh-TW" sz="1600" dirty="0"/>
+                        <a:t>Large drop</a:t>
+                      </a:r>
+                    </a:p>
+                    <a:p>
+                      <a:pPr algn="ctr"/>
+                      <a:r>
+                        <a:rPr lang="en-US" altLang="zh-TW" sz="1600" dirty="0"/>
+                        <a:t>(58%)</a:t>
+                      </a:r>
+                      <a:endParaRPr lang="zh-TW" altLang="en-US" sz="1600" dirty="0"/>
+                    </a:p>
+                  </a:txBody>
+                  <a:tcPr anchor="ctr"/>
+                </a:tc>
+                <a:tc>
+                  <a:txBody>
+                    <a:bodyPr/>
+                    <a:lstStyle/>
+                    <a:p>
+                      <a:pPr algn="ctr"/>
+                      <a:r>
+                        <a:rPr lang="en-US" altLang="zh-TW" sz="1600" dirty="0"/>
+                        <a:t>Acceptable drop</a:t>
+                      </a:r>
+                    </a:p>
+                    <a:p>
+                      <a:pPr algn="ctr"/>
+                      <a:r>
+                        <a:rPr lang="en-US" altLang="zh-TW" sz="1600" dirty="0"/>
+                        <a:t>(18%)</a:t>
+                      </a:r>
+                      <a:endParaRPr lang="zh-TW" altLang="en-US" sz="1600" dirty="0"/>
+                    </a:p>
+                  </a:txBody>
+                  <a:tcPr anchor="ctr"/>
+                </a:tc>
+                <a:tc>
+                  <a:txBody>
+                    <a:bodyPr/>
+                    <a:lstStyle/>
+                    <a:p>
+                      <a:pPr algn="ctr"/>
+                      <a:r>
+                        <a:rPr lang="en-US" altLang="zh-TW" sz="1600" dirty="0"/>
+                        <a:t>Low drop</a:t>
+                      </a:r>
+                    </a:p>
+                    <a:p>
+                      <a:pPr algn="ctr"/>
+                      <a:r>
+                        <a:rPr lang="en-US" altLang="zh-TW" sz="1600" dirty="0"/>
+                        <a:t>(4%)</a:t>
+                      </a:r>
+                      <a:endParaRPr lang="zh-TW" altLang="en-US" sz="1600" dirty="0"/>
+                    </a:p>
+                  </a:txBody>
+                  <a:tcPr anchor="ctr"/>
+                </a:tc>
+                <a:extLst>
+                  <a:ext uri="{0D108BD9-81ED-4DB2-BD59-A6C34878D82A}">
+                    <a16:rowId xmlns:a16="http://schemas.microsoft.com/office/drawing/2014/main" val="74716066"/>
+                  </a:ext>
+                </a:extLst>
+              </a:tr>
+              <a:tr h="320040">
+                <a:tc>
+                  <a:txBody>
+                    <a:bodyPr/>
+                    <a:lstStyle/>
+                    <a:p>
+                      <a:pPr algn="ctr"/>
+                      <a:r>
+                        <a:rPr lang="en-US" altLang="zh-TW" sz="1600" dirty="0"/>
+                        <a:t>Adder Area</a:t>
+                      </a:r>
+                      <a:endParaRPr lang="zh-TW" altLang="en-US" sz="1600" dirty="0"/>
+                    </a:p>
+                  </a:txBody>
+                  <a:tcPr anchor="ctr"/>
+                </a:tc>
+                <a:tc>
+                  <a:txBody>
+                    <a:bodyPr/>
+                    <a:lstStyle/>
+                    <a:p>
+                      <a:pPr algn="ctr"/>
+                      <a:r>
+                        <a:rPr lang="en-US" altLang="zh-TW" sz="1600" dirty="0"/>
+                        <a:t>21 FA</a:t>
+                      </a:r>
+                      <a:endParaRPr lang="zh-TW" altLang="en-US" sz="1600" dirty="0"/>
+                    </a:p>
+                  </a:txBody>
+                  <a:tcPr anchor="ctr"/>
+                </a:tc>
+                <a:tc>
+                  <a:txBody>
+                    <a:bodyPr/>
+                    <a:lstStyle/>
+                    <a:p>
+                      <a:pPr algn="ctr"/>
+                      <a:r>
+                        <a:rPr lang="en-US" altLang="zh-TW" sz="1600" dirty="0"/>
+                        <a:t>21 FA</a:t>
+                      </a:r>
+                      <a:endParaRPr lang="zh-TW" altLang="en-US" sz="1600" dirty="0"/>
+                    </a:p>
+                  </a:txBody>
+                  <a:tcPr anchor="ctr"/>
+                </a:tc>
+                <a:tc>
+                  <a:txBody>
+                    <a:bodyPr/>
+                    <a:lstStyle/>
+                    <a:p>
+                      <a:pPr algn="ctr"/>
+                      <a:r>
+                        <a:rPr lang="en-US" altLang="zh-TW" sz="1600" dirty="0"/>
+                        <a:t>49 FA</a:t>
+                      </a:r>
+                      <a:endParaRPr lang="zh-TW" altLang="en-US" sz="1600" dirty="0"/>
+                    </a:p>
+                  </a:txBody>
+                  <a:tcPr anchor="ctr"/>
+                </a:tc>
+                <a:extLst>
+                  <a:ext uri="{0D108BD9-81ED-4DB2-BD59-A6C34878D82A}">
+                    <a16:rowId xmlns:a16="http://schemas.microsoft.com/office/drawing/2014/main" val="2217041627"/>
+                  </a:ext>
+                </a:extLst>
+              </a:tr>
+              <a:tr h="320040">
+                <a:tc>
+                  <a:txBody>
+                    <a:bodyPr/>
+                    <a:lstStyle/>
+                    <a:p>
+                      <a:pPr algn="ctr"/>
+                      <a:r>
+                        <a:rPr lang="en-US" altLang="zh-TW" sz="1600" dirty="0"/>
+                        <a:t>Capacitors</a:t>
+                      </a:r>
+                    </a:p>
+                    <a:p>
+                      <a:pPr algn="ctr"/>
+                      <a:r>
+                        <a:rPr lang="en-US" altLang="zh-TW" sz="1600" dirty="0"/>
+                        <a:t>Used</a:t>
+                      </a:r>
+                      <a:endParaRPr lang="zh-TW" altLang="en-US" sz="1600" dirty="0"/>
+                    </a:p>
+                  </a:txBody>
+                  <a:tcPr anchor="ctr"/>
+                </a:tc>
+                <a:tc>
+                  <a:txBody>
+                    <a:bodyPr/>
+                    <a:lstStyle/>
+                    <a:p>
+                      <a:pPr algn="ctr"/>
+                      <a:r>
+                        <a:rPr lang="en-US" altLang="zh-TW" sz="1600" dirty="0"/>
+                        <a:t>32 C</a:t>
+                      </a:r>
+                      <a:endParaRPr lang="zh-TW" altLang="en-US" sz="1600" dirty="0"/>
+                    </a:p>
+                  </a:txBody>
+                  <a:tcPr anchor="ctr"/>
+                </a:tc>
+                <a:tc>
+                  <a:txBody>
+                    <a:bodyPr/>
+                    <a:lstStyle/>
+                    <a:p>
+                      <a:pPr algn="ctr"/>
+                      <a:r>
+                        <a:rPr lang="en-US" altLang="zh-TW" sz="1600" dirty="0"/>
+                        <a:t>8 C</a:t>
+                      </a:r>
+                      <a:endParaRPr lang="zh-TW" altLang="en-US" sz="1600" dirty="0"/>
+                    </a:p>
+                  </a:txBody>
+                  <a:tcPr anchor="ctr"/>
+                </a:tc>
+                <a:tc>
+                  <a:txBody>
+                    <a:bodyPr/>
+                    <a:lstStyle/>
+                    <a:p>
+                      <a:pPr algn="ctr"/>
+                      <a:r>
+                        <a:rPr lang="en-US" altLang="zh-TW" sz="1600" dirty="0"/>
+                        <a:t>130 C</a:t>
+                      </a:r>
+                      <a:endParaRPr lang="zh-TW" altLang="en-US" sz="1600" dirty="0"/>
+                    </a:p>
+                  </a:txBody>
+                  <a:tcPr anchor="ctr"/>
+                </a:tc>
+                <a:extLst>
+                  <a:ext uri="{0D108BD9-81ED-4DB2-BD59-A6C34878D82A}">
+                    <a16:rowId xmlns:a16="http://schemas.microsoft.com/office/drawing/2014/main" val="1920309567"/>
+                  </a:ext>
+                </a:extLst>
+              </a:tr>
+            </a:tbl>
+          </a:graphicData>
+        </a:graphic>
+      </p:graphicFrame>
+    </p:spTree>
+    <p:extLst>
+      <p:ext uri="{BB962C8B-B14F-4D97-AF65-F5344CB8AC3E}">
+        <p14:creationId xmlns:p14="http://schemas.microsoft.com/office/powerpoint/2010/main" val="479216200"/>
+      </p:ext>
+    </p:extLst>
+  </p:cSld>
+  <p:clrMapOvr>
+    <a:masterClrMapping/>
+  </p:clrMapOvr>
+</p:sld>
+</file>
+
 <file path=ppt/slides/slide2.xml><?xml version="1.0" encoding="utf-8"?>
+<p:sld xmlns:a="http://schemas.openxmlformats.org/drawingml/2006/main" xmlns:r="http://schemas.openxmlformats.org/officeDocument/2006/relationships" xmlns:p="http://schemas.openxmlformats.org/presentationml/2006/main">
+  <p:cSld>
+    <p:spTree>
+      <p:nvGrpSpPr>
+        <p:cNvPr id="1" name=""/>
+        <p:cNvGrpSpPr/>
+        <p:nvPr/>
+      </p:nvGrpSpPr>
+      <p:grpSpPr>
+        <a:xfrm>
+          <a:off x="0" y="0"/>
+          <a:ext cx="0" cy="0"/>
+          <a:chOff x="0" y="0"/>
+          <a:chExt cx="0" cy="0"/>
+        </a:xfrm>
+      </p:grpSpPr>
+      <p:sp>
+        <p:nvSpPr>
+          <p:cNvPr id="2" name="標題 1">
+            <a:extLst>
+              <a:ext uri="{FF2B5EF4-FFF2-40B4-BE49-F238E27FC236}">
+                <a16:creationId xmlns:a16="http://schemas.microsoft.com/office/drawing/2014/main" id="{06270881-2FB5-E37E-6CBC-D007EA83B59D}"/>
+              </a:ext>
+            </a:extLst>
+          </p:cNvPr>
+          <p:cNvSpPr>
+            <a:spLocks noGrp="1"/>
+          </p:cNvSpPr>
+          <p:nvPr>
+            <p:ph type="title"/>
+          </p:nvPr>
+        </p:nvSpPr>
+        <p:spPr/>
+        <p:txBody>
+          <a:bodyPr/>
+          <a:lstStyle/>
+          <a:p>
+            <a:r>
+              <a:rPr lang="en-US" altLang="zh-TW" dirty="0"/>
+              <a:t>Flow</a:t>
+            </a:r>
+            <a:endParaRPr lang="zh-TW" altLang="en-US" dirty="0"/>
+          </a:p>
+        </p:txBody>
+      </p:sp>
+      <p:sp>
+        <p:nvSpPr>
+          <p:cNvPr id="3" name="內容版面配置區 2">
+            <a:extLst>
+              <a:ext uri="{FF2B5EF4-FFF2-40B4-BE49-F238E27FC236}">
+                <a16:creationId xmlns:a16="http://schemas.microsoft.com/office/drawing/2014/main" id="{FE711AF5-E795-72A0-751B-FB0C5AF83079}"/>
+              </a:ext>
+            </a:extLst>
+          </p:cNvPr>
+          <p:cNvSpPr>
+            <a:spLocks noGrp="1"/>
+          </p:cNvSpPr>
+          <p:nvPr>
+            <p:ph idx="1"/>
+          </p:nvPr>
+        </p:nvSpPr>
+        <p:spPr/>
+        <p:txBody>
+          <a:bodyPr/>
+          <a:lstStyle/>
+          <a:p>
+            <a:pPr lvl="1"/>
+            <a:r>
+              <a:rPr lang="en-US" altLang="zh-TW" dirty="0"/>
+              <a:t>Part A : Analyze the effect of different shapes of partial sum</a:t>
+            </a:r>
+          </a:p>
+          <a:p>
+            <a:pPr lvl="2"/>
+            <a:r>
+              <a:rPr lang="en-US" altLang="zh-TW" dirty="0"/>
+              <a:t>Lightning / Big-triangle / small-triangle</a:t>
+            </a:r>
+          </a:p>
+          <a:p>
+            <a:pPr lvl="1"/>
+            <a:r>
+              <a:rPr lang="en-US" altLang="zh-TW" dirty="0"/>
+              <a:t>Part B : Use the result in part A to analyze the impact of analog loss on classification ML tasks</a:t>
+            </a:r>
+          </a:p>
+          <a:p>
+            <a:pPr lvl="2"/>
+            <a:r>
+              <a:rPr lang="en-US" altLang="zh-TW" dirty="0"/>
+              <a:t>Resnet-18 on CIFAR-10</a:t>
+            </a:r>
+          </a:p>
+        </p:txBody>
+      </p:sp>
+      <p:sp>
+        <p:nvSpPr>
+          <p:cNvPr id="4" name="投影片編號版面配置區 3">
+            <a:extLst>
+              <a:ext uri="{FF2B5EF4-FFF2-40B4-BE49-F238E27FC236}">
+                <a16:creationId xmlns:a16="http://schemas.microsoft.com/office/drawing/2014/main" id="{2DC89D3E-EA81-541A-21F4-5B57CDD24CDA}"/>
+              </a:ext>
+            </a:extLst>
+          </p:cNvPr>
+          <p:cNvSpPr>
+            <a:spLocks noGrp="1"/>
+          </p:cNvSpPr>
+          <p:nvPr>
+            <p:ph type="sldNum" sz="quarter" idx="12"/>
+          </p:nvPr>
+        </p:nvSpPr>
+        <p:spPr/>
+        <p:txBody>
+          <a:bodyPr/>
+          <a:lstStyle/>
+          <a:p>
+            <a:pPr>
+              <a:defRPr/>
+            </a:pPr>
+            <a:fld id="{8F5F56E1-31C3-4936-AC76-6E9C056A1F24}" type="slidenum">
+              <a:rPr lang="en-US" altLang="zh-TW" smtClean="0"/>
+              <a:pPr>
+                <a:defRPr/>
+              </a:pPr>
+              <a:t>2</a:t>
+            </a:fld>
+            <a:endParaRPr lang="en-US" altLang="zh-TW"/>
+          </a:p>
+        </p:txBody>
+      </p:sp>
+    </p:spTree>
+    <p:extLst>
+      <p:ext uri="{BB962C8B-B14F-4D97-AF65-F5344CB8AC3E}">
+        <p14:creationId xmlns:p14="http://schemas.microsoft.com/office/powerpoint/2010/main" val="1399792435"/>
+      </p:ext>
+    </p:extLst>
+  </p:cSld>
+  <p:clrMapOvr>
+    <a:masterClrMapping/>
+  </p:clrMapOvr>
+</p:sld>
+</file>
+
+<file path=ppt/slides/slide3.xml><?xml version="1.0" encoding="utf-8"?>
 <p:sld xmlns:a="http://schemas.openxmlformats.org/drawingml/2006/main" xmlns:r="http://schemas.openxmlformats.org/officeDocument/2006/relationships" xmlns:p="http://schemas.openxmlformats.org/presentationml/2006/main">
   <p:cSld>
     <p:spTree>
@@ -6388,7 +10137,7 @@
           <a:p>
             <a:r>
               <a:rPr lang="en-US" altLang="zh-TW" dirty="0"/>
-              <a:t>Shapes of Partial Sum</a:t>
+              <a:t>Part A : Shapes of Partial Sum</a:t>
             </a:r>
             <a:endParaRPr lang="zh-TW" altLang="en-US" dirty="0"/>
           </a:p>
@@ -6453,7 +10202,7 @@
               <a:pPr>
                 <a:defRPr/>
               </a:pPr>
-              <a:t>2</a:t>
+              <a:t>3</a:t>
             </a:fld>
             <a:endParaRPr lang="en-US" altLang="zh-TW"/>
           </a:p>
@@ -6651,7 +10400,7 @@
 </p:sld>
 </file>
 
-<file path=ppt/slides/slide3.xml><?xml version="1.0" encoding="utf-8"?>
+<file path=ppt/slides/slide4.xml><?xml version="1.0" encoding="utf-8"?>
 <p:sld xmlns:a="http://schemas.openxmlformats.org/drawingml/2006/main" xmlns:r="http://schemas.openxmlformats.org/officeDocument/2006/relationships" xmlns:p="http://schemas.openxmlformats.org/presentationml/2006/main">
   <p:cSld>
     <p:spTree>
@@ -6691,7 +10440,7 @@
           <a:p>
             <a:r>
               <a:rPr lang="en-US" altLang="zh-TW" dirty="0"/>
-              <a:t>Shapes of Partial Sum</a:t>
+              <a:t>Part A : Shapes of Partial Sum</a:t>
             </a:r>
             <a:endParaRPr lang="zh-TW" altLang="en-US" dirty="0"/>
           </a:p>
@@ -6806,7 +10555,7 @@
               <a:pPr>
                 <a:defRPr/>
               </a:pPr>
-              <a:t>3</a:t>
+              <a:t>4</a:t>
             </a:fld>
             <a:endParaRPr lang="en-US" altLang="zh-TW"/>
           </a:p>
@@ -6942,7 +10691,7 @@
 </p:sld>
 </file>
 
-<file path=ppt/slides/slide4.xml><?xml version="1.0" encoding="utf-8"?>
+<file path=ppt/slides/slide5.xml><?xml version="1.0" encoding="utf-8"?>
 <p:sld xmlns:a="http://schemas.openxmlformats.org/drawingml/2006/main" xmlns:r="http://schemas.openxmlformats.org/officeDocument/2006/relationships" xmlns:p="http://schemas.openxmlformats.org/presentationml/2006/main">
   <p:cSld>
     <p:spTree>
@@ -6982,7 +10731,7 @@
           <a:p>
             <a:r>
               <a:rPr lang="en-US" altLang="zh-TW" dirty="0"/>
-              <a:t>Shapes of Partial Sum</a:t>
+              <a:t>Part A : Shapes of Partial Sum</a:t>
             </a:r>
             <a:endParaRPr lang="zh-TW" altLang="en-US" dirty="0"/>
           </a:p>
@@ -7053,7 +10802,7 @@
               <a:pPr>
                 <a:defRPr/>
               </a:pPr>
-              <a:t>4</a:t>
+              <a:t>5</a:t>
             </a:fld>
             <a:endParaRPr lang="en-US" altLang="zh-TW"/>
           </a:p>
@@ -7272,7 +11021,7 @@
 </p:sld>
 </file>
 
-<file path=ppt/slides/slide5.xml><?xml version="1.0" encoding="utf-8"?>
+<file path=ppt/slides/slide6.xml><?xml version="1.0" encoding="utf-8"?>
 <p:sld xmlns:a="http://schemas.openxmlformats.org/drawingml/2006/main" xmlns:r="http://schemas.openxmlformats.org/officeDocument/2006/relationships" xmlns:p="http://schemas.openxmlformats.org/presentationml/2006/main">
   <p:cSld>
     <p:spTree>
@@ -7318,7 +11067,7 @@
           <a:p>
             <a:r>
               <a:rPr lang="en-US" altLang="zh-TW" dirty="0"/>
-              <a:t>Shapes of Partial Sum</a:t>
+              <a:t>Part A : Shapes of Partial Sum</a:t>
             </a:r>
             <a:endParaRPr lang="zh-TW" altLang="en-US" dirty="0"/>
           </a:p>
@@ -7403,7 +11152,7 @@
               <a:pPr>
                 <a:defRPr/>
               </a:pPr>
-              <a:t>5</a:t>
+              <a:t>6</a:t>
             </a:fld>
             <a:endParaRPr lang="en-US" altLang="zh-TW"/>
           </a:p>
@@ -7739,7 +11488,7 @@
 </p:sld>
 </file>
 
-<file path=ppt/slides/slide6.xml><?xml version="1.0" encoding="utf-8"?>
+<file path=ppt/slides/slide7.xml><?xml version="1.0" encoding="utf-8"?>
 <p:sld xmlns:a="http://schemas.openxmlformats.org/drawingml/2006/main" xmlns:r="http://schemas.openxmlformats.org/officeDocument/2006/relationships" xmlns:p="http://schemas.openxmlformats.org/presentationml/2006/main">
   <p:cSld>
     <p:spTree>
@@ -7785,7 +11534,7 @@
           <a:p>
             <a:r>
               <a:rPr lang="en-US" altLang="zh-TW" dirty="0"/>
-              <a:t>Shapes of Partial Sum</a:t>
+              <a:t>Part A : Shapes of Partial Sum</a:t>
             </a:r>
             <a:endParaRPr lang="zh-TW" altLang="en-US" dirty="0"/>
           </a:p>
@@ -7856,7 +11605,7 @@
               <a:pPr>
                 <a:defRPr/>
               </a:pPr>
-              <a:t>6</a:t>
+              <a:t>7</a:t>
             </a:fld>
             <a:endParaRPr lang="en-US" altLang="zh-TW"/>
           </a:p>
@@ -7984,6 +11733,44 @@
           </a:prstGeom>
         </p:spPr>
       </p:pic>
+      <p:sp>
+        <p:nvSpPr>
+          <p:cNvPr id="5" name="文字方塊 4">
+            <a:extLst>
+              <a:ext uri="{FF2B5EF4-FFF2-40B4-BE49-F238E27FC236}">
+                <a16:creationId xmlns:a16="http://schemas.microsoft.com/office/drawing/2014/main" id="{06F2303F-167C-00D2-EF8D-3DE0D5004F99}"/>
+              </a:ext>
+            </a:extLst>
+          </p:cNvPr>
+          <p:cNvSpPr txBox="1"/>
+          <p:nvPr/>
+        </p:nvSpPr>
+        <p:spPr>
+          <a:xfrm>
+            <a:off x="323528" y="3213556"/>
+            <a:ext cx="792088" cy="215444"/>
+          </a:xfrm>
+          <a:prstGeom prst="rect">
+            <a:avLst/>
+          </a:prstGeom>
+          <a:solidFill>
+            <a:schemeClr val="bg1"/>
+          </a:solidFill>
+        </p:spPr>
+        <p:txBody>
+          <a:bodyPr wrap="square">
+            <a:spAutoFit/>
+          </a:bodyPr>
+          <a:lstStyle/>
+          <a:p>
+            <a:r>
+              <a:rPr lang="en-US" altLang="zh-TW" sz="800" b="0" dirty="0"/>
+              <a:t>Analog loss</a:t>
+            </a:r>
+            <a:endParaRPr lang="zh-TW" altLang="en-US" sz="800" b="0" dirty="0"/>
+          </a:p>
+        </p:txBody>
+      </p:sp>
     </p:spTree>
     <p:extLst>
       <p:ext uri="{BB962C8B-B14F-4D97-AF65-F5344CB8AC3E}">
@@ -7997,7 +11784,7 @@
 </p:sld>
 </file>
 
-<file path=ppt/slides/slide7.xml><?xml version="1.0" encoding="utf-8"?>
+<file path=ppt/slides/slide8.xml><?xml version="1.0" encoding="utf-8"?>
 <p:sld xmlns:a="http://schemas.openxmlformats.org/drawingml/2006/main" xmlns:r="http://schemas.openxmlformats.org/officeDocument/2006/relationships" xmlns:p="http://schemas.openxmlformats.org/presentationml/2006/main">
   <p:cSld>
     <p:spTree>
@@ -8043,7 +11830,7 @@
           <a:p>
             <a:r>
               <a:rPr lang="en-US" altLang="zh-TW" dirty="0"/>
-              <a:t>Shapes of Partial Sum</a:t>
+              <a:t>Part A : Shapes of Partial Sum</a:t>
             </a:r>
             <a:endParaRPr lang="zh-TW" altLang="en-US" dirty="0"/>
           </a:p>
@@ -8114,7 +11901,7 @@
               <a:pPr>
                 <a:defRPr/>
               </a:pPr>
-              <a:t>7</a:t>
+              <a:t>8</a:t>
             </a:fld>
             <a:endParaRPr lang="en-US" altLang="zh-TW"/>
           </a:p>
@@ -8263,6 +12050,44 @@
           </a:prstGeom>
         </p:spPr>
       </p:pic>
+      <p:sp>
+        <p:nvSpPr>
+          <p:cNvPr id="6" name="文字方塊 5">
+            <a:extLst>
+              <a:ext uri="{FF2B5EF4-FFF2-40B4-BE49-F238E27FC236}">
+                <a16:creationId xmlns:a16="http://schemas.microsoft.com/office/drawing/2014/main" id="{6AA39EB9-4F08-85BF-2AA7-255DBA70237A}"/>
+              </a:ext>
+            </a:extLst>
+          </p:cNvPr>
+          <p:cNvSpPr txBox="1"/>
+          <p:nvPr/>
+        </p:nvSpPr>
+        <p:spPr>
+          <a:xfrm>
+            <a:off x="323528" y="3140968"/>
+            <a:ext cx="792088" cy="215444"/>
+          </a:xfrm>
+          <a:prstGeom prst="rect">
+            <a:avLst/>
+          </a:prstGeom>
+          <a:solidFill>
+            <a:schemeClr val="bg1"/>
+          </a:solidFill>
+        </p:spPr>
+        <p:txBody>
+          <a:bodyPr wrap="square">
+            <a:spAutoFit/>
+          </a:bodyPr>
+          <a:lstStyle/>
+          <a:p>
+            <a:r>
+              <a:rPr lang="en-US" altLang="zh-TW" sz="800" b="0" dirty="0"/>
+              <a:t>Analog loss</a:t>
+            </a:r>
+            <a:endParaRPr lang="zh-TW" altLang="en-US" sz="800" b="0" dirty="0"/>
+          </a:p>
+        </p:txBody>
+      </p:sp>
     </p:spTree>
     <p:extLst>
       <p:ext uri="{BB962C8B-B14F-4D97-AF65-F5344CB8AC3E}">
@@ -8276,7 +12101,7 @@
 </p:sld>
 </file>
 
-<file path=ppt/slides/slide8.xml><?xml version="1.0" encoding="utf-8"?>
+<file path=ppt/slides/slide9.xml><?xml version="1.0" encoding="utf-8"?>
 <p:sld xmlns:a="http://schemas.openxmlformats.org/drawingml/2006/main" xmlns:r="http://schemas.openxmlformats.org/officeDocument/2006/relationships" xmlns:p="http://schemas.openxmlformats.org/presentationml/2006/main">
   <p:cSld>
     <p:spTree>
@@ -8322,7 +12147,7 @@
           <a:p>
             <a:r>
               <a:rPr lang="en-US" altLang="zh-TW" dirty="0"/>
-              <a:t>Shapes of Partial Sum</a:t>
+              <a:t>Part A : Shapes of Partial Sum</a:t>
             </a:r>
             <a:endParaRPr lang="zh-TW" altLang="en-US" dirty="0"/>
           </a:p>
@@ -8393,7 +12218,7 @@
               <a:pPr>
                 <a:defRPr/>
               </a:pPr>
-              <a:t>8</a:t>
+              <a:t>9</a:t>
             </a:fld>
             <a:endParaRPr lang="en-US" altLang="zh-TW"/>
           </a:p>
@@ -8601,268 +12426,48 @@
           </a:prstGeom>
         </p:spPr>
       </p:pic>
+      <p:sp>
+        <p:nvSpPr>
+          <p:cNvPr id="6" name="文字方塊 5">
+            <a:extLst>
+              <a:ext uri="{FF2B5EF4-FFF2-40B4-BE49-F238E27FC236}">
+                <a16:creationId xmlns:a16="http://schemas.microsoft.com/office/drawing/2014/main" id="{4D36F3CD-8300-C4DE-68DB-AAD177420A5C}"/>
+              </a:ext>
+            </a:extLst>
+          </p:cNvPr>
+          <p:cNvSpPr txBox="1"/>
+          <p:nvPr/>
+        </p:nvSpPr>
+        <p:spPr>
+          <a:xfrm>
+            <a:off x="323528" y="3140968"/>
+            <a:ext cx="792088" cy="215444"/>
+          </a:xfrm>
+          <a:prstGeom prst="rect">
+            <a:avLst/>
+          </a:prstGeom>
+          <a:solidFill>
+            <a:schemeClr val="bg1"/>
+          </a:solidFill>
+        </p:spPr>
+        <p:txBody>
+          <a:bodyPr wrap="square">
+            <a:spAutoFit/>
+          </a:bodyPr>
+          <a:lstStyle/>
+          <a:p>
+            <a:r>
+              <a:rPr lang="en-US" altLang="zh-TW" sz="800" b="0" dirty="0"/>
+              <a:t>Analog loss</a:t>
+            </a:r>
+            <a:endParaRPr lang="zh-TW" altLang="en-US" sz="800" b="0" dirty="0"/>
+          </a:p>
+        </p:txBody>
+      </p:sp>
     </p:spTree>
     <p:extLst>
       <p:ext uri="{BB962C8B-B14F-4D97-AF65-F5344CB8AC3E}">
         <p14:creationId xmlns:p14="http://schemas.microsoft.com/office/powerpoint/2010/main" val="1511439633"/>
-      </p:ext>
-    </p:extLst>
-  </p:cSld>
-  <p:clrMapOvr>
-    <a:masterClrMapping/>
-  </p:clrMapOvr>
-</p:sld>
-</file>
-
-<file path=ppt/slides/slide9.xml><?xml version="1.0" encoding="utf-8"?>
-<p:sld xmlns:a="http://schemas.openxmlformats.org/drawingml/2006/main" xmlns:r="http://schemas.openxmlformats.org/officeDocument/2006/relationships" xmlns:p="http://schemas.openxmlformats.org/presentationml/2006/main">
-  <p:cSld>
-    <p:spTree>
-      <p:nvGrpSpPr>
-        <p:cNvPr id="1" name="">
-          <a:extLst>
-            <a:ext uri="{FF2B5EF4-FFF2-40B4-BE49-F238E27FC236}">
-              <a16:creationId xmlns:a16="http://schemas.microsoft.com/office/drawing/2014/main" id="{AC0222FE-D432-FB8E-DC84-3BA84830F78D}"/>
-            </a:ext>
-          </a:extLst>
-        </p:cNvPr>
-        <p:cNvGrpSpPr/>
-        <p:nvPr/>
-      </p:nvGrpSpPr>
-      <p:grpSpPr>
-        <a:xfrm>
-          <a:off x="0" y="0"/>
-          <a:ext cx="0" cy="0"/>
-          <a:chOff x="0" y="0"/>
-          <a:chExt cx="0" cy="0"/>
-        </a:xfrm>
-      </p:grpSpPr>
-      <p:sp>
-        <p:nvSpPr>
-          <p:cNvPr id="2" name="標題 1">
-            <a:extLst>
-              <a:ext uri="{FF2B5EF4-FFF2-40B4-BE49-F238E27FC236}">
-                <a16:creationId xmlns:a16="http://schemas.microsoft.com/office/drawing/2014/main" id="{17D08070-4E70-2C2D-55C5-0E7563A27122}"/>
-              </a:ext>
-            </a:extLst>
-          </p:cNvPr>
-          <p:cNvSpPr>
-            <a:spLocks noGrp="1"/>
-          </p:cNvSpPr>
-          <p:nvPr>
-            <p:ph type="title"/>
-          </p:nvPr>
-        </p:nvSpPr>
-        <p:spPr/>
-        <p:txBody>
-          <a:bodyPr/>
-          <a:lstStyle/>
-          <a:p>
-            <a:r>
-              <a:rPr lang="en-US" altLang="zh-TW" dirty="0"/>
-              <a:t>Shapes of Partial Sum</a:t>
-            </a:r>
-            <a:endParaRPr lang="zh-TW" altLang="en-US" dirty="0"/>
-          </a:p>
-        </p:txBody>
-      </p:sp>
-      <p:sp>
-        <p:nvSpPr>
-          <p:cNvPr id="3" name="內容版面配置區 2">
-            <a:extLst>
-              <a:ext uri="{FF2B5EF4-FFF2-40B4-BE49-F238E27FC236}">
-                <a16:creationId xmlns:a16="http://schemas.microsoft.com/office/drawing/2014/main" id="{54622A56-781B-B648-9908-26B4AE03209A}"/>
-              </a:ext>
-            </a:extLst>
-          </p:cNvPr>
-          <p:cNvSpPr>
-            <a:spLocks noGrp="1"/>
-          </p:cNvSpPr>
-          <p:nvPr>
-            <p:ph idx="1"/>
-          </p:nvPr>
-        </p:nvSpPr>
-        <p:spPr/>
-        <p:txBody>
-          <a:bodyPr/>
-          <a:lstStyle/>
-          <a:p>
-            <a:pPr lvl="1"/>
-            <a:r>
-              <a:rPr lang="en-US" altLang="zh-TW" dirty="0"/>
-              <a:t>Error in ADC</a:t>
-            </a:r>
-          </a:p>
-          <a:p>
-            <a:pPr lvl="2"/>
-            <a:r>
-              <a:rPr lang="en-US" altLang="zh-TW" dirty="0"/>
-              <a:t>Error rate in bits</a:t>
-            </a:r>
-          </a:p>
-        </p:txBody>
-      </p:sp>
-      <p:sp>
-        <p:nvSpPr>
-          <p:cNvPr id="4" name="投影片編號版面配置區 3">
-            <a:extLst>
-              <a:ext uri="{FF2B5EF4-FFF2-40B4-BE49-F238E27FC236}">
-                <a16:creationId xmlns:a16="http://schemas.microsoft.com/office/drawing/2014/main" id="{0E5490B9-4B40-0EA6-6725-1130FAE971E3}"/>
-              </a:ext>
-            </a:extLst>
-          </p:cNvPr>
-          <p:cNvSpPr>
-            <a:spLocks noGrp="1"/>
-          </p:cNvSpPr>
-          <p:nvPr>
-            <p:ph type="sldNum" sz="quarter" idx="12"/>
-          </p:nvPr>
-        </p:nvSpPr>
-        <p:spPr/>
-        <p:txBody>
-          <a:bodyPr/>
-          <a:lstStyle/>
-          <a:p>
-            <a:pPr>
-              <a:defRPr/>
-            </a:pPr>
-            <a:fld id="{8F5F56E1-31C3-4936-AC76-6E9C056A1F24}" type="slidenum">
-              <a:rPr lang="en-US" altLang="zh-TW" smtClean="0"/>
-              <a:pPr>
-                <a:defRPr/>
-              </a:pPr>
-              <a:t>9</a:t>
-            </a:fld>
-            <a:endParaRPr lang="en-US" altLang="zh-TW"/>
-          </a:p>
-        </p:txBody>
-      </p:sp>
-      <p:grpSp>
-        <p:nvGrpSpPr>
-          <p:cNvPr id="12" name="群組 11">
-            <a:extLst>
-              <a:ext uri="{FF2B5EF4-FFF2-40B4-BE49-F238E27FC236}">
-                <a16:creationId xmlns:a16="http://schemas.microsoft.com/office/drawing/2014/main" id="{4173177D-C3C6-03AC-5190-C0CB6902A825}"/>
-              </a:ext>
-            </a:extLst>
-          </p:cNvPr>
-          <p:cNvGrpSpPr/>
-          <p:nvPr/>
-        </p:nvGrpSpPr>
-        <p:grpSpPr>
-          <a:xfrm>
-            <a:off x="5364088" y="1437609"/>
-            <a:ext cx="1650026" cy="1494358"/>
-            <a:chOff x="1121774" y="2034245"/>
-            <a:chExt cx="1650026" cy="1494358"/>
-          </a:xfrm>
-        </p:grpSpPr>
-        <p:pic>
-          <p:nvPicPr>
-            <p:cNvPr id="17" name="圖片 16">
-              <a:extLst>
-                <a:ext uri="{FF2B5EF4-FFF2-40B4-BE49-F238E27FC236}">
-                  <a16:creationId xmlns:a16="http://schemas.microsoft.com/office/drawing/2014/main" id="{C7CEF059-B610-3635-72D7-43BAE8AFBA84}"/>
-                </a:ext>
-              </a:extLst>
-            </p:cNvPr>
-            <p:cNvPicPr>
-              <a:picLocks noChangeAspect="1"/>
-            </p:cNvPicPr>
-            <p:nvPr/>
-          </p:nvPicPr>
-          <p:blipFill>
-            <a:blip r:embed="rId2"/>
-            <a:srcRect l="54881"/>
-            <a:stretch/>
-          </p:blipFill>
-          <p:spPr>
-            <a:xfrm>
-              <a:off x="1121774" y="2348880"/>
-              <a:ext cx="1512168" cy="1179723"/>
-            </a:xfrm>
-            <a:prstGeom prst="rect">
-              <a:avLst/>
-            </a:prstGeom>
-          </p:spPr>
-        </p:pic>
-        <p:sp>
-          <p:nvSpPr>
-            <p:cNvPr id="9" name="文字方塊 8">
-              <a:extLst>
-                <a:ext uri="{FF2B5EF4-FFF2-40B4-BE49-F238E27FC236}">
-                  <a16:creationId xmlns:a16="http://schemas.microsoft.com/office/drawing/2014/main" id="{816603F6-6B3D-BEFF-BE9B-DF337000D3A1}"/>
-                </a:ext>
-              </a:extLst>
-            </p:cNvPr>
-            <p:cNvSpPr txBox="1"/>
-            <p:nvPr/>
-          </p:nvSpPr>
-          <p:spPr>
-            <a:xfrm>
-              <a:off x="1498274" y="2034245"/>
-              <a:ext cx="1273526" cy="369332"/>
-            </a:xfrm>
-            <a:prstGeom prst="rect">
-              <a:avLst/>
-            </a:prstGeom>
-            <a:noFill/>
-          </p:spPr>
-          <p:txBody>
-            <a:bodyPr wrap="square">
-              <a:spAutoFit/>
-            </a:bodyPr>
-            <a:lstStyle/>
-            <a:p>
-              <a:r>
-                <a:rPr lang="en-US" altLang="zh-TW" b="0" dirty="0"/>
-                <a:t>Lightning</a:t>
-              </a:r>
-              <a:endParaRPr lang="zh-TW" altLang="en-US" b="0" dirty="0"/>
-            </a:p>
-          </p:txBody>
-        </p:sp>
-      </p:grpSp>
-      <p:pic>
-        <p:nvPicPr>
-          <p:cNvPr id="6" name="圖片 5">
-            <a:extLst>
-              <a:ext uri="{FF2B5EF4-FFF2-40B4-BE49-F238E27FC236}">
-                <a16:creationId xmlns:a16="http://schemas.microsoft.com/office/drawing/2014/main" id="{57B0F913-A615-54BE-B781-AB8922CACA3B}"/>
-              </a:ext>
-            </a:extLst>
-          </p:cNvPr>
-          <p:cNvPicPr>
-            <a:picLocks noChangeAspect="1"/>
-          </p:cNvPicPr>
-          <p:nvPr/>
-        </p:nvPicPr>
-        <p:blipFill>
-          <a:blip r:embed="rId3">
-            <a:extLst>
-              <a:ext uri="{28A0092B-C50C-407E-A947-70E740481C1C}">
-                <a14:useLocalDpi xmlns:a14="http://schemas.microsoft.com/office/drawing/2010/main" val="0"/>
-              </a:ext>
-            </a:extLst>
-          </a:blip>
-          <a:stretch>
-            <a:fillRect/>
-          </a:stretch>
-        </p:blipFill>
-        <p:spPr>
-          <a:xfrm>
-            <a:off x="1116504" y="2931967"/>
-            <a:ext cx="6910992" cy="3455496"/>
-          </a:xfrm>
-          <a:prstGeom prst="rect">
-            <a:avLst/>
-          </a:prstGeom>
-        </p:spPr>
-      </p:pic>
-    </p:spTree>
-    <p:extLst>
-      <p:ext uri="{BB962C8B-B14F-4D97-AF65-F5344CB8AC3E}">
-        <p14:creationId xmlns:p14="http://schemas.microsoft.com/office/powerpoint/2010/main" val="972177386"/>
       </p:ext>
     </p:extLst>
   </p:cSld>

--- a/bitrotation/ppt.pptx
+++ b/bitrotation/ppt.pptx
@@ -7623,8 +7623,8 @@
           </a:p>
         </p:txBody>
       </p:sp>
-      <mc:AlternateContent xmlns:mc="http://schemas.openxmlformats.org/markup-compatibility/2006">
-        <mc:Choice xmlns:a14="http://schemas.microsoft.com/office/drawing/2010/main" Requires="a14">
+      <mc:AlternateContent xmlns:mc="http://schemas.openxmlformats.org/markup-compatibility/2006" xmlns:a14="http://schemas.microsoft.com/office/drawing/2010/main">
+        <mc:Choice Requires="a14">
           <p:sp>
             <p:nvSpPr>
               <p:cNvPr id="3" name="內容版面配置區 2">
@@ -7719,7 +7719,7 @@
             </p:txBody>
           </p:sp>
         </mc:Choice>
-        <mc:Fallback>
+        <mc:Fallback xmlns="">
           <p:sp>
             <p:nvSpPr>
               <p:cNvPr id="3" name="內容版面配置區 2">
@@ -8233,8 +8233,8 @@
           </a:p>
         </p:txBody>
       </p:sp>
-      <mc:AlternateContent xmlns:mc="http://schemas.openxmlformats.org/markup-compatibility/2006">
-        <mc:Choice xmlns:a14="http://schemas.microsoft.com/office/drawing/2010/main" Requires="a14">
+      <mc:AlternateContent xmlns:mc="http://schemas.openxmlformats.org/markup-compatibility/2006" xmlns:a14="http://schemas.microsoft.com/office/drawing/2010/main">
+        <mc:Choice Requires="a14">
           <p:sp>
             <p:nvSpPr>
               <p:cNvPr id="3" name="內容版面配置區 2">
@@ -8392,7 +8392,7 @@
             </p:txBody>
           </p:sp>
         </mc:Choice>
-        <mc:Fallback>
+        <mc:Fallback xmlns="">
           <p:sp>
             <p:nvSpPr>
               <p:cNvPr id="3" name="內容版面配置區 2">
@@ -10017,7 +10017,7 @@
             <a:pPr lvl="1"/>
             <a:r>
               <a:rPr lang="en-US" altLang="zh-TW" dirty="0"/>
-              <a:t>Part A : Analyze the effect of different shapes of partial sum</a:t>
+              <a:t>Part A : Analyze the effect of different partition method of partial sum</a:t>
             </a:r>
           </a:p>
           <a:p>
@@ -10029,9 +10029,27 @@
           </a:p>
           <a:p>
             <a:pPr lvl="1"/>
+            <a:endParaRPr lang="en-US" altLang="zh-TW" dirty="0"/>
+          </a:p>
+          <a:p>
+            <a:pPr lvl="1"/>
             <a:r>
               <a:rPr lang="en-US" altLang="zh-TW" dirty="0"/>
               <a:t>Part B : Use the result in part A to analyze the impact of analog loss on classification ML tasks</a:t>
+            </a:r>
+          </a:p>
+          <a:p>
+            <a:pPr lvl="2"/>
+            <a:r>
+              <a:rPr lang="en-US" altLang="zh-TW" dirty="0"/>
+              <a:t>Analyze the characteristics of quantized CNN model</a:t>
+            </a:r>
+          </a:p>
+          <a:p>
+            <a:pPr lvl="2"/>
+            <a:r>
+              <a:rPr lang="en-US" altLang="zh-TW" dirty="0"/>
+              <a:t>Apply the result in part A to the model</a:t>
             </a:r>
           </a:p>
           <a:p>
@@ -10078,6 +10096,53 @@
           </a:p>
         </p:txBody>
       </p:sp>
+      <p:pic>
+        <p:nvPicPr>
+          <p:cNvPr id="1026" name="Picture 2" descr="TensorFlow 筆記(6): 應用LeNet-5在Cifar-10資料集| by Wei-Chi Lai | Medium">
+            <a:extLst>
+              <a:ext uri="{FF2B5EF4-FFF2-40B4-BE49-F238E27FC236}">
+                <a16:creationId xmlns:a16="http://schemas.microsoft.com/office/drawing/2014/main" id="{A74A5B31-94EF-8F33-16FA-E5C564992463}"/>
+              </a:ext>
+            </a:extLst>
+          </p:cNvPr>
+          <p:cNvPicPr>
+            <a:picLocks noChangeAspect="1" noChangeArrowheads="1"/>
+          </p:cNvPicPr>
+          <p:nvPr/>
+        </p:nvPicPr>
+        <p:blipFill>
+          <a:blip r:embed="rId2">
+            <a:extLst>
+              <a:ext uri="{28A0092B-C50C-407E-A947-70E740481C1C}">
+                <a14:useLocalDpi xmlns:a14="http://schemas.microsoft.com/office/drawing/2010/main" val="0"/>
+              </a:ext>
+            </a:extLst>
+          </a:blip>
+          <a:srcRect/>
+          <a:stretch>
+            <a:fillRect/>
+          </a:stretch>
+        </p:blipFill>
+        <p:spPr bwMode="auto">
+          <a:xfrm>
+            <a:off x="5185048" y="4758998"/>
+            <a:ext cx="2736304" cy="2099002"/>
+          </a:xfrm>
+          <a:prstGeom prst="rect">
+            <a:avLst/>
+          </a:prstGeom>
+          <a:noFill/>
+          <a:extLst>
+            <a:ext uri="{909E8E84-426E-40DD-AFC4-6F175D3DCCD1}">
+              <a14:hiddenFill xmlns:a14="http://schemas.microsoft.com/office/drawing/2010/main">
+                <a:solidFill>
+                  <a:srgbClr val="FFFFFF"/>
+                </a:solidFill>
+              </a14:hiddenFill>
+            </a:ext>
+          </a:extLst>
+        </p:spPr>
+      </p:pic>
     </p:spTree>
     <p:extLst>
       <p:ext uri="{BB962C8B-B14F-4D97-AF65-F5344CB8AC3E}">

--- a/bitrotation/ppt.pptx
+++ b/bitrotation/ppt.pptx
@@ -9,8 +9,8 @@
   </p:notesMasterIdLst>
   <p:sldIdLst>
     <p:sldId id="256" r:id="rId2"/>
-    <p:sldId id="268" r:id="rId3"/>
-    <p:sldId id="258" r:id="rId4"/>
+    <p:sldId id="258" r:id="rId3"/>
+    <p:sldId id="268" r:id="rId4"/>
     <p:sldId id="259" r:id="rId5"/>
     <p:sldId id="257" r:id="rId6"/>
     <p:sldId id="260" r:id="rId7"/>
@@ -9952,6 +9952,315 @@
   <p:cSld>
     <p:spTree>
       <p:nvGrpSpPr>
+        <p:cNvPr id="1" name="">
+          <a:extLst>
+            <a:ext uri="{FF2B5EF4-FFF2-40B4-BE49-F238E27FC236}">
+              <a16:creationId xmlns:a16="http://schemas.microsoft.com/office/drawing/2014/main" id="{F35DD532-97F4-BC59-E06A-0A5C4CBC2327}"/>
+            </a:ext>
+          </a:extLst>
+        </p:cNvPr>
+        <p:cNvGrpSpPr/>
+        <p:nvPr/>
+      </p:nvGrpSpPr>
+      <p:grpSpPr>
+        <a:xfrm>
+          <a:off x="0" y="0"/>
+          <a:ext cx="0" cy="0"/>
+          <a:chOff x="0" y="0"/>
+          <a:chExt cx="0" cy="0"/>
+        </a:xfrm>
+      </p:grpSpPr>
+      <p:sp>
+        <p:nvSpPr>
+          <p:cNvPr id="2" name="標題 1">
+            <a:extLst>
+              <a:ext uri="{FF2B5EF4-FFF2-40B4-BE49-F238E27FC236}">
+                <a16:creationId xmlns:a16="http://schemas.microsoft.com/office/drawing/2014/main" id="{9BF3A945-8261-C111-B291-B35C7A9553AA}"/>
+              </a:ext>
+            </a:extLst>
+          </p:cNvPr>
+          <p:cNvSpPr>
+            <a:spLocks noGrp="1"/>
+          </p:cNvSpPr>
+          <p:nvPr>
+            <p:ph type="title"/>
+          </p:nvPr>
+        </p:nvSpPr>
+        <p:spPr/>
+        <p:txBody>
+          <a:bodyPr/>
+          <a:lstStyle/>
+          <a:p>
+            <a:r>
+              <a:rPr lang="en-US" altLang="zh-TW" dirty="0"/>
+              <a:t>Recall</a:t>
+            </a:r>
+            <a:endParaRPr lang="zh-TW" altLang="en-US" dirty="0"/>
+          </a:p>
+        </p:txBody>
+      </p:sp>
+      <p:sp>
+        <p:nvSpPr>
+          <p:cNvPr id="3" name="內容版面配置區 2">
+            <a:extLst>
+              <a:ext uri="{FF2B5EF4-FFF2-40B4-BE49-F238E27FC236}">
+                <a16:creationId xmlns:a16="http://schemas.microsoft.com/office/drawing/2014/main" id="{6532BBC9-9730-75F0-B62C-11F19E2B61B2}"/>
+              </a:ext>
+            </a:extLst>
+          </p:cNvPr>
+          <p:cNvSpPr>
+            <a:spLocks noGrp="1"/>
+          </p:cNvSpPr>
+          <p:nvPr>
+            <p:ph idx="1"/>
+          </p:nvPr>
+        </p:nvSpPr>
+        <p:spPr/>
+        <p:txBody>
+          <a:bodyPr/>
+          <a:lstStyle/>
+          <a:p>
+            <a:pPr lvl="1"/>
+            <a:r>
+              <a:rPr lang="en-US" altLang="zh-TW" dirty="0"/>
+              <a:t>The definition of boundary between analog and digital part is a problem</a:t>
+            </a:r>
+            <a:endParaRPr lang="zh-TW" altLang="en-US" dirty="0"/>
+          </a:p>
+        </p:txBody>
+      </p:sp>
+      <p:sp>
+        <p:nvSpPr>
+          <p:cNvPr id="4" name="投影片編號版面配置區 3">
+            <a:extLst>
+              <a:ext uri="{FF2B5EF4-FFF2-40B4-BE49-F238E27FC236}">
+                <a16:creationId xmlns:a16="http://schemas.microsoft.com/office/drawing/2014/main" id="{6877A4C8-D31C-0057-69EC-6E57C9EC88F4}"/>
+              </a:ext>
+            </a:extLst>
+          </p:cNvPr>
+          <p:cNvSpPr>
+            <a:spLocks noGrp="1"/>
+          </p:cNvSpPr>
+          <p:nvPr>
+            <p:ph type="sldNum" sz="quarter" idx="12"/>
+          </p:nvPr>
+        </p:nvSpPr>
+        <p:spPr/>
+        <p:txBody>
+          <a:bodyPr/>
+          <a:lstStyle/>
+          <a:p>
+            <a:pPr>
+              <a:defRPr/>
+            </a:pPr>
+            <a:fld id="{8F5F56E1-31C3-4936-AC76-6E9C056A1F24}" type="slidenum">
+              <a:rPr lang="en-US" altLang="zh-TW" smtClean="0"/>
+              <a:pPr>
+                <a:defRPr/>
+              </a:pPr>
+              <a:t>2</a:t>
+            </a:fld>
+            <a:endParaRPr lang="en-US" altLang="zh-TW"/>
+          </a:p>
+        </p:txBody>
+      </p:sp>
+      <p:pic>
+        <p:nvPicPr>
+          <p:cNvPr id="6" name="圖片 5">
+            <a:extLst>
+              <a:ext uri="{FF2B5EF4-FFF2-40B4-BE49-F238E27FC236}">
+                <a16:creationId xmlns:a16="http://schemas.microsoft.com/office/drawing/2014/main" id="{96A4AAE4-FF0E-4681-B69D-77144243E208}"/>
+              </a:ext>
+            </a:extLst>
+          </p:cNvPr>
+          <p:cNvPicPr>
+            <a:picLocks noChangeAspect="1"/>
+          </p:cNvPicPr>
+          <p:nvPr/>
+        </p:nvPicPr>
+        <p:blipFill>
+          <a:blip r:embed="rId2"/>
+          <a:stretch>
+            <a:fillRect/>
+          </a:stretch>
+        </p:blipFill>
+        <p:spPr>
+          <a:xfrm>
+            <a:off x="3866007" y="2368320"/>
+            <a:ext cx="3888432" cy="1368728"/>
+          </a:xfrm>
+          <a:prstGeom prst="rect">
+            <a:avLst/>
+          </a:prstGeom>
+        </p:spPr>
+      </p:pic>
+      <p:sp>
+        <p:nvSpPr>
+          <p:cNvPr id="10" name="文字方塊 9">
+            <a:extLst>
+              <a:ext uri="{FF2B5EF4-FFF2-40B4-BE49-F238E27FC236}">
+                <a16:creationId xmlns:a16="http://schemas.microsoft.com/office/drawing/2014/main" id="{312540C2-4D93-C891-103B-9429786924D1}"/>
+              </a:ext>
+            </a:extLst>
+          </p:cNvPr>
+          <p:cNvSpPr txBox="1"/>
+          <p:nvPr/>
+        </p:nvSpPr>
+        <p:spPr>
+          <a:xfrm>
+            <a:off x="446353" y="2815117"/>
+            <a:ext cx="3420380" cy="646331"/>
+          </a:xfrm>
+          <a:prstGeom prst="rect">
+            <a:avLst/>
+          </a:prstGeom>
+          <a:noFill/>
+        </p:spPr>
+        <p:txBody>
+          <a:bodyPr wrap="square">
+            <a:spAutoFit/>
+          </a:bodyPr>
+          <a:lstStyle/>
+          <a:p>
+            <a:r>
+              <a:rPr lang="en-US" altLang="zh-TW" b="0" dirty="0"/>
+              <a:t>Digital Part : High precision</a:t>
+            </a:r>
+          </a:p>
+          <a:p>
+            <a:r>
+              <a:rPr lang="en-US" altLang="zh-TW" b="0" dirty="0"/>
+              <a:t>Analog Part : Low precision</a:t>
+            </a:r>
+            <a:endParaRPr lang="zh-TW" altLang="en-US" b="0" dirty="0"/>
+          </a:p>
+        </p:txBody>
+      </p:sp>
+      <p:pic>
+        <p:nvPicPr>
+          <p:cNvPr id="14" name="圖片 13">
+            <a:extLst>
+              <a:ext uri="{FF2B5EF4-FFF2-40B4-BE49-F238E27FC236}">
+                <a16:creationId xmlns:a16="http://schemas.microsoft.com/office/drawing/2014/main" id="{57E69255-4F99-78DA-2AA5-0F36C86389E3}"/>
+              </a:ext>
+            </a:extLst>
+          </p:cNvPr>
+          <p:cNvPicPr>
+            <a:picLocks noChangeAspect="1"/>
+          </p:cNvPicPr>
+          <p:nvPr/>
+        </p:nvPicPr>
+        <p:blipFill>
+          <a:blip r:embed="rId3"/>
+          <a:stretch>
+            <a:fillRect/>
+          </a:stretch>
+        </p:blipFill>
+        <p:spPr>
+          <a:xfrm>
+            <a:off x="4161686" y="4111763"/>
+            <a:ext cx="1947574" cy="2292074"/>
+          </a:xfrm>
+          <a:prstGeom prst="rect">
+            <a:avLst/>
+          </a:prstGeom>
+        </p:spPr>
+      </p:pic>
+      <p:pic>
+        <p:nvPicPr>
+          <p:cNvPr id="16" name="圖片 15">
+            <a:extLst>
+              <a:ext uri="{FF2B5EF4-FFF2-40B4-BE49-F238E27FC236}">
+                <a16:creationId xmlns:a16="http://schemas.microsoft.com/office/drawing/2014/main" id="{90F2738F-D718-0BA7-1329-A9303E389167}"/>
+              </a:ext>
+            </a:extLst>
+          </p:cNvPr>
+          <p:cNvPicPr>
+            <a:picLocks noChangeAspect="1"/>
+          </p:cNvPicPr>
+          <p:nvPr/>
+        </p:nvPicPr>
+        <p:blipFill>
+          <a:blip r:embed="rId4"/>
+          <a:stretch>
+            <a:fillRect/>
+          </a:stretch>
+        </p:blipFill>
+        <p:spPr>
+          <a:xfrm>
+            <a:off x="6065834" y="4653136"/>
+            <a:ext cx="2880320" cy="973629"/>
+          </a:xfrm>
+          <a:prstGeom prst="rect">
+            <a:avLst/>
+          </a:prstGeom>
+        </p:spPr>
+      </p:pic>
+      <p:sp>
+        <p:nvSpPr>
+          <p:cNvPr id="5" name="文字方塊 4">
+            <a:extLst>
+              <a:ext uri="{FF2B5EF4-FFF2-40B4-BE49-F238E27FC236}">
+                <a16:creationId xmlns:a16="http://schemas.microsoft.com/office/drawing/2014/main" id="{C97014F2-33B4-14D7-9C29-E301EA93776E}"/>
+              </a:ext>
+            </a:extLst>
+          </p:cNvPr>
+          <p:cNvSpPr txBox="1"/>
+          <p:nvPr/>
+        </p:nvSpPr>
+        <p:spPr>
+          <a:xfrm>
+            <a:off x="179512" y="4748621"/>
+            <a:ext cx="4032448" cy="646331"/>
+          </a:xfrm>
+          <a:prstGeom prst="rect">
+            <a:avLst/>
+          </a:prstGeom>
+          <a:noFill/>
+        </p:spPr>
+        <p:txBody>
+          <a:bodyPr wrap="square">
+            <a:spAutoFit/>
+          </a:bodyPr>
+          <a:lstStyle/>
+          <a:p>
+            <a:r>
+              <a:rPr lang="en-US" altLang="zh-TW" b="0" dirty="0"/>
+              <a:t>Digital Part : Bulky </a:t>
+            </a:r>
+            <a:r>
+              <a:rPr lang="en-US" altLang="zh-TW" b="0" dirty="0" err="1"/>
+              <a:t>ckt</a:t>
+            </a:r>
+            <a:endParaRPr lang="en-US" altLang="zh-TW" b="0" dirty="0"/>
+          </a:p>
+          <a:p>
+            <a:r>
+              <a:rPr lang="en-US" altLang="zh-TW" b="0" dirty="0"/>
+              <a:t>Analog Part : Less HW overhead</a:t>
+            </a:r>
+            <a:endParaRPr lang="zh-TW" altLang="en-US" b="0" dirty="0"/>
+          </a:p>
+        </p:txBody>
+      </p:sp>
+    </p:spTree>
+    <p:extLst>
+      <p:ext uri="{BB962C8B-B14F-4D97-AF65-F5344CB8AC3E}">
+        <p14:creationId xmlns:p14="http://schemas.microsoft.com/office/powerpoint/2010/main" val="3035429191"/>
+      </p:ext>
+    </p:extLst>
+  </p:cSld>
+  <p:clrMapOvr>
+    <a:masterClrMapping/>
+  </p:clrMapOvr>
+</p:sld>
+</file>
+
+<file path=ppt/slides/slide3.xml><?xml version="1.0" encoding="utf-8"?>
+<p:sld xmlns:a="http://schemas.openxmlformats.org/drawingml/2006/main" xmlns:r="http://schemas.openxmlformats.org/officeDocument/2006/relationships" xmlns:p="http://schemas.openxmlformats.org/presentationml/2006/main">
+  <p:cSld>
+    <p:spTree>
+      <p:nvGrpSpPr>
         <p:cNvPr id="1" name=""/>
         <p:cNvGrpSpPr/>
         <p:nvPr/>
@@ -10090,7 +10399,7 @@
               <a:pPr>
                 <a:defRPr/>
               </a:pPr>
-              <a:t>2</a:t>
+              <a:t>3</a:t>
             </a:fld>
             <a:endParaRPr lang="en-US" altLang="zh-TW"/>
           </a:p>
@@ -10147,315 +10456,6 @@
     <p:extLst>
       <p:ext uri="{BB962C8B-B14F-4D97-AF65-F5344CB8AC3E}">
         <p14:creationId xmlns:p14="http://schemas.microsoft.com/office/powerpoint/2010/main" val="1399792435"/>
-      </p:ext>
-    </p:extLst>
-  </p:cSld>
-  <p:clrMapOvr>
-    <a:masterClrMapping/>
-  </p:clrMapOvr>
-</p:sld>
-</file>
-
-<file path=ppt/slides/slide3.xml><?xml version="1.0" encoding="utf-8"?>
-<p:sld xmlns:a="http://schemas.openxmlformats.org/drawingml/2006/main" xmlns:r="http://schemas.openxmlformats.org/officeDocument/2006/relationships" xmlns:p="http://schemas.openxmlformats.org/presentationml/2006/main">
-  <p:cSld>
-    <p:spTree>
-      <p:nvGrpSpPr>
-        <p:cNvPr id="1" name="">
-          <a:extLst>
-            <a:ext uri="{FF2B5EF4-FFF2-40B4-BE49-F238E27FC236}">
-              <a16:creationId xmlns:a16="http://schemas.microsoft.com/office/drawing/2014/main" id="{F35DD532-97F4-BC59-E06A-0A5C4CBC2327}"/>
-            </a:ext>
-          </a:extLst>
-        </p:cNvPr>
-        <p:cNvGrpSpPr/>
-        <p:nvPr/>
-      </p:nvGrpSpPr>
-      <p:grpSpPr>
-        <a:xfrm>
-          <a:off x="0" y="0"/>
-          <a:ext cx="0" cy="0"/>
-          <a:chOff x="0" y="0"/>
-          <a:chExt cx="0" cy="0"/>
-        </a:xfrm>
-      </p:grpSpPr>
-      <p:sp>
-        <p:nvSpPr>
-          <p:cNvPr id="2" name="標題 1">
-            <a:extLst>
-              <a:ext uri="{FF2B5EF4-FFF2-40B4-BE49-F238E27FC236}">
-                <a16:creationId xmlns:a16="http://schemas.microsoft.com/office/drawing/2014/main" id="{9BF3A945-8261-C111-B291-B35C7A9553AA}"/>
-              </a:ext>
-            </a:extLst>
-          </p:cNvPr>
-          <p:cNvSpPr>
-            <a:spLocks noGrp="1"/>
-          </p:cNvSpPr>
-          <p:nvPr>
-            <p:ph type="title"/>
-          </p:nvPr>
-        </p:nvSpPr>
-        <p:spPr/>
-        <p:txBody>
-          <a:bodyPr/>
-          <a:lstStyle/>
-          <a:p>
-            <a:r>
-              <a:rPr lang="en-US" altLang="zh-TW" dirty="0"/>
-              <a:t>Part A : Shapes of Partial Sum</a:t>
-            </a:r>
-            <a:endParaRPr lang="zh-TW" altLang="en-US" dirty="0"/>
-          </a:p>
-        </p:txBody>
-      </p:sp>
-      <p:sp>
-        <p:nvSpPr>
-          <p:cNvPr id="3" name="內容版面配置區 2">
-            <a:extLst>
-              <a:ext uri="{FF2B5EF4-FFF2-40B4-BE49-F238E27FC236}">
-                <a16:creationId xmlns:a16="http://schemas.microsoft.com/office/drawing/2014/main" id="{6532BBC9-9730-75F0-B62C-11F19E2B61B2}"/>
-              </a:ext>
-            </a:extLst>
-          </p:cNvPr>
-          <p:cNvSpPr>
-            <a:spLocks noGrp="1"/>
-          </p:cNvSpPr>
-          <p:nvPr>
-            <p:ph idx="1"/>
-          </p:nvPr>
-        </p:nvSpPr>
-        <p:spPr/>
-        <p:txBody>
-          <a:bodyPr/>
-          <a:lstStyle/>
-          <a:p>
-            <a:pPr lvl="1"/>
-            <a:r>
-              <a:rPr lang="en-US" altLang="zh-TW" dirty="0"/>
-              <a:t>The definition of boundary between analog and digital part is a problem</a:t>
-            </a:r>
-            <a:endParaRPr lang="zh-TW" altLang="en-US" dirty="0"/>
-          </a:p>
-        </p:txBody>
-      </p:sp>
-      <p:sp>
-        <p:nvSpPr>
-          <p:cNvPr id="4" name="投影片編號版面配置區 3">
-            <a:extLst>
-              <a:ext uri="{FF2B5EF4-FFF2-40B4-BE49-F238E27FC236}">
-                <a16:creationId xmlns:a16="http://schemas.microsoft.com/office/drawing/2014/main" id="{6877A4C8-D31C-0057-69EC-6E57C9EC88F4}"/>
-              </a:ext>
-            </a:extLst>
-          </p:cNvPr>
-          <p:cNvSpPr>
-            <a:spLocks noGrp="1"/>
-          </p:cNvSpPr>
-          <p:nvPr>
-            <p:ph type="sldNum" sz="quarter" idx="12"/>
-          </p:nvPr>
-        </p:nvSpPr>
-        <p:spPr/>
-        <p:txBody>
-          <a:bodyPr/>
-          <a:lstStyle/>
-          <a:p>
-            <a:pPr>
-              <a:defRPr/>
-            </a:pPr>
-            <a:fld id="{8F5F56E1-31C3-4936-AC76-6E9C056A1F24}" type="slidenum">
-              <a:rPr lang="en-US" altLang="zh-TW" smtClean="0"/>
-              <a:pPr>
-                <a:defRPr/>
-              </a:pPr>
-              <a:t>3</a:t>
-            </a:fld>
-            <a:endParaRPr lang="en-US" altLang="zh-TW"/>
-          </a:p>
-        </p:txBody>
-      </p:sp>
-      <p:pic>
-        <p:nvPicPr>
-          <p:cNvPr id="6" name="圖片 5">
-            <a:extLst>
-              <a:ext uri="{FF2B5EF4-FFF2-40B4-BE49-F238E27FC236}">
-                <a16:creationId xmlns:a16="http://schemas.microsoft.com/office/drawing/2014/main" id="{96A4AAE4-FF0E-4681-B69D-77144243E208}"/>
-              </a:ext>
-            </a:extLst>
-          </p:cNvPr>
-          <p:cNvPicPr>
-            <a:picLocks noChangeAspect="1"/>
-          </p:cNvPicPr>
-          <p:nvPr/>
-        </p:nvPicPr>
-        <p:blipFill>
-          <a:blip r:embed="rId2"/>
-          <a:stretch>
-            <a:fillRect/>
-          </a:stretch>
-        </p:blipFill>
-        <p:spPr>
-          <a:xfrm>
-            <a:off x="3866007" y="2368320"/>
-            <a:ext cx="3888432" cy="1368728"/>
-          </a:xfrm>
-          <a:prstGeom prst="rect">
-            <a:avLst/>
-          </a:prstGeom>
-        </p:spPr>
-      </p:pic>
-      <p:sp>
-        <p:nvSpPr>
-          <p:cNvPr id="10" name="文字方塊 9">
-            <a:extLst>
-              <a:ext uri="{FF2B5EF4-FFF2-40B4-BE49-F238E27FC236}">
-                <a16:creationId xmlns:a16="http://schemas.microsoft.com/office/drawing/2014/main" id="{312540C2-4D93-C891-103B-9429786924D1}"/>
-              </a:ext>
-            </a:extLst>
-          </p:cNvPr>
-          <p:cNvSpPr txBox="1"/>
-          <p:nvPr/>
-        </p:nvSpPr>
-        <p:spPr>
-          <a:xfrm>
-            <a:off x="446353" y="2815117"/>
-            <a:ext cx="3420380" cy="646331"/>
-          </a:xfrm>
-          <a:prstGeom prst="rect">
-            <a:avLst/>
-          </a:prstGeom>
-          <a:noFill/>
-        </p:spPr>
-        <p:txBody>
-          <a:bodyPr wrap="square">
-            <a:spAutoFit/>
-          </a:bodyPr>
-          <a:lstStyle/>
-          <a:p>
-            <a:r>
-              <a:rPr lang="en-US" altLang="zh-TW" b="0" dirty="0"/>
-              <a:t>Digital Part : High precision</a:t>
-            </a:r>
-          </a:p>
-          <a:p>
-            <a:r>
-              <a:rPr lang="en-US" altLang="zh-TW" b="0" dirty="0"/>
-              <a:t>Analog Part : Low precision</a:t>
-            </a:r>
-            <a:endParaRPr lang="zh-TW" altLang="en-US" b="0" dirty="0"/>
-          </a:p>
-        </p:txBody>
-      </p:sp>
-      <p:pic>
-        <p:nvPicPr>
-          <p:cNvPr id="14" name="圖片 13">
-            <a:extLst>
-              <a:ext uri="{FF2B5EF4-FFF2-40B4-BE49-F238E27FC236}">
-                <a16:creationId xmlns:a16="http://schemas.microsoft.com/office/drawing/2014/main" id="{57E69255-4F99-78DA-2AA5-0F36C86389E3}"/>
-              </a:ext>
-            </a:extLst>
-          </p:cNvPr>
-          <p:cNvPicPr>
-            <a:picLocks noChangeAspect="1"/>
-          </p:cNvPicPr>
-          <p:nvPr/>
-        </p:nvPicPr>
-        <p:blipFill>
-          <a:blip r:embed="rId3"/>
-          <a:stretch>
-            <a:fillRect/>
-          </a:stretch>
-        </p:blipFill>
-        <p:spPr>
-          <a:xfrm>
-            <a:off x="4161686" y="4111763"/>
-            <a:ext cx="1947574" cy="2292074"/>
-          </a:xfrm>
-          <a:prstGeom prst="rect">
-            <a:avLst/>
-          </a:prstGeom>
-        </p:spPr>
-      </p:pic>
-      <p:pic>
-        <p:nvPicPr>
-          <p:cNvPr id="16" name="圖片 15">
-            <a:extLst>
-              <a:ext uri="{FF2B5EF4-FFF2-40B4-BE49-F238E27FC236}">
-                <a16:creationId xmlns:a16="http://schemas.microsoft.com/office/drawing/2014/main" id="{90F2738F-D718-0BA7-1329-A9303E389167}"/>
-              </a:ext>
-            </a:extLst>
-          </p:cNvPr>
-          <p:cNvPicPr>
-            <a:picLocks noChangeAspect="1"/>
-          </p:cNvPicPr>
-          <p:nvPr/>
-        </p:nvPicPr>
-        <p:blipFill>
-          <a:blip r:embed="rId4"/>
-          <a:stretch>
-            <a:fillRect/>
-          </a:stretch>
-        </p:blipFill>
-        <p:spPr>
-          <a:xfrm>
-            <a:off x="6065834" y="4653136"/>
-            <a:ext cx="2880320" cy="973629"/>
-          </a:xfrm>
-          <a:prstGeom prst="rect">
-            <a:avLst/>
-          </a:prstGeom>
-        </p:spPr>
-      </p:pic>
-      <p:sp>
-        <p:nvSpPr>
-          <p:cNvPr id="5" name="文字方塊 4">
-            <a:extLst>
-              <a:ext uri="{FF2B5EF4-FFF2-40B4-BE49-F238E27FC236}">
-                <a16:creationId xmlns:a16="http://schemas.microsoft.com/office/drawing/2014/main" id="{C97014F2-33B4-14D7-9C29-E301EA93776E}"/>
-              </a:ext>
-            </a:extLst>
-          </p:cNvPr>
-          <p:cNvSpPr txBox="1"/>
-          <p:nvPr/>
-        </p:nvSpPr>
-        <p:spPr>
-          <a:xfrm>
-            <a:off x="179512" y="4748621"/>
-            <a:ext cx="4032448" cy="646331"/>
-          </a:xfrm>
-          <a:prstGeom prst="rect">
-            <a:avLst/>
-          </a:prstGeom>
-          <a:noFill/>
-        </p:spPr>
-        <p:txBody>
-          <a:bodyPr wrap="square">
-            <a:spAutoFit/>
-          </a:bodyPr>
-          <a:lstStyle/>
-          <a:p>
-            <a:r>
-              <a:rPr lang="en-US" altLang="zh-TW" b="0" dirty="0"/>
-              <a:t>Digital Part : Bulky </a:t>
-            </a:r>
-            <a:r>
-              <a:rPr lang="en-US" altLang="zh-TW" b="0" dirty="0" err="1"/>
-              <a:t>ckt</a:t>
-            </a:r>
-            <a:endParaRPr lang="en-US" altLang="zh-TW" b="0" dirty="0"/>
-          </a:p>
-          <a:p>
-            <a:r>
-              <a:rPr lang="en-US" altLang="zh-TW" b="0" dirty="0"/>
-              <a:t>Analog Part : Less HW overhead</a:t>
-            </a:r>
-            <a:endParaRPr lang="zh-TW" altLang="en-US" b="0" dirty="0"/>
-          </a:p>
-        </p:txBody>
-      </p:sp>
-    </p:spTree>
-    <p:extLst>
-      <p:ext uri="{BB962C8B-B14F-4D97-AF65-F5344CB8AC3E}">
-        <p14:creationId xmlns:p14="http://schemas.microsoft.com/office/powerpoint/2010/main" val="3035429191"/>
       </p:ext>
     </p:extLst>
   </p:cSld>
@@ -10737,6 +10737,35 @@
           <a:xfrm>
             <a:off x="2380931" y="4804463"/>
             <a:ext cx="3945755" cy="1901137"/>
+          </a:xfrm>
+          <a:prstGeom prst="rect">
+            <a:avLst/>
+          </a:prstGeom>
+        </p:spPr>
+      </p:pic>
+      <p:pic>
+        <p:nvPicPr>
+          <p:cNvPr id="7" name="圖片 6">
+            <a:extLst>
+              <a:ext uri="{FF2B5EF4-FFF2-40B4-BE49-F238E27FC236}">
+                <a16:creationId xmlns:a16="http://schemas.microsoft.com/office/drawing/2014/main" id="{FF35BA15-4741-1040-E065-5F4C7BF73B2E}"/>
+              </a:ext>
+            </a:extLst>
+          </p:cNvPr>
+          <p:cNvPicPr>
+            <a:picLocks noChangeAspect="1"/>
+          </p:cNvPicPr>
+          <p:nvPr/>
+        </p:nvPicPr>
+        <p:blipFill>
+          <a:blip r:embed="rId4"/>
+          <a:srcRect l="54881"/>
+          <a:stretch/>
+        </p:blipFill>
+        <p:spPr>
+          <a:xfrm>
+            <a:off x="6797854" y="2348880"/>
+            <a:ext cx="1644291" cy="1282800"/>
           </a:xfrm>
           <a:prstGeom prst="rect">
             <a:avLst/>

--- a/bitrotation/ppt.pptx
+++ b/bitrotation/ppt.pptx
@@ -172,6 +172,116 @@
     </p:ext>
   </p:extLst>
 </p:presentation>
+</file>
+
+<file path=ppt/ink/ink1.xml><?xml version="1.0" encoding="utf-8"?>
+<inkml:ink xmlns:inkml="http://www.w3.org/2003/InkML">
+  <inkml:definitions>
+    <inkml:context xml:id="ctx0">
+      <inkml:inkSource xml:id="inkSrc0">
+        <inkml:traceFormat>
+          <inkml:channel name="X" type="integer" max="30347" units="cm"/>
+          <inkml:channel name="Y" type="integer" max="20231" units="cm"/>
+          <inkml:channel name="F" type="integer" max="65535" units="dev"/>
+          <inkml:channel name="T" type="integer" max="2.14748E9" units="dev"/>
+        </inkml:traceFormat>
+        <inkml:channelProperties>
+          <inkml:channelProperty channel="X" name="resolution" value="1000.23071" units="1/cm"/>
+          <inkml:channelProperty channel="Y" name="resolution" value="1000.04944" units="1/cm"/>
+          <inkml:channelProperty channel="F" name="resolution" value="0" units="1/dev"/>
+          <inkml:channelProperty channel="T" name="resolution" value="1" units="1/dev"/>
+        </inkml:channelProperties>
+      </inkml:inkSource>
+      <inkml:timestamp xml:id="ts0" timeString="2025-05-06T05:02:00.302"/>
+    </inkml:context>
+    <inkml:brush xml:id="br0">
+      <inkml:brushProperty name="width" value="0.05292" units="cm"/>
+      <inkml:brushProperty name="height" value="0.05292" units="cm"/>
+      <inkml:brushProperty name="color" value="#FF0000"/>
+    </inkml:brush>
+  </inkml:definitions>
+  <inkml:trace contextRef="#ctx0" brushRef="#br0">21871 6703 3103 0,'1'0'272'0,"-1"0"-272"15,0 0 0-15,0 0 0 0,2 0 352 0,-2-1 16 0,1 1 0 0,-1 0 0 16,1 0 128-16,0 0 16 16,-1 0 16-16,0 0 0 0,-1 0 48 0,-1 1 0 0,-1 1 0 0,-3 2 0 15,1 4 784-15,-3 1 176 32,-1 5 16-32,-3 2 16 0,3 1-160 15,-6 3-16-15,-3 2-16 0,-2 0 0 0,-1 1-720 0,-1 0-144 0,-2 2-16 0,1 0-16 0,1 1-320 0,2 0-160 0,2 0 160 0,2 0-160 16,2-2 0-16,3-1 0 0,2-3-128 0,2-3 128 15,3-4-784-15,1-3-48 16,3-2-16-16,-1-6 0 0,2-2-416 0,-1-4-80 0,1-3 0 16,-1-3-3072-16,1-2-592 0</inkml:trace>
+  <inkml:trace contextRef="#ctx0" brushRef="#br0" timeOffset="372.96">21604 6807 1023 0,'-4'6'0'0,"1"-3"0"0,0 1 0 0,1-1 0 16,0-1 0-16,2-1 0 0,-1 0 528 0,-1 2 16 15,0 1 0-15,-3 3 0 0,0 0 272 0,0 1 48 16,-1-1 16-16,1-1 0 0,0 1 128 0,-1-1 16 0,1 2 16 0,-2 0 0 16,1 3-160-16,-1-1-48 15,2 1 0-15,-2 2 0 0,0 0-160 0,1 1-32 0,-1 1-16 0,2 1 0 16,-1 2-416-16,0 0-80 0,3 0 0 0,-2-1-128 15,2-1 0-15,1-4 0 0,2-1 0 0,1-2 0 16,1-3 0-16,2-2 0 16,2 0 0-16,-6-4 0 0,0 0 0 0,0 0 0 0,0 0 0 0,47 0 0 15,-47 0 0-15,0 0 0 0,55-5 192 0,-55 5-192 16,55-2 400-16,-55 2-16 0,61-4-16 0,-61 4 0 16,63-3 80-16,-63 3 32 15,55-5 0-15,-55 5 0 0,0 0-240 0,49-8-48 0,-49 8-16 0,0 0 0 16,0 0-176-16,0 0 0 0,0 0 0 0,0 0 0 15,0 0 0-15,0 0 0 0,0 0 0 0,0 0 0 0,0 0-224 0,8-19 80 16,-11 13 16-16,-1-1-5504 16,1 1-1088-16</inkml:trace>
+  <inkml:trace contextRef="#ctx0" brushRef="#br0" timeOffset="5320.37">19401 8844 687 0,'8'-7'0'0</inkml:trace>
+  <inkml:trace contextRef="#ctx0" brushRef="#br0" timeOffset="5872.89">19556 8768 111 0,'2'3'0'0,"-1"-1"0"0,-1-1 0 0,0 0 0 16,0 0 160-16,0 0 32 0,0 2 0 0,-2 0 0 0,-2 4 176 0,-5 2 32 16,-3 0 16-16,-2 2 0 0,-2 1-240 15,-3-1-48-15,-3 2-128 0,-1-1 192 0,-2 1-192 0,-3 0 0 16,0 0 0-16,-3-3 0 0,1 0 0 0,-3-4 0 15,0-1 0-15,-3-4 0 0,-2-2 0 0,2-3 128 16,8-1-128-16,2-1 0 0,6-3 0 0,2 0 176 16,3-1-176-16,3-2 160 0,0 1 48 15,2 0 16-15,2-1 0 0,0 0 0 0,1-2 96 0,0-2 32 0,2-1 0 16,1-2 0-16,4 0 16 0,-1-2 0 16,2-2 0-16,3-1 0 0,1 0-32 0,3 0 0 15,-8 24 0-15,23-46 0 0,-23 46-112 0,31-46-32 16,-31 46 0-16,36-40 0 0,-36 40-16 0,43-34-16 15,-43 34 0-15,47-27 0 0,-47 27 96 0,54-23 32 16,-54 23 0-16,51-23 0 0,-51 23 144 0,46-18 16 0,-46 18 16 16,0 0 0-16,69-24-224 0,-69 24-48 15,48-10-16-15,-48 10 0 0,46-3-176 0,-46 3 0 0,53 3 0 0,-27 0 0 16,0 3 0-16,-1 1 0 0,-4-1 0 0,-2 3 0 16,-2-2 0-16,-4 2 0 0,-2-1 0 15,-2 2 0-15,-1-2 0 0,-3 2 0 0,-1-2 0 16,-1 1 0-16,-1 0 0 0,1 0 0 0,-2 2 0 0,0-1 0 15,-1 1 0-15,-2 2 0 0,1 0-144 0,-2 0 144 16,-1 2 0-16,-1 1 0 0,0 1-128 0,-3 1 128 16,0 1 0-16,-2 0 0 0,0-1 0 0,-1 0 0 15,-2 1 0-15,-1-2 0 0,0-1 0 0,-1-2 0 16,-3 0 0-16,-2-2 0 0,0-1 0 0,-2-2 0 16,0 0 0-16,1-2 0 0,0 1 0 0,0-2 0 0,2 2 0 15,-1-3 0-15,6-1 0 0,-3 0 0 0,3-1 0 0,0 0 0 16,0-2 0-16,1 0 0 0,3-1 0 0,0-1 0 15,3 1 0-15,0-1 0 0,1-1 0 16,1 0 0-16,1-2 0 0,2-1-5376 16</inkml:trace>
+  <inkml:trace contextRef="#ctx0" brushRef="#br0" timeOffset="13430.66">15106 6056 2239 0,'-3'1'192'0,"3"-1"-192"16,-1 0 0-16,0 0 0 0,2 0 192 0,-1-1 0 0,0 1 0 0,1-1 0 16,-1 0-192-16,0 0 144 15,0-1-144-15,0 1 128 0,0 1-128 0,-1-1 160 16,-1 2-160-16,0 0 160 0,-2 0 496 0,2 1 112 16,-2 0 0-16,2 1 16 0,0 2 64 0,1 3 16 0,0 2 0 0,1 2 0 15,-1 2-288-15,1 2-48 0,-1 2-16 16,0 2 0-16,-1 1-64 0,0 0 0 0,-1 2-16 0,0 2 0 15,0 2-176-15,-1 0-48 0,-1 2 0 0,1 0 0 16,2 2-208-16,-1-3 144 0,0-3-144 0,0-1 128 16,0-4-128-16,-1-3 0 0,1-3-160 0,0-5 160 15,0-1-704 1,-1-4-32-16,1 0-16 0,1-3 0 16,0-1-256-16,-2-3-48 0,0-1-16 0,0-1 0 0,-1-4 48 15,0-1 16-15</inkml:trace>
+  <inkml:trace contextRef="#ctx0" brushRef="#br0" timeOffset="13731.47">14931 6351 111 0,'-3'-1'0'16,"2"0"0"-16,0 1 0 0,-1 0 0 0,2 0 128 16,-2-1 32-16,-3 1 0 0,-2-1 0 0,1 2 176 0,0 0 48 15,2 0 0-15,2 2 0 0,1 1 144 0,2 1 48 16,0 0 0-16,2 2 0 0,1 0 48 0,1 4 16 16,0 0 0-16,3 1 0 0,-2 1-240 0,1 3-32 15,0-1-16-15,-1 1 0 0,0-2-352 0,-1 0 144 0,2-2-144 0,-1-1 0 16,-2 0 128-16,1-4-128 15,0 0 0-15,0-2 0 0,-1-3 0 0,0-1 0 0,1-1 0 0,-2-1 0 16,1 0 0-16,0-3 0 16,2 0 0-16,-1-2 0 0,2 1 0 0,0-4 0 15,4-1 128-15,-11 10-128 0,0 0 320 0,37-43 16 16,-37 43 0-16,34-41 0 0,-34 41-48 0,30-46-16 0,-30 46 0 16,25-44 0-16,-15 26-272 0,-1 4 0 15,-2 1 0-15,-1 5 0 0,-1 1 0 0,-2 4 0 16,-2 0 0-16,0 2 0 0,1 0 0 0,-2 1 0 0,0 1-128 0,0-1 128 15,0 1-160-15,0-1 16 0,1 0 0 0,-1-1-4176 16</inkml:trace>
+  <inkml:trace contextRef="#ctx0" brushRef="#br0" timeOffset="26907.36">15148 9180 671 0,'-1'0'0'0,"0"-1"0"0,2 1 0 0,-1-1 0 0,-1 0 128 0,-1-1-128 0,2-1 144 0,-3-2-144 0,-1-3 128 0,-1 0-128 15,2-1 0-15,-1 0 0 16,3-1 0-16,-6 1 0 0,-4-1 0 0</inkml:trace>
+  <inkml:trace contextRef="#ctx0" brushRef="#br0" timeOffset="27170.21">15093 9186 1487 0,'-5'4'0'0,"1"-1"128"0,3 0-128 0,0 0 0 0,0-1 0 0,1-1 0 15,0 2 320-15,-1 4 16 16,1 3 16-16,1 5 0 0,0 4 304 0,1 5 64 15,3 0 16-15,0 4 0 0,1 4 32 0,-1 0 0 16,0 0 0-16,-2-1 0 0,0-1-304 0,-1-2-48 0,0-2-16 0,2 1 0 16,0-1-400-16,-2 0 0 0,0 0 0 0,0-3 0 0,-2-3-240 15,0-4-80-15,0-3 0 0,-1-6-16 32,0-4-432-32,-1-4-64 0,0-3-32 0,-1-5-1984 0</inkml:trace>
+  <inkml:trace contextRef="#ctx0" brushRef="#br0" timeOffset="27386.59">15051 9134 911 0,'0'-5'0'0,"-2"3"0"0,2 0 0 0,-2 0 0 16,1 2 0-16,0 0 0 0,-1 1 0 0,-1 1 0 15,-1 1 720-15,-1 4 64 0,-2 1 16 0,0 3 0 0,-2 4-64 0,2 1-16 16,0 3 0-16,-1 3 0 0,-1 2-240 0,3 0-48 15,-1 0-16-15,1-3 0 0,3-1-416 0,-1-4 128 16,3-5-128-16,1-5 0 16,0-3-304-16,1-6-144 0</inkml:trace>
+  <inkml:trace contextRef="#ctx0" brushRef="#br0" timeOffset="27520.09">14977 9236 735 0,'10'-30'0'0,"-8"22"0"0,-1 4 0 0,-1 3 0 0,1-1 0 0,1-2 0 15,3-4 0-15,2-4 0 0,4-1 304 0,0 0-16 16,2 4 0-16,0 5 0 0,1 5-32 0,0 5-16 0,1 5 0 0,0 3 0 15,-1 2 464-15,0 2 80 16,1 2 32-16,-4 0 0 0,3-1-112 0,-4-1 0 0,2 1-16 0,-2-1 0 16,-1 2-544-16,-1 0-144 0,-4 1 0 0,3 0-3552 15</inkml:trace>
+  <inkml:trace contextRef="#ctx0" brushRef="#br0" timeOffset="29861.98">14690 10554 111 0,'-1'1'0'0,"0"0"0"0,1 0 0 0,0-1 0 16,-2 0 0-16,2-1 0 15,-1 2 128-15,-1-1-128 0,-1 0 144 0,0 0-16 0,-2 0-128 0,0 0 192 16,1 0 32-16,-2 0 0 0,1 0 0 0,1 1 0 15,0 0 176-15,0 2 48 0,0 0 0 0,3 2 0 16,-1-1 96-16,2 3 32 0,1 2 0 0,0 3 0 16,2 2-128-16,0 5-32 0,4 2 0 0,0 6 0 15,1 6-176-15,1 5-48 0,-1 7 0 0,2 4 0 16,-2 2-192-16,0-4 0 0,-1-5 128 0,-1-6-128 16,-1-6 0-16,-2-5 0 0,-1-1 0 0,-1-5 0 15,-1 0 0-15,-1-3-192 0,-1-3 16 0,0 1 0 16,-1-3-512-16,-2-2-96 0,0 0-32 0,-1-3 0 15,-1-2 400-15,1-2 80 0,-2-2 16 0,0-3 0 16,-2-1-16-16,0-2 0 0,-1-2 0 0,0-1 0 0,0-1 80 0,0-2 0 16,-2-1 16-16,1 0 0 0,2 0 240 0,0 1-192 15,2 0 192-15,0 4-192 0,1 1 192 0,2 2 0 16,0 3 0-16,1 0 0 0,2 3 0 0,0 0 0 16,1 1 128-16,1-2-128 0,0 2 256 0,1 1-16 15,0 1 0-15,0 0 0 0,-1 0 48 0,2 0 16 16,-1 0 0-16,1 0 0 0,-1-1 176 0,1 1 32 15,1 1 16-15,0-1 0 0,2 1 144 0,-1 0 32 16,4 2 0-16,-1-1 0 0,4 3-192 0,-1-1-48 16,4 2 0-16,-1 0 0 0,3 1-464 0,-1 0 128 15,3-1-128-15,-1-1 0 0,1 0 0 0,-1-3 0 16,0-1 0-16,-2-4-160 0,-3-2 160 0,-1-3-192 16,-1-3 192-16,0-3-192 0,-1-5 192 0,-1-5 0 15,1-7 0-15,0-7 0 0,-1-3 0 0,0-6 0 0,0-1 0 0,-1-3 0 16,-1 2 0-16,1 2 0 0,-1 3 0 0,1 7-128 15,0 9-192-15,-1 7-48 0,-1 6 0 0,0 6-2848 16</inkml:trace>
+  <inkml:trace contextRef="#ctx0" brushRef="#br0" timeOffset="40275.35">18988 7171 1951 0,'0'-1'176'0,"0"1"-176"0,0 0 0 0,0-1 0 16,0 1 192-16,0 0 16 0,1-1 0 0,-1 0 0 15,0 0 48-15,0-1 16 0,0 1 0 0,2-1 0 16,-1 1 0-16,1 0 0 0,0 1 0 0,1 0 0 0,2 2 128 15,-1-1 32-15,1 2 0 0,3-1 0 16,0 1 128-16,2 0 16 0,-10-3 16 0,0 0 0 0,46 11-272 0,-46-11-48 16,45 6-16-16,-45-6 0 0,57 5-128 0,-57-5-128 15,62 4 144-15,-62-4-144 0,63-1 240 0,-63 1-48 16,54-2-16-16,-54 2 0 0,64-4-48 0,-64 4-128 16,81-3 192-16,-35 3-64 0,1 0-128 0,2 2 0 0,0 1 0 0,3 0 0 15,2 2 0-15,-1-2 0 16,0 2 0-16,-5-1 0 0,-3 0 0 0,-45-4 0 15,69 4 0-15,-69-4 0 0,75 4 0 0,-30-2 0 16,5-1 128-16,1-1-128 0,-4-1 128 0,-47 1-128 16,81-3 0-16,-81 3 128 0,62-5-128 0,-62 5 0 15,50-4 0-15,-50 4 0 0,48-7 0 0,-48 7 0 16,52-7 0-16,-52 7 0 0,52-6 0 0,-52 6 0 0,49-6 0 0,-49 6 0 16,0 0 0-16,58-3 0 0,-58 3 0 0,0 0 0 15,38 3 0-15,-30-1 0 0,-4 0 0 0,1 0 0 16,-2 1 0-16,-2-1 0 0,-1 0 0 0,0 1 0 15,-2 0-128-15,0-1 128 0,0 1 0 0,-1 0 0 16,1-1 0-16,0 1 0 0,0-1 0 0,1 0 0 16,-1-1-192-16,1 1 192 0,0 0-160 0,-2-1 160 31,3 1-704-31,-1-2-64 0</inkml:trace>
+  <inkml:trace contextRef="#ctx0" brushRef="#br0" timeOffset="51561.72">19324 6591 1951 0,'-3'1'176'0,"0"0"-176"0,1-1 0 0,1 0 0 15,-1 1 592-15,2-1 96 0,-1 1 16 0,-3 1 0 16,0-1 352-16,-1 0 80 0,3 0 16 0,1 0 0 15,1 0-592-15,1-1-112 0,3 0-32 0,-1 0 0 16,5 1 400-16,-1-1 80 0,2 1 0 0,2 0 16 16,-1 2-80-16,2 0 0 0,0 1-16 0,-3 0 0 0,1 0-352 0,-3 2-64 15,0 1-16-15,-4 0 0 16,1 2-384-16,-3 1 128 0,0 2-128 0,-3 0 0 16,-1 1 0-16,-2 0 0 0,-3-1 0 0,1-1 0 15,-3-1 0-15,0-2 0 0,0-1-160 0,-2-2 160 16,-1-3-880-16,2 0-80 0,-2-2 0 0,-2-1-16 15,2 0 80-15,0-1 0 0,0 0 16 0,1 0 0 16,-1 0 576-16,3 1 112 0,2 2 32 0,2 0 0 0,3 2 720 0,3-1 144 16,2 0 16-16,3 2 16 0,0 2 192 0,4 0 32 15,1 2 16-15,2-1 0 0,3-2-736 0,1 1-240 16,-16-6 128-16,38 6-128 0,-38-6 0 0,43 2 0 16,-43-2 0-16,0 0 0 15,65-11-1472-15,-65 11-192 0</inkml:trace>
+  <inkml:trace contextRef="#ctx0" brushRef="#br0" timeOffset="51950.13">20124 6405 2815 0,'-2'6'256'0,"-1"-3"-256"0,2 1 0 0,0-1 0 16,-1-1 704-16,1 0 80 0,-1 1 32 0,-3 3 0 15,-2 5 192-15,-5 7 32 0,-3 6 16 0,-4 4 0 16,1 4-416-16,-4 3-64 0,0 3-32 0,2 1 0 16,3 3-224-16,3-2-32 0,4-2-16 0,8-6 0 15,4-7-272-15,7-6 0 0,1-5 0 0,2-4 0 16,-12-10-400 0,0 0-48-16,43 6 0 0,-43-6 0 15,0 0-272-15,43-12-64 0,-43 12-16 0,0 0 0 0,43-28 416 0,-43 28 64 0,0 0 32 0,40-44 0 0,-40 44 288 0,0 0 0 16,24-43 0-16,-19 31 144 15,-2 1 512-15,-2 4 112 0,-2 1 0 0,-3 3 16 16,-2 2 896-16,-1 3 176 0,-3 4 48 0,0 2 0 16,-1 1-656-16,-3 4-128 0,-3 3-32 0,0 2 0 0,-2-1-848 15,4-1-240-15,-1-1 0 0,1-3 0 0,2-2 0 16,2-3 0-16,3-2 0 0,0-2 0 0,3-2-288 0,3-3-96 16,0 0 0-16,1-4-5504 15,1 0-1104-15</inkml:trace>
+  <inkml:trace contextRef="#ctx0" brushRef="#br0" timeOffset="54394.4">17590 8881 447 0,'-1'-1'0'0,"1"1"0"0,0 0 0 0,0-1 0 0,1 1 144 0,-1 0-16 16,0-1 0-16,0-1 0 0,1 0 128 0,-2 0 0 15,2 1 16-15,0 0 0 0,0 0 0 0,1 1 0 16,-2 0 0-16,2 0 0 16,1 0 48-16,0 1 0 0,2-1 0 0,1 1 0 15,1 1-64-15,4-1 0 0,-11-1 0 0,0 0 0 0,47 4 128 0,-47-4 0 16,40-1 16-16,-40 1 0 0,0 0 240 0,59-1 32 15,-59 1 16-15,0 0 0 0,50-3-256 0,-50 3-48 16,0 0-16-16,47-2 0 0,-47 2-224 0,0 0-144 16,49 0 192-16,-49 0-192 0,0 0 368 0,52 1-48 0,-52-1 0 0,41 1 0 15,-41-1 96-15,49 1 16 16,-49-1 0-16,51 3 0 0,-51-3-240 0,49 3-32 16,-49-3-16-16,48 4 0 0,-48-4 48 0,48 4 0 15,-48-4 0-15,44 3 0 0,-44-3-192 0,49 5 128 16,-49-5-128-16,54 2 128 0,-54-2 80 0,56 3 16 0,-56-3 0 15,47 1 0-15,-47-1 32 0,39 1 16 16,-39-1 0-16,0 0 0 0,50-2-16 0,-50 2 0 0,0 0 0 0,52-4 0 16,-52 4-128-16,0 0-128 0,57-6 144 0,-57 6-144 15,0 0 0-15,63-9 0 0,-63 9 0 0,45-5 0 16,-45 5 0-16,42-4 0 0,-42 4 0 0,0 0 0 16,53 0 0-16,-53 0 0 0,0 0 0 0,50 3 0 15,-50-3 0-15,0 0 0 0,54 0 0 0,-54 0 0 16,38 0 0-16,-38 0 0 0,42-2 0 0,-42 2 0 15,47-2 0-15,-47 2 0 0,48-4 0 0,-48 4 0 16,43-3 0-16,-43 3 0 0,0 0 0 0,52 1 0 16,-37 0 0-16,-2 1 0 0,0 0 0 0,-1 0 0 0,2 0 0 0,-2-1 0 15,2 1 0-15,1-1 0 0,0 0 0 0,2-1-192 32,0 0 192-32,-17 0-160 0,42 0 160 0,-42 0 192 0,47 0-32 0,-47 0-16 15,47-2-16-15,-47 2-128 0,41-3 192 0,-41 3-64 16,0 0 0-16,50-1-128 0,-36 2 192 0,-1-1-64 0,0 0-128 0,-1 1 0 15,0 0 0-15,0 0 0 0,1 0 0 0,1 0 0 16,0 0 0-16,2 1 0 0,-1 0 0 0,4 0 0 16,1-1-144-16,0 0 144 0,-20-1 0 0,44 0 0 15,-44 0 128-15,42-1-128 0,-42 1 0 0,0 0 0 0,51-2 0 16,-38 1 0-16,-3 1 0 0,4-1 0 16,-4 1 0-16,2 0 0 0,0 0 0 0,-1 0 0 0,0 0 0 0,0 0 0 15,-1 0 0-15,1-1 0 0,0 0 0 0,0 0 0 16,-2 0 0-16,2 0 0 15,0 0 0-15,-1 0 0 0,1 0 0 0,-3 0 0 0,1 0-160 0,0 0 160 16,-2 2 0-16,-1-1 0 0,-1 0 0 16,-1 0 128-16,-2 0-128 0,1 1 0 0,-3-1-128 0,0 0-5328 15,0 0-1072 1</inkml:trace>
+  <inkml:trace contextRef="#ctx0" brushRef="#br0" timeOffset="55568.34">20785 8741 1263 0,'0'-2'0'0,"0"0"0"0,-1 1 0 0,-1 0 0 0,2 1 624 15,-1-1 16-15,-1-3 0 0,-3 1 0 0,-2-1 288 0,-1 2 64 16,-4 2 16-16,-1 3 0 0,-1 4-336 0,-3 2-64 15,-2 2-16-15,-2 3 0 0,0 1-112 0,0 2-32 16,3 1 0-16,4-1 0 0,4 2 240 0,3-1 32 16,5-1 16-16,2-1 0 0,2-2-336 0,5-1-64 15,0-1-16-15,1-2 0 0,4-2-320 0,0-2 0 16,3 1 0-16,-15-7 0 0,33 6 0 0,-33-6 0 16,0 0 0-16,52-1 0 0,-52 1 0 0,0 0 0 15,52-22 0-15,-52 22 0 0,0 0 0 0,48-36 128 16,-48 36-128-16,0 0 128 0,39-45 0 0,-33 32 0 15,-1 0 0-15,-5 2 0 0,-1 2-128 0,-4 2 144 0,-1 2-144 0,-4 1 160 16,1 1 368-16,-2 2 80 16,-4 1 16-16,-2 1 0 0,-2 2 112 0,-1 0 32 15,-1 3 0-15,-2 0 0 0,1 0-512 0,1 1-80 16,1-1-32-16,3-3 0 0,4 1-144 0,3-3 0 0,4-1 0 0,5-2 0 31,2 0-464-31,4-2-32 0,3-1 0 0,-8 5-8384 0</inkml:trace>
+  <inkml:trace contextRef="#ctx0" brushRef="#br0" timeOffset="56479.98">20779 8584 111 0,'2'-1'0'0,"-2"1"0"0,1 0 0 0,-1-1 0 16,0 1 144-16,0 0 32 0,2 1 0 0,-1-1 0 0,0 1 144 0,0 0 48 15,-1 1 0-15,0 0 0 16,0 1 16-16,-1 2 0 0,-3 1 0 0,2 0 0 0,-4 4 112 0,-1 2 16 16,-1 1 16-16,-3 3 0 15,1 1-80-15,-3 0 0 0,-1 3-16 0,1-1 0 16,-2-1 48-16,2-1 16 0,1-2 0 0,1-1 0 15,1-5-496-15,5-1-208 0,1-3 16 0,3-1-3488 16</inkml:trace>
+  <inkml:trace contextRef="#ctx0" brushRef="#br0" timeOffset="57130.05">21318 8691 111 0,'-4'-5'0'0,"2"1"0"0,-1 0 0 0,1 1 0 15,1 2 320-15,1 1 48 0,0 1 16 0,-1-2 0 0,0 0 656 0,0-1 144 16,2 1 32-16,0 1 0 0,1 0-64 0,3 0 0 16,1 1 0-16,2 1 0 0,1 0 48 0,3 2 0 15,2 0 0-15,-1 1 0 0,3 2-160 0,0 0-16 16,0 1-16-16,-1 1 0 0,0 1-608 0,-1-1-112 16,-3 2-32-16,-2-1 0 0,-3 1-256 0,-1 0 0 15,-2-2 0-15,-3 0 0 0,0 2 0 0,-2-3-144 16,-2 1 144-16,0-2-128 15,-3 2-304-15,-1-3-48 0,0 1-16 0,-1-1 0 16,-2-2-32-16,0 0-16 0,-3 0 0 0,-1 0 0 0,1-1 416 0,-1 0 128 16,3 0 0-16,2-1 0 0,1 0 0 0,5 0 0 15,1-2 0-15,2 1 0 0,2-1 576 0,1 1 0 16,2 0 16-16,2-1 0 0,1 1-304 0,0 0-64 16,3 1-16-16,1 0 0 0,-11-2-208 0,0 0 0 0,39 10 0 0,-39-10 0 15,28 6 0-15,-28-6 128 0,27 8-128 0,-15-6 0 16,1 1 0-16,-1-1 0 0,-1 0 128 0,-2-2-128 15,0 0 0-15,-1 0 0 0,-2-1 128 0,-2 0-128 16,0 0 0-16,-2 1 0 0,-2 0 0 0,0 0-160 31,0 1-768-31,-2-1-160 0</inkml:trace>
+  <inkml:trace contextRef="#ctx0" brushRef="#br0" timeOffset="84117.98">14188 6262 1487 0,'0'5'128'0,"-1"1"-128"0,1-2 0 0,0-1 0 15,1 0 416-15,-1 1 48 0,2 6 16 0,-1 4 0 0,0 6 176 0,0 4 48 16,1 0 0-16,-1-1 0 16,0 0-368-16,-1-3-64 0,0 1-16 0,0 0 0 15,0-1-48-15,-1-1-16 0,0 2 0 0,-2-2 0 16,-1 1 144-16,2-1 32 0,-1 3 0 0,1 2 0 15,0 2-48-15,-1 3-16 0,3 2 0 0,0 0 0 0,0 0-80 0,2-2-16 16,0-1 0-16,-1-2 0 0,3-1-208 0,-1-3 176 16,1 0-176-16,-1 0 160 0,-1-1-160 0,2 3 0 15,0 1 0-15,-2 1 0 0,0 0 0 0,-2 2 128 16,1 1-128-16,-1 1 128 0,0 2-128 0,0-3 0 16,-1-1 0-16,-1-1 128 0,0 0 0 0,-1-2-128 15,3 2 192-15,-2-2-64 0,1 2 176 0,-1 1 16 16,2 2 16-16,0 1 0 0,0 1-192 0,2-2-144 0,-2 1 192 15,-2-3-192-15,2 0 0 0,0-2 0 0,0 1 0 0,-1 2 0 16,-2-2 176-16,0 3-176 0,0 2 160 0,-1 0-160 16,1 1 0-16,-2-2 0 15,0 1 0-15,0-3 0 0,1-1 0 0,0-3 0 16,-1 0 0-16,3-1 0 0,0 1 0 0,-2 1 0 0,0 1 0 0,1 1 0 16,0 2 128-16,0-1-128 0,-2 0 0 0,0 1 0 15,3 1 272-15,-1-1-32 0,-1 1-16 0,1 2 0 16,-1 2 64-16,0 3 16 0,1 1 0 0,-1 5 0 15,-1 3-176-15,-1-2-128 0,2-2 192 0,-1-2-192 0,0-4 0 16,2 2 0-16,0 3 0 0,-1-1 0 16,1 2 0-16,-1-2 0 0,2-4 0 0,-3-4 0 15,2-4 0-15,-1-2 0 0,1-1 0 0,0 1 0 16,-1 0 192-16,1 0-32 0,0 2 0 0,0 0 0 16,-2 0 224-16,0-1 32 0,4 1 16 0,-3 0 0 15,3-3-224-15,-2-2-32 0,1-3-16 0,1-1 0 16,0-2-160-16,1 2 0 0,1-2 0 0,-1 2 0 0,2-1 0 0,-1 1 0 15,-1-2 0-15,0-1 0 0,2 0 0 16,-2-1-144-16,0 0 144 0,-2 0 0 0,2 1 0 0,-2-1 0 16,1 0 0-16,-2 0 0 0,1 1 0 0,-1-2 0 15,1 0 0-15,1-1 0 0,0 2 0 0,-1-2 0 0,0-1 0 16,-1 1 0-16,3 0 0 0,-1 0 0 16,-1 1 0-16,0-1 0 0,1 0 0 0,-1 0 0 0,1 1 0 0,1-1 0 15,-1-1 0-15,0 1 0 16,1 1 0-16,0-1 0 0,0 2 0 0,1 0 0 15,-1 2 0-15,1-2 0 0,-1 0 0 0,0-2 0 16,1 1 0-16,0-1 0 0,-1 0 0 0,0-1 0 16,0 1 0-16,0-1 0 0,0-2 0 0,0-1 0 15,-1 3 0-15,1-2 0 0,0 1 0 0,0 1 0 16,1 0 0-16,0 0 0 0,0 0 0 0,1 0 0 0,-1 2 0 0,0-2 0 16,0 0 0-16,1 1 0 0,0-1 0 15,-1 0 0-15,-1 0 0 0,0-1 0 0,0 2 0 0,0-2 0 16,-1 2 0-16,0-1 0 0,0 0 0 0,1 0 0 15,-2-2 0-15,2 0 0 0,0 1 0 0,0-2 0 16,0 1 0-16,0-2 0 0,2-1 0 0,-1 0 0 16,-1-1 0-16,0 0 0 0,1 0 0 0,-2 1 0 15,1-2 0-15,0 1 0 0,-1 0 0 0,1-1 0 16,-2 1 128-16,2-1-128 0,0 1 0 0,0-1 0 16,0-1 0-16,-1 0 128 0,1 2-128 0,0-3 0 0,0 1 128 15,1 0-128-15,-1-2 176 0,0 1-176 0,2-1 0 0,-2-1 0 16,1 0 0-16,-2 0 0 15,1 0 0-15,0-1 0 0,-2 0 0 0,1-1 0 0,-3 0 0 16,2-1 0-16,-2-1 0 0,-2-5-8384 16</inkml:trace>
+</inkml:ink>
+</file>
+
+<file path=ppt/ink/ink2.xml><?xml version="1.0" encoding="utf-8"?>
+<inkml:ink xmlns:inkml="http://www.w3.org/2003/InkML">
+  <inkml:definitions>
+    <inkml:context xml:id="ctx0">
+      <inkml:inkSource xml:id="inkSrc0">
+        <inkml:traceFormat>
+          <inkml:channel name="X" type="integer" max="30347" units="cm"/>
+          <inkml:channel name="Y" type="integer" max="20231" units="cm"/>
+          <inkml:channel name="F" type="integer" max="65535" units="dev"/>
+          <inkml:channel name="T" type="integer" max="2.14748E9" units="dev"/>
+        </inkml:traceFormat>
+        <inkml:channelProperties>
+          <inkml:channelProperty channel="X" name="resolution" value="1000.23071" units="1/cm"/>
+          <inkml:channelProperty channel="Y" name="resolution" value="1000.04944" units="1/cm"/>
+          <inkml:channelProperty channel="F" name="resolution" value="0" units="1/dev"/>
+          <inkml:channelProperty channel="T" name="resolution" value="1" units="1/dev"/>
+        </inkml:channelProperties>
+      </inkml:inkSource>
+      <inkml:timestamp xml:id="ts0" timeString="2025-05-06T05:05:04.714"/>
+    </inkml:context>
+    <inkml:brush xml:id="br0">
+      <inkml:brushProperty name="width" value="0.05292" units="cm"/>
+      <inkml:brushProperty name="height" value="0.05292" units="cm"/>
+      <inkml:brushProperty name="color" value="#FF0000"/>
+    </inkml:brush>
+  </inkml:definitions>
+  <inkml:trace contextRef="#ctx0" brushRef="#br0">5274 14622 111 0,'-2'-6'0'0,"1"2"0"0,0 0 0 0,0 2 0 0,-1 2 192 0,2 0 48 16,0-1 0-16,-2 0 0 0,-1-1 512 0,1 0 96 15,-1 2 32-15,1 0 0 0,-1 3 608 0,1 1 128 16,0 3 32-16,2 3 0 0,1 3-16 0,0 2 0 15,4 4 0-15,-1 3 0 0,1 3-640 0,3 1-128 16,-1 1-32-16,0 4 0 0,3 3-528 0,0 3-112 16,3 1-32-16,-2-3 0 0,1-4-160 0,0-5-256 0,1-4 64 0,-3-5 16 31,-1-6-1424-31,-2-3-304 0,0-1-48 0,-3-3-16 16,-1-2 48-16,-1-1 16 0</inkml:trace>
+  <inkml:trace contextRef="#ctx0" brushRef="#br0" timeOffset="190.48">5283 14693 2239 0,'0'0'0'0,"-2"0"192"0,2 0-192 0,-1 0 0 16,1 0 0-16,-1 1 0 16,2-1 1104-16,-3 1 176 0,-1 3 48 0,0 1 0 15,-2 5 512-15,0 2 96 0,0 4 32 0,0 3 0 16,-2 4-1248-16,2 2-240 0,-2 5-48 0,-2 1-16 15,2 1-976-15,-1-3-192 0,3-3-32 0,1-7-3360 16,-1-7-656-16</inkml:trace>
+  <inkml:trace contextRef="#ctx0" brushRef="#br0" timeOffset="342.86">5199 14789 623 0,'3'-5'0'0,"-1"3"0"0,1 0 0 0,-2 0 0 15,0 2 0-15,2 0 0 0,-1 0 384 0,3 0 0 16,2 1 16-16,3 1 0 0,4 1 608 0,1 0 112 15,1 3 32-15,2 1 0 0,0 0-32 0,2 2 0 16,2-1 0-16,3 0 0 0,1-2-592 0,-1 1-112 16,2-2-32-16,-3 2-5312 0</inkml:trace>
+</inkml:ink>
+</file>
+
+<file path=ppt/ink/ink3.xml><?xml version="1.0" encoding="utf-8"?>
+<inkml:ink xmlns:inkml="http://www.w3.org/2003/InkML">
+  <inkml:definitions>
+    <inkml:context xml:id="ctx0">
+      <inkml:inkSource xml:id="inkSrc0">
+        <inkml:traceFormat>
+          <inkml:channel name="X" type="integer" max="30347" units="cm"/>
+          <inkml:channel name="Y" type="integer" max="20231" units="cm"/>
+          <inkml:channel name="F" type="integer" max="65535" units="dev"/>
+          <inkml:channel name="T" type="integer" max="2.14748E9" units="dev"/>
+        </inkml:traceFormat>
+        <inkml:channelProperties>
+          <inkml:channelProperty channel="X" name="resolution" value="1000.23071" units="1/cm"/>
+          <inkml:channelProperty channel="Y" name="resolution" value="1000.04944" units="1/cm"/>
+          <inkml:channelProperty channel="F" name="resolution" value="0" units="1/dev"/>
+          <inkml:channelProperty channel="T" name="resolution" value="1" units="1/dev"/>
+        </inkml:channelProperties>
+      </inkml:inkSource>
+      <inkml:timestamp xml:id="ts0" timeString="2025-05-06T05:05:53.193"/>
+    </inkml:context>
+    <inkml:brush xml:id="br0">
+      <inkml:brushProperty name="width" value="0.05292" units="cm"/>
+      <inkml:brushProperty name="height" value="0.05292" units="cm"/>
+      <inkml:brushProperty name="color" value="#FF0000"/>
+    </inkml:brush>
+  </inkml:definitions>
+  <inkml:trace contextRef="#ctx0" brushRef="#br0">2213 11458 111 0,'-1'1'0'0,"-1"-1"0"16,2 1 0-16,-1-2 0 0,1 2 0 0,-1-1 208 16,0 1-64-16,0 0-16 0,-2 1 80 0,0-1 16 15,1 0 0-15,0 0 0 0,0 0 144 0,2-1 16 16,-1 0 16-16,-1-1 0 0,2 1-80 0,0-1 0 16,0 1-16-16,0 0 0 0,2 0-48 0,-2 0-16 15,1 0 0-15,0 0 0 0,2 0 48 0,0 0 16 0,2 0 0 0,-1 0 0 16,1 0 144-16,3 0 16 0,0-2 16 0,1 1 0 15,0 2 16-15,0-1 0 0,1 0 0 0,1 1 0 16,1 0 16-16,2 1 0 0,1 1 0 0,2 0 0 16,2 0 192-16,2 0 64 15,-21-3 0-15,51 3 0 0,-51-3-192 0,62-1-16 0,-62 1-16 16,61-5 0-16,-61 5-320 0,51-6-64 16,-51 6-16-16,0 0 0 0,66-16-144 0,-66 16 0 0,0 0 0 0,0 0 128 15,56-14-128-15,-46 13 0 0,-2 0 0 0,-1 1 0 16,-1 1 0-16,-1 0 0 0,0 0 0 0,-1 1 0 15,-2-1 0-15,2 1 0 0,0 0 0 0,-1-1 0 0,-1 0 0 0,-1-1 0 16,0 1 0-16,-1-1 0 16,-1 0-576-16,0-1-160 0</inkml:trace>
+</inkml:ink>
 </file>
 
 <file path=ppt/notesMasters/notesMaster1.xml><?xml version="1.0" encoding="utf-8"?>
@@ -6751,7 +6861,7 @@
           <a:p>
             <a:r>
               <a:rPr lang="en-US" altLang="zh-TW" dirty="0"/>
-              <a:t>Impact of Analog Loss</a:t>
+              <a:t>Part B : Impact of Analog Loss</a:t>
             </a:r>
             <a:endParaRPr lang="zh-TW" altLang="en-US" dirty="0"/>
           </a:p>
@@ -6800,7 +6910,7 @@
             <a:pPr lvl="2"/>
             <a:r>
               <a:rPr lang="en-US" altLang="zh-TW" dirty="0"/>
-              <a:t>Use a simpler dataset CIFAR-103</a:t>
+              <a:t>Use a simpler dataset CIFAR-10</a:t>
             </a:r>
           </a:p>
           <a:p>
@@ -7617,7 +7727,7 @@
           <a:p>
             <a:r>
               <a:rPr lang="en-US" altLang="zh-TW" dirty="0"/>
-              <a:t>Impact of Analog Loss</a:t>
+              <a:t>Part B : Impact of Analog Loss</a:t>
             </a:r>
             <a:endParaRPr lang="zh-TW" altLang="en-US" dirty="0"/>
           </a:p>
@@ -8227,7 +8337,7 @@
           <a:p>
             <a:r>
               <a:rPr lang="en-US" altLang="zh-TW" dirty="0"/>
-              <a:t>Impact of Analog Loss</a:t>
+              <a:t>Part B : Impact of Analog Loss</a:t>
             </a:r>
             <a:endParaRPr lang="zh-TW" altLang="en-US" dirty="0"/>
           </a:p>
@@ -9126,6 +9236,93 @@
           </a:p>
         </p:txBody>
       </p:sp>
+      <p:pic>
+        <p:nvPicPr>
+          <p:cNvPr id="7" name="圖片 6">
+            <a:extLst>
+              <a:ext uri="{FF2B5EF4-FFF2-40B4-BE49-F238E27FC236}">
+                <a16:creationId xmlns:a16="http://schemas.microsoft.com/office/drawing/2014/main" id="{F9928171-6202-C340-F6DA-60D998BEAB0B}"/>
+              </a:ext>
+            </a:extLst>
+          </p:cNvPr>
+          <p:cNvPicPr>
+            <a:picLocks noChangeAspect="1"/>
+          </p:cNvPicPr>
+          <p:nvPr/>
+        </p:nvPicPr>
+        <p:blipFill>
+          <a:blip r:embed="rId4"/>
+          <a:srcRect r="74399"/>
+          <a:stretch/>
+        </p:blipFill>
+        <p:spPr>
+          <a:xfrm>
+            <a:off x="7422472" y="2071877"/>
+            <a:ext cx="792874" cy="694499"/>
+          </a:xfrm>
+          <a:prstGeom prst="rect">
+            <a:avLst/>
+          </a:prstGeom>
+        </p:spPr>
+      </p:pic>
+      <p:pic>
+        <p:nvPicPr>
+          <p:cNvPr id="12" name="圖片 11">
+            <a:extLst>
+              <a:ext uri="{FF2B5EF4-FFF2-40B4-BE49-F238E27FC236}">
+                <a16:creationId xmlns:a16="http://schemas.microsoft.com/office/drawing/2014/main" id="{795B5BB6-EAA4-0C0C-B76C-C6527A3B5295}"/>
+              </a:ext>
+            </a:extLst>
+          </p:cNvPr>
+          <p:cNvPicPr>
+            <a:picLocks noChangeAspect="1"/>
+          </p:cNvPicPr>
+          <p:nvPr/>
+        </p:nvPicPr>
+        <p:blipFill>
+          <a:blip r:embed="rId4"/>
+          <a:srcRect l="35826" t="2823" r="38573" b="-2823"/>
+          <a:stretch/>
+        </p:blipFill>
+        <p:spPr>
+          <a:xfrm>
+            <a:off x="7379932" y="2809275"/>
+            <a:ext cx="792874" cy="694499"/>
+          </a:xfrm>
+          <a:prstGeom prst="rect">
+            <a:avLst/>
+          </a:prstGeom>
+        </p:spPr>
+      </p:pic>
+      <p:pic>
+        <p:nvPicPr>
+          <p:cNvPr id="16" name="圖片 15">
+            <a:extLst>
+              <a:ext uri="{FF2B5EF4-FFF2-40B4-BE49-F238E27FC236}">
+                <a16:creationId xmlns:a16="http://schemas.microsoft.com/office/drawing/2014/main" id="{539FAFAD-FF85-7C78-8D05-07E9FE720280}"/>
+              </a:ext>
+            </a:extLst>
+          </p:cNvPr>
+          <p:cNvPicPr>
+            <a:picLocks noChangeAspect="1"/>
+          </p:cNvPicPr>
+          <p:nvPr/>
+        </p:nvPicPr>
+        <p:blipFill>
+          <a:blip r:embed="rId4"/>
+          <a:srcRect l="72986" t="474" r="1413" b="-474"/>
+          <a:stretch/>
+        </p:blipFill>
+        <p:spPr>
+          <a:xfrm>
+            <a:off x="7336164" y="3586484"/>
+            <a:ext cx="792874" cy="694499"/>
+          </a:xfrm>
+          <a:prstGeom prst="rect">
+            <a:avLst/>
+          </a:prstGeom>
+        </p:spPr>
+      </p:pic>
     </p:spTree>
     <p:extLst>
       <p:ext uri="{BB962C8B-B14F-4D97-AF65-F5344CB8AC3E}">
@@ -10243,6 +10440,57 @@
           </a:p>
         </p:txBody>
       </p:sp>
+      <mc:AlternateContent xmlns:mc="http://schemas.openxmlformats.org/markup-compatibility/2006">
+        <mc:Choice xmlns:p14="http://schemas.microsoft.com/office/powerpoint/2010/main" Requires="p14">
+          <p:contentPart p14:bwMode="auto" r:id="rId5">
+            <p14:nvContentPartPr>
+              <p14:cNvPr id="7" name="筆跡 6">
+                <a:extLst>
+                  <a:ext uri="{FF2B5EF4-FFF2-40B4-BE49-F238E27FC236}">
+                    <a16:creationId xmlns:a16="http://schemas.microsoft.com/office/drawing/2014/main" id="{047F0959-9E3E-BCDC-637D-B4BE1C98C5AE}"/>
+                  </a:ext>
+                </a:extLst>
+              </p14:cNvPr>
+              <p14:cNvContentPartPr/>
+              <p14:nvPr/>
+            </p14:nvContentPartPr>
+            <p14:xfrm>
+              <a:off x="5025960" y="2177640"/>
+              <a:ext cx="2850120" cy="1875240"/>
+            </p14:xfrm>
+          </p:contentPart>
+        </mc:Choice>
+        <mc:Fallback>
+          <p:pic>
+            <p:nvPicPr>
+              <p:cNvPr id="7" name="筆跡 6">
+                <a:extLst>
+                  <a:ext uri="{FF2B5EF4-FFF2-40B4-BE49-F238E27FC236}">
+                    <a16:creationId xmlns:a16="http://schemas.microsoft.com/office/drawing/2014/main" id="{047F0959-9E3E-BCDC-637D-B4BE1C98C5AE}"/>
+                  </a:ext>
+                </a:extLst>
+              </p:cNvPr>
+              <p:cNvPicPr/>
+              <p:nvPr/>
+            </p:nvPicPr>
+            <p:blipFill>
+              <a:blip r:embed="rId6"/>
+              <a:stretch>
+                <a:fillRect/>
+              </a:stretch>
+            </p:blipFill>
+            <p:spPr>
+              <a:xfrm>
+                <a:off x="5016600" y="2168280"/>
+                <a:ext cx="2868840" cy="1893960"/>
+              </a:xfrm>
+              <a:prstGeom prst="rect">
+                <a:avLst/>
+              </a:prstGeom>
+            </p:spPr>
+          </p:pic>
+        </mc:Fallback>
+      </mc:AlternateContent>
     </p:spTree>
     <p:extLst>
       <p:ext uri="{BB962C8B-B14F-4D97-AF65-F5344CB8AC3E}">
@@ -11569,6 +11817,57 @@
           </p:txBody>
         </p:sp>
       </p:grpSp>
+      <mc:AlternateContent xmlns:mc="http://schemas.openxmlformats.org/markup-compatibility/2006">
+        <mc:Choice xmlns:p14="http://schemas.microsoft.com/office/powerpoint/2010/main" Requires="p14">
+          <p:contentPart p14:bwMode="auto" r:id="rId7">
+            <p14:nvContentPartPr>
+              <p14:cNvPr id="6" name="筆跡 5">
+                <a:extLst>
+                  <a:ext uri="{FF2B5EF4-FFF2-40B4-BE49-F238E27FC236}">
+                    <a16:creationId xmlns:a16="http://schemas.microsoft.com/office/drawing/2014/main" id="{294D73CA-4F27-9593-EC05-E7B0B8CA2AF9}"/>
+                  </a:ext>
+                </a:extLst>
+              </p14:cNvPr>
+              <p14:cNvContentPartPr/>
+              <p14:nvPr/>
+            </p14:nvContentPartPr>
+            <p14:xfrm>
+              <a:off x="1870200" y="5256000"/>
+              <a:ext cx="105120" cy="171360"/>
+            </p14:xfrm>
+          </p:contentPart>
+        </mc:Choice>
+        <mc:Fallback>
+          <p:pic>
+            <p:nvPicPr>
+              <p:cNvPr id="6" name="筆跡 5">
+                <a:extLst>
+                  <a:ext uri="{FF2B5EF4-FFF2-40B4-BE49-F238E27FC236}">
+                    <a16:creationId xmlns:a16="http://schemas.microsoft.com/office/drawing/2014/main" id="{294D73CA-4F27-9593-EC05-E7B0B8CA2AF9}"/>
+                  </a:ext>
+                </a:extLst>
+              </p:cNvPr>
+              <p:cNvPicPr/>
+              <p:nvPr/>
+            </p:nvPicPr>
+            <p:blipFill>
+              <a:blip r:embed="rId8"/>
+              <a:stretch>
+                <a:fillRect/>
+              </a:stretch>
+            </p:blipFill>
+            <p:spPr>
+              <a:xfrm>
+                <a:off x="1860840" y="5246640"/>
+                <a:ext cx="123840" cy="190080"/>
+              </a:xfrm>
+              <a:prstGeom prst="rect">
+                <a:avLst/>
+              </a:prstGeom>
+            </p:spPr>
+          </p:pic>
+        </mc:Fallback>
+      </mc:AlternateContent>
     </p:spTree>
     <p:extLst>
       <p:ext uri="{BB962C8B-B14F-4D97-AF65-F5344CB8AC3E}">
@@ -11865,6 +12164,57 @@
           </a:p>
         </p:txBody>
       </p:sp>
+      <mc:AlternateContent xmlns:mc="http://schemas.openxmlformats.org/markup-compatibility/2006">
+        <mc:Choice xmlns:p14="http://schemas.microsoft.com/office/powerpoint/2010/main" Requires="p14">
+          <p:contentPart p14:bwMode="auto" r:id="rId4">
+            <p14:nvContentPartPr>
+              <p14:cNvPr id="6" name="筆跡 5">
+                <a:extLst>
+                  <a:ext uri="{FF2B5EF4-FFF2-40B4-BE49-F238E27FC236}">
+                    <a16:creationId xmlns:a16="http://schemas.microsoft.com/office/drawing/2014/main" id="{00B74192-021D-6EAF-60ED-E9041AFC26DE}"/>
+                  </a:ext>
+                </a:extLst>
+              </p14:cNvPr>
+              <p14:cNvContentPartPr/>
+              <p14:nvPr/>
+            </p14:nvContentPartPr>
+            <p14:xfrm>
+              <a:off x="788760" y="4118040"/>
+              <a:ext cx="214560" cy="16200"/>
+            </p14:xfrm>
+          </p:contentPart>
+        </mc:Choice>
+        <mc:Fallback>
+          <p:pic>
+            <p:nvPicPr>
+              <p:cNvPr id="6" name="筆跡 5">
+                <a:extLst>
+                  <a:ext uri="{FF2B5EF4-FFF2-40B4-BE49-F238E27FC236}">
+                    <a16:creationId xmlns:a16="http://schemas.microsoft.com/office/drawing/2014/main" id="{00B74192-021D-6EAF-60ED-E9041AFC26DE}"/>
+                  </a:ext>
+                </a:extLst>
+              </p:cNvPr>
+              <p:cNvPicPr/>
+              <p:nvPr/>
+            </p:nvPicPr>
+            <p:blipFill>
+              <a:blip r:embed="rId5"/>
+              <a:stretch>
+                <a:fillRect/>
+              </a:stretch>
+            </p:blipFill>
+            <p:spPr>
+              <a:xfrm>
+                <a:off x="779400" y="4108680"/>
+                <a:ext cx="233280" cy="34920"/>
+              </a:xfrm>
+              <a:prstGeom prst="rect">
+                <a:avLst/>
+              </a:prstGeom>
+            </p:spPr>
+          </p:pic>
+        </mc:Fallback>
+      </mc:AlternateContent>
     </p:spTree>
     <p:extLst>
       <p:ext uri="{BB962C8B-B14F-4D97-AF65-F5344CB8AC3E}">
